--- a/Replication Project/Replication_Tianxin_Zhang_21352232.pptx
+++ b/Replication Project/Replication_Tianxin_Zhang_21352232.pptx
@@ -16,9 +16,9 @@
     <p:sldId id="283" r:id="rId7"/>
     <p:sldId id="284" r:id="rId8"/>
     <p:sldId id="258" r:id="rId9"/>
-    <p:sldId id="287" r:id="rId10"/>
-    <p:sldId id="285" r:id="rId11"/>
-    <p:sldId id="289" r:id="rId12"/>
+    <p:sldId id="289" r:id="rId10"/>
+    <p:sldId id="287" r:id="rId11"/>
+    <p:sldId id="285" r:id="rId12"/>
     <p:sldId id="290" r:id="rId13"/>
     <p:sldId id="288" r:id="rId14"/>
     <p:sldId id="286" r:id="rId15"/>
@@ -3885,6 +3885,159 @@
           <p:cNvPr id="2" name="标题 1">
             <a:extLst>
               <a:ext uri="{FF2B5EF4-FFF2-40B4-BE49-F238E27FC236}">
+                <a16:creationId xmlns:a16="http://schemas.microsoft.com/office/drawing/2014/main" id="{D45E61C6-CA2B-DD7B-3453-FAAAB4BDD6A5}"/>
+              </a:ext>
+            </a:extLst>
+          </p:cNvPr>
+          <p:cNvSpPr>
+            <a:spLocks noGrp="1"/>
+          </p:cNvSpPr>
+          <p:nvPr>
+            <p:ph type="title"/>
+          </p:nvPr>
+        </p:nvSpPr>
+        <p:spPr/>
+        <p:txBody>
+          <a:bodyPr/>
+          <a:lstStyle/>
+          <a:p>
+            <a:r>
+              <a:rPr lang="en-US" altLang="zh-CN" dirty="0">
+                <a:latin typeface="Times New Roman" panose="02020603050405020304" pitchFamily="18" charset="0"/>
+                <a:cs typeface="Times New Roman" panose="02020603050405020304" pitchFamily="18" charset="0"/>
+              </a:rPr>
+              <a:t>Promotion to</a:t>
+            </a:r>
+            <a:r>
+              <a:rPr lang="zh-CN" altLang="en-US" dirty="0">
+                <a:latin typeface="Times New Roman" panose="02020603050405020304" pitchFamily="18" charset="0"/>
+                <a:cs typeface="Times New Roman" panose="02020603050405020304" pitchFamily="18" charset="0"/>
+              </a:rPr>
+              <a:t> </a:t>
+            </a:r>
+            <a:r>
+              <a:rPr lang="en-US" altLang="zh-CN" dirty="0">
+                <a:latin typeface="Times New Roman" panose="02020603050405020304" pitchFamily="18" charset="0"/>
+                <a:cs typeface="Times New Roman" panose="02020603050405020304" pitchFamily="18" charset="0"/>
+              </a:rPr>
+              <a:t>General  &amp; Tie to leaders</a:t>
+            </a:r>
+            <a:br>
+              <a:rPr lang="en-US" altLang="zh-CN" dirty="0">
+                <a:latin typeface="Times New Roman" panose="02020603050405020304" pitchFamily="18" charset="0"/>
+                <a:cs typeface="Times New Roman" panose="02020603050405020304" pitchFamily="18" charset="0"/>
+              </a:rPr>
+            </a:br>
+            <a:r>
+              <a:rPr lang="en-US" altLang="zh-CN" dirty="0">
+                <a:latin typeface="Times New Roman" panose="02020603050405020304" pitchFamily="18" charset="0"/>
+                <a:cs typeface="Times New Roman" panose="02020603050405020304" pitchFamily="18" charset="0"/>
+              </a:rPr>
+              <a:t>Replicate with logit regression </a:t>
+            </a:r>
+            <a:endParaRPr lang="en-GB" dirty="0"/>
+          </a:p>
+        </p:txBody>
+      </p:sp>
+      <p:pic>
+        <p:nvPicPr>
+          <p:cNvPr id="6" name="内容占位符 5">
+            <a:extLst>
+              <a:ext uri="{FF2B5EF4-FFF2-40B4-BE49-F238E27FC236}">
+                <a16:creationId xmlns:a16="http://schemas.microsoft.com/office/drawing/2014/main" id="{E21BD30C-63D9-F2D3-D336-2337F14DA1E1}"/>
+              </a:ext>
+            </a:extLst>
+          </p:cNvPr>
+          <p:cNvPicPr>
+            <a:picLocks noGrp="1" noChangeAspect="1"/>
+          </p:cNvPicPr>
+          <p:nvPr>
+            <p:ph idx="1"/>
+          </p:nvPr>
+        </p:nvPicPr>
+        <p:blipFill>
+          <a:blip r:embed="rId2">
+            <a:extLst>
+              <a:ext uri="{28A0092B-C50C-407E-A947-70E740481C1C}">
+                <a14:useLocalDpi xmlns:a14="http://schemas.microsoft.com/office/drawing/2010/main" val="0"/>
+              </a:ext>
+            </a:extLst>
+          </a:blip>
+          <a:stretch>
+            <a:fillRect/>
+          </a:stretch>
+        </p:blipFill>
+        <p:spPr>
+          <a:xfrm>
+            <a:off x="1016451" y="1926602"/>
+            <a:ext cx="8622008" cy="4351338"/>
+          </a:xfrm>
+        </p:spPr>
+      </p:pic>
+      <p:sp>
+        <p:nvSpPr>
+          <p:cNvPr id="4" name="灯片编号占位符 3">
+            <a:extLst>
+              <a:ext uri="{FF2B5EF4-FFF2-40B4-BE49-F238E27FC236}">
+                <a16:creationId xmlns:a16="http://schemas.microsoft.com/office/drawing/2014/main" id="{C46C1516-1DD4-AADA-D891-880D658B5389}"/>
+              </a:ext>
+            </a:extLst>
+          </p:cNvPr>
+          <p:cNvSpPr>
+            <a:spLocks noGrp="1"/>
+          </p:cNvSpPr>
+          <p:nvPr>
+            <p:ph type="sldNum" sz="quarter" idx="12"/>
+          </p:nvPr>
+        </p:nvSpPr>
+        <p:spPr/>
+        <p:txBody>
+          <a:bodyPr/>
+          <a:lstStyle/>
+          <a:p>
+            <a:fld id="{41F902B4-3FB8-458D-8E6E-B6B3111C7BD4}" type="slidenum">
+              <a:rPr lang="en-GB" smtClean="0"/>
+              <a:t>10</a:t>
+            </a:fld>
+            <a:endParaRPr lang="en-GB" dirty="0"/>
+          </a:p>
+        </p:txBody>
+      </p:sp>
+    </p:spTree>
+    <p:extLst>
+      <p:ext uri="{BB962C8B-B14F-4D97-AF65-F5344CB8AC3E}">
+        <p14:creationId xmlns:p14="http://schemas.microsoft.com/office/powerpoint/2010/main" val="2272902372"/>
+      </p:ext>
+    </p:extLst>
+  </p:cSld>
+  <p:clrMapOvr>
+    <a:masterClrMapping/>
+  </p:clrMapOvr>
+</p:sld>
+</file>
+
+<file path=ppt/slides/slide11.xml><?xml version="1.0" encoding="utf-8"?>
+<p:sld xmlns:a="http://schemas.openxmlformats.org/drawingml/2006/main" xmlns:r="http://schemas.openxmlformats.org/officeDocument/2006/relationships" xmlns:p="http://schemas.openxmlformats.org/presentationml/2006/main">
+  <p:cSld>
+    <p:spTree>
+      <p:nvGrpSpPr>
+        <p:cNvPr id="1" name=""/>
+        <p:cNvGrpSpPr/>
+        <p:nvPr/>
+      </p:nvGrpSpPr>
+      <p:grpSpPr>
+        <a:xfrm>
+          <a:off x="0" y="0"/>
+          <a:ext cx="0" cy="0"/>
+          <a:chOff x="0" y="0"/>
+          <a:chExt cx="0" cy="0"/>
+        </a:xfrm>
+      </p:grpSpPr>
+      <p:sp>
+        <p:nvSpPr>
+          <p:cNvPr id="2" name="标题 1">
+            <a:extLst>
+              <a:ext uri="{FF2B5EF4-FFF2-40B4-BE49-F238E27FC236}">
                 <a16:creationId xmlns:a16="http://schemas.microsoft.com/office/drawing/2014/main" id="{5AD3E3E6-124A-5C18-251B-2201B40AF590}"/>
               </a:ext>
             </a:extLst>
@@ -3902,11 +4055,32 @@
           <a:lstStyle/>
           <a:p>
             <a:r>
+              <a:rPr lang="en-US">
+                <a:latin typeface="Times New Roman" panose="02020603050405020304" pitchFamily="18" charset="0"/>
+                <a:cs typeface="Times New Roman" panose="02020603050405020304" pitchFamily="18" charset="0"/>
+              </a:rPr>
+              <a:t>Promotion to </a:t>
+            </a:r>
+            <a:r>
+              <a:rPr lang="en-US" altLang="zh-CN">
+                <a:latin typeface="Times New Roman" panose="02020603050405020304" pitchFamily="18" charset="0"/>
+                <a:cs typeface="Times New Roman" panose="02020603050405020304" pitchFamily="18" charset="0"/>
+              </a:rPr>
+              <a:t>General</a:t>
+            </a:r>
+            <a:r>
+              <a:rPr lang="en-US">
+                <a:latin typeface="Times New Roman" panose="02020603050405020304" pitchFamily="18" charset="0"/>
+                <a:cs typeface="Times New Roman" panose="02020603050405020304" pitchFamily="18" charset="0"/>
+              </a:rPr>
+              <a:t> </a:t>
+            </a:r>
+            <a:r>
               <a:rPr lang="en-US" dirty="0">
                 <a:latin typeface="Times New Roman" panose="02020603050405020304" pitchFamily="18" charset="0"/>
                 <a:cs typeface="Times New Roman" panose="02020603050405020304" pitchFamily="18" charset="0"/>
               </a:rPr>
-              <a:t>General Promotion &amp; Tie to </a:t>
+              <a:t>&amp; Tie to </a:t>
             </a:r>
             <a:r>
               <a:rPr lang="en-US" altLang="zh-CN" dirty="0">
@@ -4000,7 +4174,7 @@
           <a:p>
             <a:fld id="{41F902B4-3FB8-458D-8E6E-B6B3111C7BD4}" type="slidenum">
               <a:rPr lang="en-GB" smtClean="0"/>
-              <a:t>10</a:t>
+              <a:t>11</a:t>
             </a:fld>
             <a:endParaRPr lang="en-GB" dirty="0"/>
           </a:p>
@@ -4055,139 +4229,6 @@
 </p:sld>
 </file>
 
-<file path=ppt/slides/slide11.xml><?xml version="1.0" encoding="utf-8"?>
-<p:sld xmlns:a="http://schemas.openxmlformats.org/drawingml/2006/main" xmlns:r="http://schemas.openxmlformats.org/officeDocument/2006/relationships" xmlns:p="http://schemas.openxmlformats.org/presentationml/2006/main">
-  <p:cSld>
-    <p:spTree>
-      <p:nvGrpSpPr>
-        <p:cNvPr id="1" name=""/>
-        <p:cNvGrpSpPr/>
-        <p:nvPr/>
-      </p:nvGrpSpPr>
-      <p:grpSpPr>
-        <a:xfrm>
-          <a:off x="0" y="0"/>
-          <a:ext cx="0" cy="0"/>
-          <a:chOff x="0" y="0"/>
-          <a:chExt cx="0" cy="0"/>
-        </a:xfrm>
-      </p:grpSpPr>
-      <p:sp>
-        <p:nvSpPr>
-          <p:cNvPr id="2" name="标题 1">
-            <a:extLst>
-              <a:ext uri="{FF2B5EF4-FFF2-40B4-BE49-F238E27FC236}">
-                <a16:creationId xmlns:a16="http://schemas.microsoft.com/office/drawing/2014/main" id="{024F112A-4625-9CEC-0FB5-D3FA4BFC8E41}"/>
-              </a:ext>
-            </a:extLst>
-          </p:cNvPr>
-          <p:cNvSpPr>
-            <a:spLocks noGrp="1"/>
-          </p:cNvSpPr>
-          <p:nvPr>
-            <p:ph type="title"/>
-          </p:nvPr>
-        </p:nvSpPr>
-        <p:spPr/>
-        <p:txBody>
-          <a:bodyPr/>
-          <a:lstStyle/>
-          <a:p>
-            <a:r>
-              <a:rPr lang="en-US" altLang="zh-CN" dirty="0">
-                <a:latin typeface="Times New Roman" panose="02020603050405020304" pitchFamily="18" charset="0"/>
-                <a:cs typeface="Times New Roman" panose="02020603050405020304" pitchFamily="18" charset="0"/>
-              </a:rPr>
-              <a:t>Promotion to General  &amp; Tie to leaders</a:t>
-            </a:r>
-            <a:br>
-              <a:rPr lang="en-US" altLang="zh-CN" dirty="0">
-                <a:latin typeface="Times New Roman" panose="02020603050405020304" pitchFamily="18" charset="0"/>
-                <a:cs typeface="Times New Roman" panose="02020603050405020304" pitchFamily="18" charset="0"/>
-              </a:rPr>
-            </a:br>
-            <a:r>
-              <a:rPr lang="en-US" altLang="zh-CN" dirty="0">
-                <a:latin typeface="Times New Roman" panose="02020603050405020304" pitchFamily="18" charset="0"/>
-                <a:cs typeface="Times New Roman" panose="02020603050405020304" pitchFamily="18" charset="0"/>
-              </a:rPr>
-              <a:t>Original Code with OLS</a:t>
-            </a:r>
-            <a:endParaRPr lang="en-GB" dirty="0"/>
-          </a:p>
-        </p:txBody>
-      </p:sp>
-      <p:pic>
-        <p:nvPicPr>
-          <p:cNvPr id="6" name="内容占位符 5">
-            <a:extLst>
-              <a:ext uri="{FF2B5EF4-FFF2-40B4-BE49-F238E27FC236}">
-                <a16:creationId xmlns:a16="http://schemas.microsoft.com/office/drawing/2014/main" id="{632EFF07-4662-0DED-CA39-D0EEB6F39ABF}"/>
-              </a:ext>
-            </a:extLst>
-          </p:cNvPr>
-          <p:cNvPicPr>
-            <a:picLocks noGrp="1" noChangeAspect="1"/>
-          </p:cNvPicPr>
-          <p:nvPr>
-            <p:ph idx="1"/>
-          </p:nvPr>
-        </p:nvPicPr>
-        <p:blipFill>
-          <a:blip r:embed="rId2"/>
-          <a:stretch>
-            <a:fillRect/>
-          </a:stretch>
-        </p:blipFill>
-        <p:spPr>
-          <a:xfrm>
-            <a:off x="2461214" y="1825625"/>
-            <a:ext cx="7269572" cy="4351338"/>
-          </a:xfrm>
-        </p:spPr>
-      </p:pic>
-      <p:sp>
-        <p:nvSpPr>
-          <p:cNvPr id="4" name="灯片编号占位符 3">
-            <a:extLst>
-              <a:ext uri="{FF2B5EF4-FFF2-40B4-BE49-F238E27FC236}">
-                <a16:creationId xmlns:a16="http://schemas.microsoft.com/office/drawing/2014/main" id="{8E87194F-3EC4-6AEB-F09A-100A694EEF4C}"/>
-              </a:ext>
-            </a:extLst>
-          </p:cNvPr>
-          <p:cNvSpPr>
-            <a:spLocks noGrp="1"/>
-          </p:cNvSpPr>
-          <p:nvPr>
-            <p:ph type="sldNum" sz="quarter" idx="12"/>
-          </p:nvPr>
-        </p:nvSpPr>
-        <p:spPr/>
-        <p:txBody>
-          <a:bodyPr/>
-          <a:lstStyle/>
-          <a:p>
-            <a:fld id="{41F902B4-3FB8-458D-8E6E-B6B3111C7BD4}" type="slidenum">
-              <a:rPr lang="en-GB" smtClean="0"/>
-              <a:t>11</a:t>
-            </a:fld>
-            <a:endParaRPr lang="en-GB" dirty="0"/>
-          </a:p>
-        </p:txBody>
-      </p:sp>
-    </p:spTree>
-    <p:extLst>
-      <p:ext uri="{BB962C8B-B14F-4D97-AF65-F5344CB8AC3E}">
-        <p14:creationId xmlns:p14="http://schemas.microsoft.com/office/powerpoint/2010/main" val="77506926"/>
-      </p:ext>
-    </p:extLst>
-  </p:cSld>
-  <p:clrMapOvr>
-    <a:masterClrMapping/>
-  </p:clrMapOvr>
-</p:sld>
-</file>
-
 <file path=ppt/slides/slide12.xml><?xml version="1.0" encoding="utf-8"?>
 <p:sld xmlns:a="http://schemas.openxmlformats.org/drawingml/2006/main" xmlns:r="http://schemas.openxmlformats.org/officeDocument/2006/relationships" xmlns:p="http://schemas.openxmlformats.org/presentationml/2006/main">
   <p:cSld>
@@ -4280,7 +4321,7 @@
         </p:blipFill>
         <p:spPr>
           <a:xfrm>
-            <a:off x="2861780" y="1825625"/>
+            <a:off x="838200" y="1847850"/>
             <a:ext cx="6468439" cy="4351338"/>
           </a:xfrm>
         </p:spPr>
@@ -4419,7 +4460,7 @@
         </p:blipFill>
         <p:spPr>
           <a:xfrm>
-            <a:off x="1966237" y="1847850"/>
+            <a:off x="838200" y="1898338"/>
             <a:ext cx="8169769" cy="4351338"/>
           </a:xfrm>
         </p:spPr>
@@ -8872,7 +8913,7 @@
           <p:cNvPr id="2" name="标题 1">
             <a:extLst>
               <a:ext uri="{FF2B5EF4-FFF2-40B4-BE49-F238E27FC236}">
-                <a16:creationId xmlns:a16="http://schemas.microsoft.com/office/drawing/2014/main" id="{D45E61C6-CA2B-DD7B-3453-FAAAB4BDD6A5}"/>
+                <a16:creationId xmlns:a16="http://schemas.microsoft.com/office/drawing/2014/main" id="{024F112A-4625-9CEC-0FB5-D3FA4BFC8E41}"/>
               </a:ext>
             </a:extLst>
           </p:cNvPr>
@@ -8893,7 +8934,7 @@
                 <a:latin typeface="Times New Roman" panose="02020603050405020304" pitchFamily="18" charset="0"/>
                 <a:cs typeface="Times New Roman" panose="02020603050405020304" pitchFamily="18" charset="0"/>
               </a:rPr>
-              <a:t>General Promotion &amp; Tie to leaders</a:t>
+              <a:t>Promotion to General  &amp; Tie to leaders</a:t>
             </a:r>
             <a:br>
               <a:rPr lang="en-US" altLang="zh-CN" dirty="0">
@@ -8906,7 +8947,7 @@
                 <a:latin typeface="Times New Roman" panose="02020603050405020304" pitchFamily="18" charset="0"/>
                 <a:cs typeface="Times New Roman" panose="02020603050405020304" pitchFamily="18" charset="0"/>
               </a:rPr>
-              <a:t>Replicate with logit regression </a:t>
+              <a:t>Original Code with OLS</a:t>
             </a:r>
             <a:endParaRPr lang="en-GB" dirty="0"/>
           </a:p>
@@ -8917,7 +8958,7 @@
           <p:cNvPr id="6" name="内容占位符 5">
             <a:extLst>
               <a:ext uri="{FF2B5EF4-FFF2-40B4-BE49-F238E27FC236}">
-                <a16:creationId xmlns:a16="http://schemas.microsoft.com/office/drawing/2014/main" id="{E21BD30C-63D9-F2D3-D336-2337F14DA1E1}"/>
+                <a16:creationId xmlns:a16="http://schemas.microsoft.com/office/drawing/2014/main" id="{632EFF07-4662-0DED-CA39-D0EEB6F39ABF}"/>
               </a:ext>
             </a:extLst>
           </p:cNvPr>
@@ -8929,21 +8970,15 @@
           </p:nvPr>
         </p:nvPicPr>
         <p:blipFill>
-          <a:blip r:embed="rId2">
-            <a:extLst>
-              <a:ext uri="{28A0092B-C50C-407E-A947-70E740481C1C}">
-                <a14:useLocalDpi xmlns:a14="http://schemas.microsoft.com/office/drawing/2010/main" val="0"/>
-              </a:ext>
-            </a:extLst>
-          </a:blip>
+          <a:blip r:embed="rId2"/>
           <a:stretch>
             <a:fillRect/>
           </a:stretch>
         </p:blipFill>
         <p:spPr>
           <a:xfrm>
-            <a:off x="1016451" y="1926602"/>
-            <a:ext cx="8622008" cy="4351338"/>
+            <a:off x="838200" y="1847850"/>
+            <a:ext cx="7269572" cy="4351338"/>
           </a:xfrm>
         </p:spPr>
       </p:pic>
@@ -8952,7 +8987,7 @@
           <p:cNvPr id="4" name="灯片编号占位符 3">
             <a:extLst>
               <a:ext uri="{FF2B5EF4-FFF2-40B4-BE49-F238E27FC236}">
-                <a16:creationId xmlns:a16="http://schemas.microsoft.com/office/drawing/2014/main" id="{C46C1516-1DD4-AADA-D891-880D658B5389}"/>
+                <a16:creationId xmlns:a16="http://schemas.microsoft.com/office/drawing/2014/main" id="{8E87194F-3EC4-6AEB-F09A-100A694EEF4C}"/>
               </a:ext>
             </a:extLst>
           </p:cNvPr>
@@ -8979,7 +9014,7 @@
     </p:spTree>
     <p:extLst>
       <p:ext uri="{BB962C8B-B14F-4D97-AF65-F5344CB8AC3E}">
-        <p14:creationId xmlns:p14="http://schemas.microsoft.com/office/powerpoint/2010/main" val="2272902372"/>
+        <p14:creationId xmlns:p14="http://schemas.microsoft.com/office/powerpoint/2010/main" val="77506926"/>
       </p:ext>
     </p:extLst>
   </p:cSld>

--- a/Replication Project/Replication_Tianxin_Zhang_21352232.pptx
+++ b/Replication Project/Replication_Tianxin_Zhang_21352232.pptx
@@ -3776,7 +3776,14 @@
                 <a:latin typeface="Times New Roman" panose="02020603050405020304" pitchFamily="18" charset="0"/>
                 <a:cs typeface="Times New Roman" panose="02020603050405020304" pitchFamily="18" charset="0"/>
               </a:rPr>
-              <a:t>How the Party Commands the Gun: The Foreign–Domestic Threat Dilemma in China </a:t>
+              <a:t>How the Party Commands the Gun: The Foreign–Domestic Threat Dilemma </a:t>
+            </a:r>
+            <a:r>
+              <a:rPr lang="en-US" altLang="zh-CN" sz="5000">
+                <a:latin typeface="Times New Roman" panose="02020603050405020304" pitchFamily="18" charset="0"/>
+                <a:cs typeface="Times New Roman" panose="02020603050405020304" pitchFamily="18" charset="0"/>
+              </a:rPr>
+              <a:t>in China </a:t>
             </a:r>
             <a:endParaRPr lang="en-GB" sz="5000" dirty="0">
               <a:latin typeface="Times New Roman" panose="02020603050405020304" pitchFamily="18" charset="0"/>

--- a/Replication Project/Replication_Tianxin_Zhang_21352232.pptx
+++ b/Replication Project/Replication_Tianxin_Zhang_21352232.pptx
@@ -5,7 +5,7 @@
     <p:sldMasterId id="2147483648" r:id="rId1"/>
   </p:sldMasterIdLst>
   <p:notesMasterIdLst>
-    <p:notesMasterId r:id="rId32"/>
+    <p:notesMasterId r:id="rId33"/>
   </p:notesMasterIdLst>
   <p:sldIdLst>
     <p:sldId id="256" r:id="rId2"/>
@@ -36,8 +36,9 @@
     <p:sldId id="274" r:id="rId27"/>
     <p:sldId id="275" r:id="rId28"/>
     <p:sldId id="276" r:id="rId29"/>
-    <p:sldId id="292" r:id="rId30"/>
-    <p:sldId id="291" r:id="rId31"/>
+    <p:sldId id="293" r:id="rId30"/>
+    <p:sldId id="292" r:id="rId31"/>
+    <p:sldId id="291" r:id="rId32"/>
   </p:sldIdLst>
   <p:sldSz cx="12192000" cy="6858000"/>
   <p:notesSz cx="6858000" cy="9144000"/>
@@ -5848,7 +5849,7 @@
                 <a:latin typeface="Times New Roman" panose="02020603050405020304" pitchFamily="18" charset="0"/>
                 <a:cs typeface="Times New Roman" panose="02020603050405020304" pitchFamily="18" charset="0"/>
               </a:rPr>
-              <a:t>Addictive vs. Interaction: General Promotion  </a:t>
+              <a:t>Additive vs. Interaction: General Promotion  </a:t>
             </a:r>
             <a:endParaRPr lang="en-GB" dirty="0"/>
           </a:p>
@@ -5958,7 +5959,7 @@
                 <a:latin typeface="Times New Roman" panose="02020603050405020304" pitchFamily="18" charset="0"/>
                 <a:cs typeface="Times New Roman" panose="02020603050405020304" pitchFamily="18" charset="0"/>
               </a:rPr>
-              <a:t>Holding other covariates constant, if an officer from ethnic minority background is born in rural China, the log odds of that officer being promoted to general are by 0.516 larger than those officers from ethnic minority born in urban on average. </a:t>
+              <a:t>Holding other covariates constant, if an officer from ethnic minority background is born in rural China, the log odds of that officer being promoted to general are by 0.516 larger than those officers from ethnic minority families and born in urban on average. </a:t>
             </a:r>
           </a:p>
           <a:p>
@@ -5995,18 +5996,40 @@
             </a:endParaRPr>
           </a:p>
           <a:p>
-            <a:endParaRPr lang="en-GB" altLang="zh-CN" dirty="0">
-              <a:latin typeface="Times New Roman" panose="02020603050405020304" pitchFamily="18" charset="0"/>
-              <a:cs typeface="Times New Roman" panose="02020603050405020304" pitchFamily="18" charset="0"/>
-            </a:endParaRPr>
-          </a:p>
-          <a:p>
             <a:r>
               <a:rPr lang="en-GB" altLang="zh-CN" dirty="0">
                 <a:latin typeface="Times New Roman" panose="02020603050405020304" pitchFamily="18" charset="0"/>
                 <a:cs typeface="Times New Roman" panose="02020603050405020304" pitchFamily="18" charset="0"/>
               </a:rPr>
-              <a:t>Therefore, the effect of being born in rural China does not have a different effect between officers from Han ethnicity and ethnic minority on being promoted to general or not.</a:t>
+              <a:t>Therefore, the effect of being born in rural China does not have a different effect </a:t>
+            </a:r>
+            <a:r>
+              <a:rPr lang="en-US" altLang="zh-CN" dirty="0">
+                <a:latin typeface="Times New Roman" panose="02020603050405020304" pitchFamily="18" charset="0"/>
+                <a:cs typeface="Times New Roman" panose="02020603050405020304" pitchFamily="18" charset="0"/>
+              </a:rPr>
+              <a:t>(</a:t>
+            </a:r>
+            <a:r>
+              <a:rPr lang="en-GB" altLang="zh-CN" dirty="0">
+                <a:latin typeface="Times New Roman" panose="02020603050405020304" pitchFamily="18" charset="0"/>
+                <a:cs typeface="Times New Roman" panose="02020603050405020304" pitchFamily="18" charset="0"/>
+              </a:rPr>
+              <a:t>that statistically significantly different from 0</a:t>
+            </a:r>
+            <a:r>
+              <a:rPr lang="en-US" altLang="zh-CN" dirty="0">
+                <a:latin typeface="Times New Roman" panose="02020603050405020304" pitchFamily="18" charset="0"/>
+                <a:cs typeface="Times New Roman" panose="02020603050405020304" pitchFamily="18" charset="0"/>
+              </a:rPr>
+              <a:t>) </a:t>
+            </a:r>
+            <a:r>
+              <a:rPr lang="en-GB" altLang="zh-CN" dirty="0">
+                <a:latin typeface="Times New Roman" panose="02020603050405020304" pitchFamily="18" charset="0"/>
+                <a:cs typeface="Times New Roman" panose="02020603050405020304" pitchFamily="18" charset="0"/>
+              </a:rPr>
+              <a:t>between officers from Han ethnicity and ethnic minority on being promoted to general or not.</a:t>
             </a:r>
           </a:p>
         </p:txBody>
@@ -6096,7 +6119,7 @@
                 <a:latin typeface="Times New Roman" panose="02020603050405020304" pitchFamily="18" charset="0"/>
                 <a:cs typeface="Times New Roman" panose="02020603050405020304" pitchFamily="18" charset="0"/>
               </a:rPr>
-              <a:t>Addictive vs. Interaction: CMC Promotion  </a:t>
+              <a:t>Additive vs. Interaction: CMC Promotion  </a:t>
             </a:r>
             <a:endParaRPr lang="en-GB" dirty="0">
               <a:latin typeface="Times New Roman" panose="02020603050405020304" pitchFamily="18" charset="0"/>
@@ -6209,7 +6232,7 @@
                 <a:latin typeface="Times New Roman" panose="02020603050405020304" pitchFamily="18" charset="0"/>
                 <a:cs typeface="Times New Roman" panose="02020603050405020304" pitchFamily="18" charset="0"/>
               </a:rPr>
-              <a:t>Holding other covariates constant, if an officer from ethnic minority background is born in rural China, the log odds of that officer being promoted to CMC are by 0.516 larger than those officers from ethnic minority born in urban on average. </a:t>
+              <a:t>Holding other covariates constant, if an officer from ethnic minority background is born in rural China, the log odds of that officer being promoted to CMC are by 1.055 larger than those officers from ethnic minority families and born in urban on average. </a:t>
             </a:r>
           </a:p>
           <a:p>
@@ -6536,7 +6559,7 @@
         </p:blipFill>
         <p:spPr>
           <a:xfrm>
-            <a:off x="6643240" y="1427327"/>
+            <a:off x="8217800" y="1211290"/>
             <a:ext cx="3974200" cy="5360549"/>
           </a:xfrm>
         </p:spPr>
@@ -6567,7 +6590,7 @@
                 <a:latin typeface="Times New Roman" panose="02020603050405020304" pitchFamily="18" charset="0"/>
                 <a:cs typeface="Times New Roman" panose="02020603050405020304" pitchFamily="18" charset="0"/>
               </a:rPr>
-              <a:t>Interaction: General Promotion  </a:t>
+              <a:t>Additive vs. Interaction: General Promotion  </a:t>
             </a:r>
             <a:endParaRPr lang="en-GB" dirty="0"/>
           </a:p>
@@ -6606,7 +6629,7 @@
                 <a:latin typeface="Times New Roman" panose="02020603050405020304" pitchFamily="18" charset="0"/>
                 <a:cs typeface="Times New Roman" panose="02020603050405020304" pitchFamily="18" charset="0"/>
               </a:rPr>
-              <a:t>Holding other covariates constant, if an officer with combat experience after 1949 and had commissar experience, the log odds of that officer being promoted to general are by 0.371 smaller than those combat experienced officers without commissar experience.</a:t>
+              <a:t>Holding other covariates constant, if an officer with combat experience after 1949 has commissar experience at the same time, the log odds of that officer being promoted to general are by 0.371 smaller than those combat experienced officers without commissar experience.</a:t>
             </a:r>
           </a:p>
           <a:p>
@@ -6643,18 +6666,12 @@
             </a:endParaRPr>
           </a:p>
           <a:p>
-            <a:endParaRPr lang="en-GB" altLang="zh-CN" dirty="0">
-              <a:latin typeface="Times New Roman" panose="02020603050405020304" pitchFamily="18" charset="0"/>
-              <a:cs typeface="Times New Roman" panose="02020603050405020304" pitchFamily="18" charset="0"/>
-            </a:endParaRPr>
-          </a:p>
-          <a:p>
             <a:r>
               <a:rPr lang="en-GB" altLang="zh-CN" dirty="0">
                 <a:latin typeface="Times New Roman" panose="02020603050405020304" pitchFamily="18" charset="0"/>
                 <a:cs typeface="Times New Roman" panose="02020603050405020304" pitchFamily="18" charset="0"/>
               </a:rPr>
-              <a:t>Therefore, the effect of having combat experience does not have a different effect between officers with commissar experience and those without commissar experience. </a:t>
+              <a:t>Therefore, the effect of having combat experience does not have a different effect (that statistically significantly different from 0) between officers with commissar experience and those without commissar experience. </a:t>
             </a:r>
           </a:p>
         </p:txBody>
@@ -6688,6 +6705,42 @@
           </a:p>
         </p:txBody>
       </p:sp>
+      <p:pic>
+        <p:nvPicPr>
+          <p:cNvPr id="3" name="内容占位符 4">
+            <a:extLst>
+              <a:ext uri="{FF2B5EF4-FFF2-40B4-BE49-F238E27FC236}">
+                <a16:creationId xmlns:a16="http://schemas.microsoft.com/office/drawing/2014/main" id="{308FBBD1-7E86-B1BE-2D6D-E978B3916737}"/>
+              </a:ext>
+            </a:extLst>
+          </p:cNvPr>
+          <p:cNvPicPr>
+            <a:picLocks noChangeAspect="1"/>
+          </p:cNvPicPr>
+          <p:nvPr/>
+        </p:nvPicPr>
+        <p:blipFill>
+          <a:blip r:embed="rId3">
+            <a:extLst>
+              <a:ext uri="{28A0092B-C50C-407E-A947-70E740481C1C}">
+                <a14:useLocalDpi xmlns:a14="http://schemas.microsoft.com/office/drawing/2010/main" val="0"/>
+              </a:ext>
+            </a:extLst>
+          </a:blip>
+          <a:stretch>
+            <a:fillRect/>
+          </a:stretch>
+        </p:blipFill>
+        <p:spPr>
+          <a:xfrm>
+            <a:off x="5313149" y="1211290"/>
+            <a:ext cx="2982648" cy="5627262"/>
+          </a:xfrm>
+          <a:prstGeom prst="rect">
+            <a:avLst/>
+          </a:prstGeom>
+        </p:spPr>
+      </p:pic>
     </p:spTree>
     <p:extLst>
       <p:ext uri="{BB962C8B-B14F-4D97-AF65-F5344CB8AC3E}">
@@ -6744,7 +6797,7 @@
                 <a:latin typeface="Times New Roman" panose="02020603050405020304" pitchFamily="18" charset="0"/>
                 <a:cs typeface="Times New Roman" panose="02020603050405020304" pitchFamily="18" charset="0"/>
               </a:rPr>
-              <a:t>Interaction: CMC Promotion  </a:t>
+              <a:t>Additive vs. Interaction: CMC Promotion  </a:t>
             </a:r>
             <a:endParaRPr lang="en-GB" dirty="0">
               <a:latin typeface="Times New Roman" panose="02020603050405020304" pitchFamily="18" charset="0"/>
@@ -6768,7 +6821,7 @@
         <p:spPr>
           <a:xfrm>
             <a:off x="838200" y="1850727"/>
-            <a:ext cx="5144854" cy="4801314"/>
+            <a:ext cx="4736556" cy="4801314"/>
           </a:xfrm>
           <a:prstGeom prst="rect">
             <a:avLst/>
@@ -6786,7 +6839,7 @@
                 <a:latin typeface="Times New Roman" panose="02020603050405020304" pitchFamily="18" charset="0"/>
                 <a:cs typeface="Times New Roman" panose="02020603050405020304" pitchFamily="18" charset="0"/>
               </a:rPr>
-              <a:t>Holding other covariates constant, if an officer with combat experience also has career experience in commissar, the log odds of that officer being promoted to CMC are by 0.221 larger than those officers with combat experiences but have no experience in commissar.</a:t>
+              <a:t>Holding other covariates constant, if an officer with combat experience after 1949 also has career experience in commissar, the log odds of that officer being promoted to CMC are by 0.221 larger than those officers with combat experiences but have no experience in commissar.</a:t>
             </a:r>
           </a:p>
           <a:p>
@@ -6823,18 +6876,12 @@
             </a:endParaRPr>
           </a:p>
           <a:p>
-            <a:endParaRPr lang="en-GB" altLang="zh-CN" dirty="0">
-              <a:latin typeface="Times New Roman" panose="02020603050405020304" pitchFamily="18" charset="0"/>
-              <a:cs typeface="Times New Roman" panose="02020603050405020304" pitchFamily="18" charset="0"/>
-            </a:endParaRPr>
-          </a:p>
-          <a:p>
             <a:r>
               <a:rPr lang="en-GB" altLang="zh-CN" dirty="0">
                 <a:latin typeface="Times New Roman" panose="02020603050405020304" pitchFamily="18" charset="0"/>
                 <a:cs typeface="Times New Roman" panose="02020603050405020304" pitchFamily="18" charset="0"/>
               </a:rPr>
-              <a:t>Therefore, the effect of being born in rural China does not have a different effect between officers from Han ethnicity and ethnic minority on being promoted to CMC or not.</a:t>
+              <a:t>Therefore, the effect of being born in rural China does not have a different effect (that statistically significantly different from 0) between officers from Han ethnicity and ethnic minority on being promoted to CMC or not.</a:t>
             </a:r>
           </a:p>
         </p:txBody>
@@ -6869,8 +6916,8 @@
         </p:blipFill>
         <p:spPr>
           <a:xfrm>
-            <a:off x="7039081" y="1376838"/>
-            <a:ext cx="3866402" cy="5435243"/>
+            <a:off x="8601094" y="1200613"/>
+            <a:ext cx="3667573" cy="5155737"/>
           </a:xfrm>
           <a:prstGeom prst="rect">
             <a:avLst/>
@@ -6906,6 +6953,42 @@
           </a:p>
         </p:txBody>
       </p:sp>
+      <p:pic>
+        <p:nvPicPr>
+          <p:cNvPr id="3" name="内容占位符 10">
+            <a:extLst>
+              <a:ext uri="{FF2B5EF4-FFF2-40B4-BE49-F238E27FC236}">
+                <a16:creationId xmlns:a16="http://schemas.microsoft.com/office/drawing/2014/main" id="{B6E14E95-4E6F-14CD-66F7-DD3907311081}"/>
+              </a:ext>
+            </a:extLst>
+          </p:cNvPr>
+          <p:cNvPicPr>
+            <a:picLocks noChangeAspect="1"/>
+          </p:cNvPicPr>
+          <p:nvPr/>
+        </p:nvPicPr>
+        <p:blipFill>
+          <a:blip r:embed="rId3">
+            <a:extLst>
+              <a:ext uri="{28A0092B-C50C-407E-A947-70E740481C1C}">
+                <a14:useLocalDpi xmlns:a14="http://schemas.microsoft.com/office/drawing/2010/main" val="0"/>
+              </a:ext>
+            </a:extLst>
+          </a:blip>
+          <a:stretch>
+            <a:fillRect/>
+          </a:stretch>
+        </p:blipFill>
+        <p:spPr>
+          <a:xfrm>
+            <a:off x="5784987" y="1250989"/>
+            <a:ext cx="2738275" cy="5105361"/>
+          </a:xfrm>
+          <a:prstGeom prst="rect">
+            <a:avLst/>
+          </a:prstGeom>
+        </p:spPr>
+      </p:pic>
     </p:spTree>
     <p:extLst>
       <p:ext uri="{BB962C8B-B14F-4D97-AF65-F5344CB8AC3E}">
@@ -7075,153 +7158,6 @@
           <a:chExt cx="0" cy="0"/>
         </a:xfrm>
       </p:grpSpPr>
-      <p:sp>
-        <p:nvSpPr>
-          <p:cNvPr id="2" name="标题 1">
-            <a:extLst>
-              <a:ext uri="{FF2B5EF4-FFF2-40B4-BE49-F238E27FC236}">
-                <a16:creationId xmlns:a16="http://schemas.microsoft.com/office/drawing/2014/main" id="{A6272F24-D211-F657-7A1B-663197A7268B}"/>
-              </a:ext>
-            </a:extLst>
-          </p:cNvPr>
-          <p:cNvSpPr>
-            <a:spLocks noGrp="1"/>
-          </p:cNvSpPr>
-          <p:nvPr>
-            <p:ph type="title"/>
-          </p:nvPr>
-        </p:nvSpPr>
-        <p:spPr/>
-        <p:txBody>
-          <a:bodyPr/>
-          <a:lstStyle/>
-          <a:p>
-            <a:r>
-              <a:rPr lang="en-US" altLang="zh-CN" dirty="0">
-                <a:latin typeface="Times New Roman" panose="02020603050405020304" pitchFamily="18" charset="0"/>
-                <a:cs typeface="Times New Roman" panose="02020603050405020304" pitchFamily="18" charset="0"/>
-              </a:rPr>
-              <a:t>Addictive vs. Interaction: General Promotion  </a:t>
-            </a:r>
-            <a:endParaRPr lang="en-GB" dirty="0"/>
-          </a:p>
-        </p:txBody>
-      </p:sp>
-      <p:sp>
-        <p:nvSpPr>
-          <p:cNvPr id="13" name="文本框 12">
-            <a:extLst>
-              <a:ext uri="{FF2B5EF4-FFF2-40B4-BE49-F238E27FC236}">
-                <a16:creationId xmlns:a16="http://schemas.microsoft.com/office/drawing/2014/main" id="{06CF8285-9C88-9D94-85E3-83642364EE0B}"/>
-              </a:ext>
-            </a:extLst>
-          </p:cNvPr>
-          <p:cNvSpPr txBox="1"/>
-          <p:nvPr/>
-        </p:nvSpPr>
-        <p:spPr>
-          <a:xfrm>
-            <a:off x="838200" y="1800234"/>
-            <a:ext cx="5144854" cy="4801314"/>
-          </a:xfrm>
-          <a:prstGeom prst="rect">
-            <a:avLst/>
-          </a:prstGeom>
-          <a:noFill/>
-        </p:spPr>
-        <p:txBody>
-          <a:bodyPr wrap="square">
-            <a:spAutoFit/>
-          </a:bodyPr>
-          <a:lstStyle/>
-          <a:p>
-            <a:r>
-              <a:rPr lang="en-GB" altLang="zh-CN" dirty="0">
-                <a:latin typeface="Times New Roman" panose="02020603050405020304" pitchFamily="18" charset="0"/>
-                <a:cs typeface="Times New Roman" panose="02020603050405020304" pitchFamily="18" charset="0"/>
-              </a:rPr>
-              <a:t>Holding other covariates constant, if an officer from ethnic minority background has commissar experience, the log odds of that officer being promoted to general are by 0.458 larger than other ethnic minority officers without commissar experience. </a:t>
-            </a:r>
-          </a:p>
-          <a:p>
-            <a:endParaRPr lang="en-GB" altLang="zh-CN" dirty="0">
-              <a:latin typeface="Times New Roman" panose="02020603050405020304" pitchFamily="18" charset="0"/>
-              <a:cs typeface="Times New Roman" panose="02020603050405020304" pitchFamily="18" charset="0"/>
-            </a:endParaRPr>
-          </a:p>
-          <a:p>
-            <a:endParaRPr lang="en-GB" altLang="zh-CN" dirty="0">
-              <a:latin typeface="Times New Roman" panose="02020603050405020304" pitchFamily="18" charset="0"/>
-              <a:cs typeface="Times New Roman" panose="02020603050405020304" pitchFamily="18" charset="0"/>
-            </a:endParaRPr>
-          </a:p>
-          <a:p>
-            <a:r>
-              <a:rPr lang="en-GB" altLang="zh-CN" dirty="0">
-                <a:latin typeface="Times New Roman" panose="02020603050405020304" pitchFamily="18" charset="0"/>
-                <a:cs typeface="Times New Roman" panose="02020603050405020304" pitchFamily="18" charset="0"/>
-              </a:rPr>
-              <a:t>But the interaction effect is not significantly different from 0.</a:t>
-            </a:r>
-          </a:p>
-          <a:p>
-            <a:endParaRPr lang="en-GB" altLang="zh-CN" dirty="0">
-              <a:latin typeface="Times New Roman" panose="02020603050405020304" pitchFamily="18" charset="0"/>
-              <a:cs typeface="Times New Roman" panose="02020603050405020304" pitchFamily="18" charset="0"/>
-            </a:endParaRPr>
-          </a:p>
-          <a:p>
-            <a:endParaRPr lang="en-GB" altLang="zh-CN" dirty="0">
-              <a:latin typeface="Times New Roman" panose="02020603050405020304" pitchFamily="18" charset="0"/>
-              <a:cs typeface="Times New Roman" panose="02020603050405020304" pitchFamily="18" charset="0"/>
-            </a:endParaRPr>
-          </a:p>
-          <a:p>
-            <a:endParaRPr lang="en-GB" altLang="zh-CN" dirty="0">
-              <a:latin typeface="Times New Roman" panose="02020603050405020304" pitchFamily="18" charset="0"/>
-              <a:cs typeface="Times New Roman" panose="02020603050405020304" pitchFamily="18" charset="0"/>
-            </a:endParaRPr>
-          </a:p>
-          <a:p>
-            <a:r>
-              <a:rPr lang="en-GB" altLang="zh-CN" dirty="0">
-                <a:latin typeface="Times New Roman" panose="02020603050405020304" pitchFamily="18" charset="0"/>
-                <a:cs typeface="Times New Roman" panose="02020603050405020304" pitchFamily="18" charset="0"/>
-              </a:rPr>
-              <a:t>Therefore, the effect of having commissar experience does not have a different effect between officers from Han ethnicity and ethnic minority on being promoted to general or not.</a:t>
-            </a:r>
-          </a:p>
-        </p:txBody>
-      </p:sp>
-      <p:sp>
-        <p:nvSpPr>
-          <p:cNvPr id="9" name="灯片编号占位符 8">
-            <a:extLst>
-              <a:ext uri="{FF2B5EF4-FFF2-40B4-BE49-F238E27FC236}">
-                <a16:creationId xmlns:a16="http://schemas.microsoft.com/office/drawing/2014/main" id="{FF200044-3B81-38F4-0D23-086726DAD265}"/>
-              </a:ext>
-            </a:extLst>
-          </p:cNvPr>
-          <p:cNvSpPr>
-            <a:spLocks noGrp="1"/>
-          </p:cNvSpPr>
-          <p:nvPr>
-            <p:ph type="sldNum" sz="quarter" idx="12"/>
-          </p:nvPr>
-        </p:nvSpPr>
-        <p:spPr/>
-        <p:txBody>
-          <a:bodyPr/>
-          <a:lstStyle/>
-          <a:p>
-            <a:fld id="{41F902B4-3FB8-458D-8E6E-B6B3111C7BD4}" type="slidenum">
-              <a:rPr lang="en-GB" smtClean="0"/>
-              <a:t>26</a:t>
-            </a:fld>
-            <a:endParaRPr lang="en-GB" dirty="0"/>
-          </a:p>
-        </p:txBody>
-      </p:sp>
       <p:pic>
         <p:nvPicPr>
           <p:cNvPr id="11" name="图片 10">
@@ -7250,8 +7186,191 @@
         </p:blipFill>
         <p:spPr>
           <a:xfrm>
-            <a:off x="7271461" y="1288214"/>
-            <a:ext cx="3786215" cy="5548353"/>
+            <a:off x="8672308" y="1552697"/>
+            <a:ext cx="3402610" cy="4986215"/>
+          </a:xfrm>
+          <a:prstGeom prst="rect">
+            <a:avLst/>
+          </a:prstGeom>
+        </p:spPr>
+      </p:pic>
+      <p:sp>
+        <p:nvSpPr>
+          <p:cNvPr id="2" name="标题 1">
+            <a:extLst>
+              <a:ext uri="{FF2B5EF4-FFF2-40B4-BE49-F238E27FC236}">
+                <a16:creationId xmlns:a16="http://schemas.microsoft.com/office/drawing/2014/main" id="{A6272F24-D211-F657-7A1B-663197A7268B}"/>
+              </a:ext>
+            </a:extLst>
+          </p:cNvPr>
+          <p:cNvSpPr>
+            <a:spLocks noGrp="1"/>
+          </p:cNvSpPr>
+          <p:nvPr>
+            <p:ph type="title"/>
+          </p:nvPr>
+        </p:nvSpPr>
+        <p:spPr/>
+        <p:txBody>
+          <a:bodyPr/>
+          <a:lstStyle/>
+          <a:p>
+            <a:r>
+              <a:rPr lang="en-US" altLang="zh-CN" dirty="0">
+                <a:latin typeface="Times New Roman" panose="02020603050405020304" pitchFamily="18" charset="0"/>
+                <a:cs typeface="Times New Roman" panose="02020603050405020304" pitchFamily="18" charset="0"/>
+              </a:rPr>
+              <a:t>Additive vs. Interaction: General Promotion  </a:t>
+            </a:r>
+            <a:endParaRPr lang="en-GB" dirty="0"/>
+          </a:p>
+        </p:txBody>
+      </p:sp>
+      <p:sp>
+        <p:nvSpPr>
+          <p:cNvPr id="13" name="文本框 12">
+            <a:extLst>
+              <a:ext uri="{FF2B5EF4-FFF2-40B4-BE49-F238E27FC236}">
+                <a16:creationId xmlns:a16="http://schemas.microsoft.com/office/drawing/2014/main" id="{06CF8285-9C88-9D94-85E3-83642364EE0B}"/>
+              </a:ext>
+            </a:extLst>
+          </p:cNvPr>
+          <p:cNvSpPr txBox="1"/>
+          <p:nvPr/>
+        </p:nvSpPr>
+        <p:spPr>
+          <a:xfrm>
+            <a:off x="838200" y="1800234"/>
+            <a:ext cx="5144854" cy="5078313"/>
+          </a:xfrm>
+          <a:prstGeom prst="rect">
+            <a:avLst/>
+          </a:prstGeom>
+          <a:noFill/>
+        </p:spPr>
+        <p:txBody>
+          <a:bodyPr wrap="square">
+            <a:spAutoFit/>
+          </a:bodyPr>
+          <a:lstStyle/>
+          <a:p>
+            <a:r>
+              <a:rPr lang="en-GB" altLang="zh-CN" dirty="0">
+                <a:latin typeface="Times New Roman" panose="02020603050405020304" pitchFamily="18" charset="0"/>
+                <a:cs typeface="Times New Roman" panose="02020603050405020304" pitchFamily="18" charset="0"/>
+              </a:rPr>
+              <a:t>Holding other covariates constant, if an officer from ethnic minority background has commissar experience, the log odds of that officer being promoted to general are by 0.458 larger than other ethnic minority officers without commissar experience. </a:t>
+            </a:r>
+          </a:p>
+          <a:p>
+            <a:endParaRPr lang="en-GB" altLang="zh-CN" dirty="0">
+              <a:latin typeface="Times New Roman" panose="02020603050405020304" pitchFamily="18" charset="0"/>
+              <a:cs typeface="Times New Roman" panose="02020603050405020304" pitchFamily="18" charset="0"/>
+            </a:endParaRPr>
+          </a:p>
+          <a:p>
+            <a:endParaRPr lang="en-GB" altLang="zh-CN" dirty="0">
+              <a:latin typeface="Times New Roman" panose="02020603050405020304" pitchFamily="18" charset="0"/>
+              <a:cs typeface="Times New Roman" panose="02020603050405020304" pitchFamily="18" charset="0"/>
+            </a:endParaRPr>
+          </a:p>
+          <a:p>
+            <a:r>
+              <a:rPr lang="en-GB" altLang="zh-CN" dirty="0">
+                <a:latin typeface="Times New Roman" panose="02020603050405020304" pitchFamily="18" charset="0"/>
+                <a:cs typeface="Times New Roman" panose="02020603050405020304" pitchFamily="18" charset="0"/>
+              </a:rPr>
+              <a:t>But the interaction effect is not significantly different from 0.</a:t>
+            </a:r>
+          </a:p>
+          <a:p>
+            <a:endParaRPr lang="en-GB" altLang="zh-CN" dirty="0">
+              <a:latin typeface="Times New Roman" panose="02020603050405020304" pitchFamily="18" charset="0"/>
+              <a:cs typeface="Times New Roman" panose="02020603050405020304" pitchFamily="18" charset="0"/>
+            </a:endParaRPr>
+          </a:p>
+          <a:p>
+            <a:endParaRPr lang="en-GB" altLang="zh-CN" dirty="0">
+              <a:latin typeface="Times New Roman" panose="02020603050405020304" pitchFamily="18" charset="0"/>
+              <a:cs typeface="Times New Roman" panose="02020603050405020304" pitchFamily="18" charset="0"/>
+            </a:endParaRPr>
+          </a:p>
+          <a:p>
+            <a:endParaRPr lang="en-GB" altLang="zh-CN" dirty="0">
+              <a:latin typeface="Times New Roman" panose="02020603050405020304" pitchFamily="18" charset="0"/>
+              <a:cs typeface="Times New Roman" panose="02020603050405020304" pitchFamily="18" charset="0"/>
+            </a:endParaRPr>
+          </a:p>
+          <a:p>
+            <a:r>
+              <a:rPr lang="en-GB" altLang="zh-CN" dirty="0">
+                <a:latin typeface="Times New Roman" panose="02020603050405020304" pitchFamily="18" charset="0"/>
+                <a:cs typeface="Times New Roman" panose="02020603050405020304" pitchFamily="18" charset="0"/>
+              </a:rPr>
+              <a:t>Therefore, the effect of having commissar experience does not have a different effect (that statistically significantly different from 0) between officers from Han ethnicity and ethnic minority on being promoted to general or not.</a:t>
+            </a:r>
+          </a:p>
+        </p:txBody>
+      </p:sp>
+      <p:sp>
+        <p:nvSpPr>
+          <p:cNvPr id="9" name="灯片编号占位符 8">
+            <a:extLst>
+              <a:ext uri="{FF2B5EF4-FFF2-40B4-BE49-F238E27FC236}">
+                <a16:creationId xmlns:a16="http://schemas.microsoft.com/office/drawing/2014/main" id="{FF200044-3B81-38F4-0D23-086726DAD265}"/>
+              </a:ext>
+            </a:extLst>
+          </p:cNvPr>
+          <p:cNvSpPr>
+            <a:spLocks noGrp="1"/>
+          </p:cNvSpPr>
+          <p:nvPr>
+            <p:ph type="sldNum" sz="quarter" idx="12"/>
+          </p:nvPr>
+        </p:nvSpPr>
+        <p:spPr/>
+        <p:txBody>
+          <a:bodyPr/>
+          <a:lstStyle/>
+          <a:p>
+            <a:fld id="{41F902B4-3FB8-458D-8E6E-B6B3111C7BD4}" type="slidenum">
+              <a:rPr lang="en-GB" smtClean="0"/>
+              <a:t>26</a:t>
+            </a:fld>
+            <a:endParaRPr lang="en-GB" dirty="0"/>
+          </a:p>
+        </p:txBody>
+      </p:sp>
+      <p:pic>
+        <p:nvPicPr>
+          <p:cNvPr id="3" name="内容占位符 4">
+            <a:extLst>
+              <a:ext uri="{FF2B5EF4-FFF2-40B4-BE49-F238E27FC236}">
+                <a16:creationId xmlns:a16="http://schemas.microsoft.com/office/drawing/2014/main" id="{8C5B4323-80C3-6410-244B-D1C6BB2AD251}"/>
+              </a:ext>
+            </a:extLst>
+          </p:cNvPr>
+          <p:cNvPicPr>
+            <a:picLocks noChangeAspect="1"/>
+          </p:cNvPicPr>
+          <p:nvPr/>
+        </p:nvPicPr>
+        <p:blipFill>
+          <a:blip r:embed="rId3">
+            <a:extLst>
+              <a:ext uri="{28A0092B-C50C-407E-A947-70E740481C1C}">
+                <a14:useLocalDpi xmlns:a14="http://schemas.microsoft.com/office/drawing/2010/main" val="0"/>
+              </a:ext>
+            </a:extLst>
+          </a:blip>
+          <a:stretch>
+            <a:fillRect/>
+          </a:stretch>
+        </p:blipFill>
+        <p:spPr>
+          <a:xfrm>
+            <a:off x="6052180" y="1458552"/>
+            <a:ext cx="2838258" cy="5354846"/>
           </a:xfrm>
           <a:prstGeom prst="rect">
             <a:avLst/>
@@ -7314,7 +7433,7 @@
                 <a:latin typeface="Times New Roman" panose="02020603050405020304" pitchFamily="18" charset="0"/>
                 <a:cs typeface="Times New Roman" panose="02020603050405020304" pitchFamily="18" charset="0"/>
               </a:rPr>
-              <a:t>Addictive vs. Interaction: CMC Promotion  </a:t>
+              <a:t>Additive vs. Interaction: CMC Promotion  </a:t>
             </a:r>
             <a:endParaRPr lang="en-GB" dirty="0">
               <a:latin typeface="Times New Roman" panose="02020603050405020304" pitchFamily="18" charset="0"/>
@@ -7338,7 +7457,7 @@
         <p:spPr>
           <a:xfrm>
             <a:off x="675515" y="1968560"/>
-            <a:ext cx="5144854" cy="4524315"/>
+            <a:ext cx="5144854" cy="4801314"/>
           </a:xfrm>
           <a:prstGeom prst="rect">
             <a:avLst/>
@@ -7404,7 +7523,7 @@
                 <a:latin typeface="Times New Roman" panose="02020603050405020304" pitchFamily="18" charset="0"/>
                 <a:cs typeface="Times New Roman" panose="02020603050405020304" pitchFamily="18" charset="0"/>
               </a:rPr>
-              <a:t>Therefore, the effect of being born in rural China does not have a different effect between officers from Han ethnicity and ethnic minority on being promoted to CMC or not.</a:t>
+              <a:t>Therefore, the effect of being born in rural China does not have a different effect (that statistically significantly different from 0) between officers from Han ethnicity and ethnic minority on being promoted to CMC or not.</a:t>
             </a:r>
           </a:p>
         </p:txBody>
@@ -7437,8 +7556,8 @@
         </p:blipFill>
         <p:spPr>
           <a:xfrm>
-            <a:off x="7295729" y="1286877"/>
-            <a:ext cx="3333774" cy="5495965"/>
+            <a:off x="8387306" y="1629430"/>
+            <a:ext cx="3129179" cy="5158676"/>
           </a:xfrm>
           <a:prstGeom prst="rect">
             <a:avLst/>
@@ -7474,6 +7593,42 @@
           </a:p>
         </p:txBody>
       </p:sp>
+      <p:pic>
+        <p:nvPicPr>
+          <p:cNvPr id="3" name="内容占位符 10">
+            <a:extLst>
+              <a:ext uri="{FF2B5EF4-FFF2-40B4-BE49-F238E27FC236}">
+                <a16:creationId xmlns:a16="http://schemas.microsoft.com/office/drawing/2014/main" id="{7BC3FE98-A531-A668-86FA-39702D9EBA81}"/>
+              </a:ext>
+            </a:extLst>
+          </p:cNvPr>
+          <p:cNvPicPr>
+            <a:picLocks noChangeAspect="1"/>
+          </p:cNvPicPr>
+          <p:nvPr/>
+        </p:nvPicPr>
+        <p:blipFill>
+          <a:blip r:embed="rId3">
+            <a:extLst>
+              <a:ext uri="{28A0092B-C50C-407E-A947-70E740481C1C}">
+                <a14:useLocalDpi xmlns:a14="http://schemas.microsoft.com/office/drawing/2010/main" val="0"/>
+              </a:ext>
+            </a:extLst>
+          </a:blip>
+          <a:stretch>
+            <a:fillRect/>
+          </a:stretch>
+        </p:blipFill>
+        <p:spPr>
+          <a:xfrm>
+            <a:off x="5709640" y="1664513"/>
+            <a:ext cx="2738275" cy="5105361"/>
+          </a:xfrm>
+          <a:prstGeom prst="rect">
+            <a:avLst/>
+          </a:prstGeom>
+        </p:spPr>
+      </p:pic>
     </p:spTree>
     <p:extLst>
       <p:ext uri="{BB962C8B-B14F-4D97-AF65-F5344CB8AC3E}">
@@ -7554,7 +7709,7 @@
         <p:spPr/>
         <p:txBody>
           <a:bodyPr>
-            <a:normAutofit lnSpcReduction="10000"/>
+            <a:normAutofit fontScale="92500"/>
           </a:bodyPr>
           <a:lstStyle/>
           <a:p>
@@ -7578,7 +7733,7 @@
                 <a:latin typeface="Times New Roman" panose="02020603050405020304" pitchFamily="18" charset="0"/>
                 <a:cs typeface="Times New Roman" panose="02020603050405020304" pitchFamily="18" charset="0"/>
               </a:rPr>
-              <a:t>Theoretically coherent: CMC is the military decision-making organ, so the promotion is more politicalised. </a:t>
+              <a:t>Theoretically coherent and relevant: CMC is the military decision-making organ, so the promotion is more politicalised. </a:t>
             </a:r>
           </a:p>
           <a:p>
@@ -7590,7 +7745,7 @@
                 <a:latin typeface="Times New Roman" panose="02020603050405020304" pitchFamily="18" charset="0"/>
                 <a:cs typeface="Times New Roman" panose="02020603050405020304" pitchFamily="18" charset="0"/>
               </a:rPr>
-              <a:t>  (Loyalty to the regime is essential, and experienced commissars will be preferred.)</a:t>
+              <a:t>  (Loyalty to the regime is essential, and experienced commissars will be preferred because their careers are binding with the regime.)</a:t>
             </a:r>
           </a:p>
           <a:p>
@@ -7605,7 +7760,7 @@
                 <a:latin typeface="Times New Roman" panose="02020603050405020304" pitchFamily="18" charset="0"/>
                 <a:cs typeface="Times New Roman" panose="02020603050405020304" pitchFamily="18" charset="0"/>
               </a:rPr>
-              <a:t>But this is not statistically significant</a:t>
+              <a:t>But this interaction effect is not statistically significantly different from 0</a:t>
             </a:r>
             <a:r>
               <a:rPr lang="en-US" dirty="0">
@@ -7687,7 +7842,7 @@
           <p:cNvPr id="2" name="标题 1">
             <a:extLst>
               <a:ext uri="{FF2B5EF4-FFF2-40B4-BE49-F238E27FC236}">
-                <a16:creationId xmlns:a16="http://schemas.microsoft.com/office/drawing/2014/main" id="{BB1B9F2D-2170-D807-397F-FD0D87A13F27}"/>
+                <a16:creationId xmlns:a16="http://schemas.microsoft.com/office/drawing/2014/main" id="{8DE9C87C-83A9-5B59-FD88-2346E849FDC6}"/>
               </a:ext>
             </a:extLst>
           </p:cNvPr>
@@ -7704,52 +7859,85 @@
           <a:lstStyle/>
           <a:p>
             <a:r>
-              <a:rPr lang="en-US" dirty="0">
-                <a:latin typeface="Times New Roman" panose="02020603050405020304" pitchFamily="18" charset="0"/>
-                <a:cs typeface="Times New Roman" panose="02020603050405020304" pitchFamily="18" charset="0"/>
-              </a:rPr>
-              <a:t>Bibliography</a:t>
-            </a:r>
+              <a:rPr lang="en-GB" altLang="zh-CN" dirty="0">
+                <a:latin typeface="Times New Roman" panose="02020603050405020304" pitchFamily="18" charset="0"/>
+                <a:cs typeface="Times New Roman" panose="02020603050405020304" pitchFamily="18" charset="0"/>
+              </a:rPr>
+              <a:t>My Further Thoughts</a:t>
+            </a:r>
+            <a:endParaRPr lang="en-GB" dirty="0"/>
+          </a:p>
+        </p:txBody>
+      </p:sp>
+      <p:sp>
+        <p:nvSpPr>
+          <p:cNvPr id="3" name="内容占位符 2">
+            <a:extLst>
+              <a:ext uri="{FF2B5EF4-FFF2-40B4-BE49-F238E27FC236}">
+                <a16:creationId xmlns:a16="http://schemas.microsoft.com/office/drawing/2014/main" id="{EA7B867E-FB9D-8BC2-977B-8EA063ADD121}"/>
+              </a:ext>
+            </a:extLst>
+          </p:cNvPr>
+          <p:cNvSpPr>
+            <a:spLocks noGrp="1"/>
+          </p:cNvSpPr>
+          <p:nvPr>
+            <p:ph idx="1"/>
+          </p:nvPr>
+        </p:nvSpPr>
+        <p:spPr/>
+        <p:txBody>
+          <a:bodyPr/>
+          <a:lstStyle/>
+          <a:p>
+            <a:r>
+              <a:rPr lang="en-GB" altLang="zh-CN" dirty="0">
+                <a:latin typeface="Times New Roman" panose="02020603050405020304" pitchFamily="18" charset="0"/>
+                <a:cs typeface="Times New Roman" panose="02020603050405020304" pitchFamily="18" charset="0"/>
+              </a:rPr>
+              <a:t>Overall, officers from ethnic minority are more likely to be promoted to genera and CMC if they have experience in commissar. </a:t>
+            </a:r>
+          </a:p>
+          <a:p>
             <a:endParaRPr lang="en-GB" dirty="0">
               <a:latin typeface="Times New Roman" panose="02020603050405020304" pitchFamily="18" charset="0"/>
               <a:cs typeface="Times New Roman" panose="02020603050405020304" pitchFamily="18" charset="0"/>
             </a:endParaRPr>
           </a:p>
-        </p:txBody>
-      </p:sp>
-      <p:sp>
-        <p:nvSpPr>
-          <p:cNvPr id="3" name="内容占位符 2">
-            <a:extLst>
-              <a:ext uri="{FF2B5EF4-FFF2-40B4-BE49-F238E27FC236}">
-                <a16:creationId xmlns:a16="http://schemas.microsoft.com/office/drawing/2014/main" id="{368DF6E0-3217-36FE-9EDB-C40CEA58DB79}"/>
-              </a:ext>
-            </a:extLst>
-          </p:cNvPr>
-          <p:cNvSpPr>
-            <a:spLocks noGrp="1"/>
-          </p:cNvSpPr>
-          <p:nvPr>
-            <p:ph idx="1"/>
-          </p:nvPr>
-        </p:nvSpPr>
-        <p:spPr/>
-        <p:txBody>
-          <a:bodyPr/>
-          <a:lstStyle/>
-          <a:p>
-            <a:r>
-              <a:rPr lang="en-US" altLang="zh-CN" dirty="0">
-                <a:latin typeface="Times New Roman" panose="02020603050405020304" pitchFamily="18" charset="0"/>
-                <a:cs typeface="Times New Roman" panose="02020603050405020304" pitchFamily="18" charset="0"/>
-              </a:rPr>
-              <a:t>Mattingly, Daniel. “How the Party Commands the Gun: The Foreign-Domestic Threat Dilemma in China.” American Journal of Political Science. Forthcoming. </a:t>
-            </a:r>
+          <a:p>
+            <a:r>
+              <a:rPr lang="en-GB" dirty="0">
+                <a:latin typeface="Times New Roman" panose="02020603050405020304" pitchFamily="18" charset="0"/>
+                <a:cs typeface="Times New Roman" panose="02020603050405020304" pitchFamily="18" charset="0"/>
+              </a:rPr>
+              <a:t>Theoretically coherent and relevant: loyalty to the regime may be the prior concern for promotion regarding the officers from ethnic minority.</a:t>
+            </a:r>
+          </a:p>
+          <a:p>
             <a:endParaRPr lang="en-GB" dirty="0">
               <a:latin typeface="Times New Roman" panose="02020603050405020304" pitchFamily="18" charset="0"/>
               <a:cs typeface="Times New Roman" panose="02020603050405020304" pitchFamily="18" charset="0"/>
             </a:endParaRPr>
           </a:p>
+          <a:p>
+            <a:r>
+              <a:rPr lang="en-GB" altLang="zh-CN" dirty="0">
+                <a:latin typeface="Times New Roman" panose="02020603050405020304" pitchFamily="18" charset="0"/>
+                <a:cs typeface="Times New Roman" panose="02020603050405020304" pitchFamily="18" charset="0"/>
+              </a:rPr>
+              <a:t>But this interaction effect is not statistically significantly different from 0</a:t>
+            </a:r>
+            <a:r>
+              <a:rPr lang="en-US" altLang="zh-CN" dirty="0">
+                <a:latin typeface="Times New Roman" panose="02020603050405020304" pitchFamily="18" charset="0"/>
+                <a:cs typeface="Times New Roman" panose="02020603050405020304" pitchFamily="18" charset="0"/>
+              </a:rPr>
+              <a:t>.</a:t>
+            </a:r>
+          </a:p>
+          <a:p>
+            <a:endParaRPr lang="en-GB" dirty="0"/>
+          </a:p>
         </p:txBody>
       </p:sp>
       <p:sp>
@@ -7757,7 +7945,7 @@
           <p:cNvPr id="4" name="灯片编号占位符 3">
             <a:extLst>
               <a:ext uri="{FF2B5EF4-FFF2-40B4-BE49-F238E27FC236}">
-                <a16:creationId xmlns:a16="http://schemas.microsoft.com/office/drawing/2014/main" id="{08C0D814-13F5-622F-ADB5-C56FDA7B566D}"/>
+                <a16:creationId xmlns:a16="http://schemas.microsoft.com/office/drawing/2014/main" id="{EB268E8B-2253-AE9E-3F3F-A01D087F8C25}"/>
               </a:ext>
             </a:extLst>
           </p:cNvPr>
@@ -7784,7 +7972,7 @@
     </p:spTree>
     <p:extLst>
       <p:ext uri="{BB962C8B-B14F-4D97-AF65-F5344CB8AC3E}">
-        <p14:creationId xmlns:p14="http://schemas.microsoft.com/office/powerpoint/2010/main" val="2961750088"/>
+        <p14:creationId xmlns:p14="http://schemas.microsoft.com/office/powerpoint/2010/main" val="2756765489"/>
       </p:ext>
     </p:extLst>
   </p:cSld>
@@ -7979,7 +8167,7 @@
           <p:cNvPr id="2" name="标题 1">
             <a:extLst>
               <a:ext uri="{FF2B5EF4-FFF2-40B4-BE49-F238E27FC236}">
-                <a16:creationId xmlns:a16="http://schemas.microsoft.com/office/drawing/2014/main" id="{4AABB370-EDEF-426D-3CDE-2038CC9FE89A}"/>
+                <a16:creationId xmlns:a16="http://schemas.microsoft.com/office/drawing/2014/main" id="{BB1B9F2D-2170-D807-397F-FD0D87A13F27}"/>
               </a:ext>
             </a:extLst>
           </p:cNvPr>
@@ -7996,11 +8184,11 @@
           <a:lstStyle/>
           <a:p>
             <a:r>
-              <a:rPr lang="en-US">
-                <a:latin typeface="Times New Roman" panose="02020603050405020304" pitchFamily="18" charset="0"/>
-                <a:cs typeface="Times New Roman" panose="02020603050405020304" pitchFamily="18" charset="0"/>
-              </a:rPr>
-              <a:t>Q&amp;A </a:t>
+              <a:rPr lang="en-US" dirty="0">
+                <a:latin typeface="Times New Roman" panose="02020603050405020304" pitchFamily="18" charset="0"/>
+                <a:cs typeface="Times New Roman" panose="02020603050405020304" pitchFamily="18" charset="0"/>
+              </a:rPr>
+              <a:t>Bibliography</a:t>
             </a:r>
             <a:endParaRPr lang="en-GB" dirty="0">
               <a:latin typeface="Times New Roman" panose="02020603050405020304" pitchFamily="18" charset="0"/>
@@ -8014,7 +8202,7 @@
           <p:cNvPr id="3" name="内容占位符 2">
             <a:extLst>
               <a:ext uri="{FF2B5EF4-FFF2-40B4-BE49-F238E27FC236}">
-                <a16:creationId xmlns:a16="http://schemas.microsoft.com/office/drawing/2014/main" id="{EA38561C-5CDE-BD38-A6CB-832BB81F26EE}"/>
+                <a16:creationId xmlns:a16="http://schemas.microsoft.com/office/drawing/2014/main" id="{368DF6E0-3217-36FE-9EDB-C40CEA58DB79}"/>
               </a:ext>
             </a:extLst>
           </p:cNvPr>
@@ -8030,7 +8218,17 @@
           <a:bodyPr/>
           <a:lstStyle/>
           <a:p>
-            <a:endParaRPr lang="en-GB" dirty="0"/>
+            <a:r>
+              <a:rPr lang="en-US" altLang="zh-CN" dirty="0">
+                <a:latin typeface="Times New Roman" panose="02020603050405020304" pitchFamily="18" charset="0"/>
+                <a:cs typeface="Times New Roman" panose="02020603050405020304" pitchFamily="18" charset="0"/>
+              </a:rPr>
+              <a:t>Mattingly, Daniel. “How the Party Commands the Gun: The Foreign-Domestic Threat Dilemma in China.” American Journal of Political Science. Forthcoming. </a:t>
+            </a:r>
+            <a:endParaRPr lang="en-GB" dirty="0">
+              <a:latin typeface="Times New Roman" panose="02020603050405020304" pitchFamily="18" charset="0"/>
+              <a:cs typeface="Times New Roman" panose="02020603050405020304" pitchFamily="18" charset="0"/>
+            </a:endParaRPr>
           </a:p>
         </p:txBody>
       </p:sp>
@@ -8039,7 +8237,7 @@
           <p:cNvPr id="4" name="灯片编号占位符 3">
             <a:extLst>
               <a:ext uri="{FF2B5EF4-FFF2-40B4-BE49-F238E27FC236}">
-                <a16:creationId xmlns:a16="http://schemas.microsoft.com/office/drawing/2014/main" id="{16B9BA2B-23A0-C7FF-C589-01688E7BA250}"/>
+                <a16:creationId xmlns:a16="http://schemas.microsoft.com/office/drawing/2014/main" id="{08C0D814-13F5-622F-ADB5-C56FDA7B566D}"/>
               </a:ext>
             </a:extLst>
           </p:cNvPr>
@@ -8058,6 +8256,125 @@
             <a:fld id="{41F902B4-3FB8-458D-8E6E-B6B3111C7BD4}" type="slidenum">
               <a:rPr lang="en-GB" smtClean="0"/>
               <a:t>30</a:t>
+            </a:fld>
+            <a:endParaRPr lang="en-GB" dirty="0"/>
+          </a:p>
+        </p:txBody>
+      </p:sp>
+    </p:spTree>
+    <p:extLst>
+      <p:ext uri="{BB962C8B-B14F-4D97-AF65-F5344CB8AC3E}">
+        <p14:creationId xmlns:p14="http://schemas.microsoft.com/office/powerpoint/2010/main" val="2961750088"/>
+      </p:ext>
+    </p:extLst>
+  </p:cSld>
+  <p:clrMapOvr>
+    <a:masterClrMapping/>
+  </p:clrMapOvr>
+</p:sld>
+</file>
+
+<file path=ppt/slides/slide31.xml><?xml version="1.0" encoding="utf-8"?>
+<p:sld xmlns:a="http://schemas.openxmlformats.org/drawingml/2006/main" xmlns:r="http://schemas.openxmlformats.org/officeDocument/2006/relationships" xmlns:p="http://schemas.openxmlformats.org/presentationml/2006/main">
+  <p:cSld>
+    <p:spTree>
+      <p:nvGrpSpPr>
+        <p:cNvPr id="1" name=""/>
+        <p:cNvGrpSpPr/>
+        <p:nvPr/>
+      </p:nvGrpSpPr>
+      <p:grpSpPr>
+        <a:xfrm>
+          <a:off x="0" y="0"/>
+          <a:ext cx="0" cy="0"/>
+          <a:chOff x="0" y="0"/>
+          <a:chExt cx="0" cy="0"/>
+        </a:xfrm>
+      </p:grpSpPr>
+      <p:sp>
+        <p:nvSpPr>
+          <p:cNvPr id="2" name="标题 1">
+            <a:extLst>
+              <a:ext uri="{FF2B5EF4-FFF2-40B4-BE49-F238E27FC236}">
+                <a16:creationId xmlns:a16="http://schemas.microsoft.com/office/drawing/2014/main" id="{4AABB370-EDEF-426D-3CDE-2038CC9FE89A}"/>
+              </a:ext>
+            </a:extLst>
+          </p:cNvPr>
+          <p:cNvSpPr>
+            <a:spLocks noGrp="1"/>
+          </p:cNvSpPr>
+          <p:nvPr>
+            <p:ph type="title"/>
+          </p:nvPr>
+        </p:nvSpPr>
+        <p:spPr/>
+        <p:txBody>
+          <a:bodyPr/>
+          <a:lstStyle/>
+          <a:p>
+            <a:r>
+              <a:rPr lang="en-US">
+                <a:latin typeface="Times New Roman" panose="02020603050405020304" pitchFamily="18" charset="0"/>
+                <a:cs typeface="Times New Roman" panose="02020603050405020304" pitchFamily="18" charset="0"/>
+              </a:rPr>
+              <a:t>Q&amp;A </a:t>
+            </a:r>
+            <a:endParaRPr lang="en-GB" dirty="0">
+              <a:latin typeface="Times New Roman" panose="02020603050405020304" pitchFamily="18" charset="0"/>
+              <a:cs typeface="Times New Roman" panose="02020603050405020304" pitchFamily="18" charset="0"/>
+            </a:endParaRPr>
+          </a:p>
+        </p:txBody>
+      </p:sp>
+      <p:sp>
+        <p:nvSpPr>
+          <p:cNvPr id="3" name="内容占位符 2">
+            <a:extLst>
+              <a:ext uri="{FF2B5EF4-FFF2-40B4-BE49-F238E27FC236}">
+                <a16:creationId xmlns:a16="http://schemas.microsoft.com/office/drawing/2014/main" id="{EA38561C-5CDE-BD38-A6CB-832BB81F26EE}"/>
+              </a:ext>
+            </a:extLst>
+          </p:cNvPr>
+          <p:cNvSpPr>
+            <a:spLocks noGrp="1"/>
+          </p:cNvSpPr>
+          <p:nvPr>
+            <p:ph idx="1"/>
+          </p:nvPr>
+        </p:nvSpPr>
+        <p:spPr/>
+        <p:txBody>
+          <a:bodyPr/>
+          <a:lstStyle/>
+          <a:p>
+            <a:endParaRPr lang="en-GB" dirty="0"/>
+          </a:p>
+        </p:txBody>
+      </p:sp>
+      <p:sp>
+        <p:nvSpPr>
+          <p:cNvPr id="4" name="灯片编号占位符 3">
+            <a:extLst>
+              <a:ext uri="{FF2B5EF4-FFF2-40B4-BE49-F238E27FC236}">
+                <a16:creationId xmlns:a16="http://schemas.microsoft.com/office/drawing/2014/main" id="{16B9BA2B-23A0-C7FF-C589-01688E7BA250}"/>
+              </a:ext>
+            </a:extLst>
+          </p:cNvPr>
+          <p:cNvSpPr>
+            <a:spLocks noGrp="1"/>
+          </p:cNvSpPr>
+          <p:nvPr>
+            <p:ph type="sldNum" sz="quarter" idx="12"/>
+          </p:nvPr>
+        </p:nvSpPr>
+        <p:spPr/>
+        <p:txBody>
+          <a:bodyPr/>
+          <a:lstStyle/>
+          <a:p>
+            <a:fld id="{41F902B4-3FB8-458D-8E6E-B6B3111C7BD4}" type="slidenum">
+              <a:rPr lang="en-GB" smtClean="0"/>
+              <a:t>31</a:t>
             </a:fld>
             <a:endParaRPr lang="en-GB" dirty="0"/>
           </a:p>

--- a/Replication Project/Replication_Tianxin_Zhang_21352232.pptx
+++ b/Replication Project/Replication_Tianxin_Zhang_21352232.pptx
@@ -227,7 +227,7 @@
           <a:p>
             <a:fld id="{B441C418-51F6-4D91-988A-1DD4ADF1288E}" type="datetimeFigureOut">
               <a:rPr lang="en-GB" smtClean="0"/>
-              <a:t>02/04/2023</a:t>
+              <a:t>03/04/2023</a:t>
             </a:fld>
             <a:endParaRPr lang="en-GB"/>
           </a:p>
@@ -644,7 +644,7 @@
           <a:p>
             <a:fld id="{5CE3D992-DCBE-47E6-8BFB-455ECAD3F486}" type="datetime1">
               <a:rPr lang="en-GB" smtClean="0"/>
-              <a:t>02/04/2023</a:t>
+              <a:t>03/04/2023</a:t>
             </a:fld>
             <a:endParaRPr lang="en-GB" dirty="0"/>
           </a:p>
@@ -844,7 +844,7 @@
           <a:p>
             <a:fld id="{96E35861-BD11-490D-9F40-40D2A13E65A9}" type="datetime1">
               <a:rPr lang="en-GB" smtClean="0"/>
-              <a:t>02/04/2023</a:t>
+              <a:t>03/04/2023</a:t>
             </a:fld>
             <a:endParaRPr lang="en-GB" dirty="0"/>
           </a:p>
@@ -1054,7 +1054,7 @@
           <a:p>
             <a:fld id="{F08B2457-97D4-4645-8001-9896859A1718}" type="datetime1">
               <a:rPr lang="en-GB" smtClean="0"/>
-              <a:t>02/04/2023</a:t>
+              <a:t>03/04/2023</a:t>
             </a:fld>
             <a:endParaRPr lang="en-GB" dirty="0"/>
           </a:p>
@@ -1254,7 +1254,7 @@
           <a:p>
             <a:fld id="{1C740414-B76C-4832-9FCC-CA4D993D4F8E}" type="datetime1">
               <a:rPr lang="en-GB" smtClean="0"/>
-              <a:t>02/04/2023</a:t>
+              <a:t>03/04/2023</a:t>
             </a:fld>
             <a:endParaRPr lang="en-GB" dirty="0"/>
           </a:p>
@@ -1530,7 +1530,7 @@
           <a:p>
             <a:fld id="{54F8E5FF-39B7-4326-8D13-0EBC2522AB96}" type="datetime1">
               <a:rPr lang="en-GB" smtClean="0"/>
-              <a:t>02/04/2023</a:t>
+              <a:t>03/04/2023</a:t>
             </a:fld>
             <a:endParaRPr lang="en-GB" dirty="0"/>
           </a:p>
@@ -1798,7 +1798,7 @@
           <a:p>
             <a:fld id="{A98AE83B-37AC-4D87-B89B-197A009D3FD9}" type="datetime1">
               <a:rPr lang="en-GB" smtClean="0"/>
-              <a:t>02/04/2023</a:t>
+              <a:t>03/04/2023</a:t>
             </a:fld>
             <a:endParaRPr lang="en-GB" dirty="0"/>
           </a:p>
@@ -2213,7 +2213,7 @@
           <a:p>
             <a:fld id="{9892C6DC-629F-4C5F-9BC2-62A66B1D5B6F}" type="datetime1">
               <a:rPr lang="en-GB" smtClean="0"/>
-              <a:t>02/04/2023</a:t>
+              <a:t>03/04/2023</a:t>
             </a:fld>
             <a:endParaRPr lang="en-GB" dirty="0"/>
           </a:p>
@@ -2355,7 +2355,7 @@
           <a:p>
             <a:fld id="{84E7ADA2-E016-4A68-8A05-67FE7DF4FA09}" type="datetime1">
               <a:rPr lang="en-GB" smtClean="0"/>
-              <a:t>02/04/2023</a:t>
+              <a:t>03/04/2023</a:t>
             </a:fld>
             <a:endParaRPr lang="en-GB" dirty="0"/>
           </a:p>
@@ -2468,7 +2468,7 @@
           <a:p>
             <a:fld id="{58C58BCF-835A-4F3B-A30F-FC7EC83CCFC0}" type="datetime1">
               <a:rPr lang="en-GB" smtClean="0"/>
-              <a:t>02/04/2023</a:t>
+              <a:t>03/04/2023</a:t>
             </a:fld>
             <a:endParaRPr lang="en-GB" dirty="0"/>
           </a:p>
@@ -2781,7 +2781,7 @@
           <a:p>
             <a:fld id="{82420F8B-A419-4E33-8B22-74E112119150}" type="datetime1">
               <a:rPr lang="en-GB" smtClean="0"/>
-              <a:t>02/04/2023</a:t>
+              <a:t>03/04/2023</a:t>
             </a:fld>
             <a:endParaRPr lang="en-GB" dirty="0"/>
           </a:p>
@@ -3070,7 +3070,7 @@
           <a:p>
             <a:fld id="{D024C1F5-F4E9-470A-8076-1BF576871970}" type="datetime1">
               <a:rPr lang="en-GB" smtClean="0"/>
-              <a:t>02/04/2023</a:t>
+              <a:t>03/04/2023</a:t>
             </a:fld>
             <a:endParaRPr lang="en-GB" dirty="0"/>
           </a:p>
@@ -3313,7 +3313,7 @@
           <a:p>
             <a:fld id="{AD6E5571-0B79-471E-9A45-968FDA23CAB9}" type="datetime1">
               <a:rPr lang="en-GB" smtClean="0"/>
-              <a:t>02/04/2023</a:t>
+              <a:t>03/04/2023</a:t>
             </a:fld>
             <a:endParaRPr lang="en-GB" dirty="0"/>
           </a:p>

--- a/Replication Project/Replication_Tianxin_Zhang_21352232.pptx
+++ b/Replication Project/Replication_Tianxin_Zhang_21352232.pptx
@@ -5,7 +5,7 @@
     <p:sldMasterId id="2147483648" r:id="rId1"/>
   </p:sldMasterIdLst>
   <p:notesMasterIdLst>
-    <p:notesMasterId r:id="rId33"/>
+    <p:notesMasterId r:id="rId36"/>
   </p:notesMasterIdLst>
   <p:sldIdLst>
     <p:sldId id="256" r:id="rId2"/>
@@ -29,16 +29,19 @@
     <p:sldId id="269" r:id="rId20"/>
     <p:sldId id="266" r:id="rId21"/>
     <p:sldId id="265" r:id="rId22"/>
-    <p:sldId id="270" r:id="rId23"/>
-    <p:sldId id="272" r:id="rId24"/>
-    <p:sldId id="273" r:id="rId25"/>
-    <p:sldId id="271" r:id="rId26"/>
-    <p:sldId id="274" r:id="rId27"/>
-    <p:sldId id="275" r:id="rId28"/>
-    <p:sldId id="276" r:id="rId29"/>
-    <p:sldId id="293" r:id="rId30"/>
-    <p:sldId id="292" r:id="rId31"/>
-    <p:sldId id="291" r:id="rId32"/>
+    <p:sldId id="297" r:id="rId23"/>
+    <p:sldId id="270" r:id="rId24"/>
+    <p:sldId id="272" r:id="rId25"/>
+    <p:sldId id="273" r:id="rId26"/>
+    <p:sldId id="294" r:id="rId27"/>
+    <p:sldId id="276" r:id="rId28"/>
+    <p:sldId id="271" r:id="rId29"/>
+    <p:sldId id="274" r:id="rId30"/>
+    <p:sldId id="275" r:id="rId31"/>
+    <p:sldId id="295" r:id="rId32"/>
+    <p:sldId id="293" r:id="rId33"/>
+    <p:sldId id="292" r:id="rId34"/>
+    <p:sldId id="291" r:id="rId35"/>
   </p:sldIdLst>
   <p:sldSz cx="12192000" cy="6858000"/>
   <p:notesSz cx="6858000" cy="9144000"/>
@@ -3750,7 +3753,7 @@
         <p:spPr>
           <a:xfrm>
             <a:off x="1524000" y="1745053"/>
-            <a:ext cx="9144000" cy="2387600"/>
+            <a:ext cx="9144000" cy="2669872"/>
           </a:xfrm>
         </p:spPr>
         <p:txBody>
@@ -3777,14 +3780,20 @@
                 <a:latin typeface="Times New Roman" panose="02020603050405020304" pitchFamily="18" charset="0"/>
                 <a:cs typeface="Times New Roman" panose="02020603050405020304" pitchFamily="18" charset="0"/>
               </a:rPr>
-              <a:t>How the Party Commands the Gun: The Foreign–Domestic Threat Dilemma </a:t>
-            </a:r>
-            <a:r>
-              <a:rPr lang="en-US" altLang="zh-CN" sz="5000">
-                <a:latin typeface="Times New Roman" panose="02020603050405020304" pitchFamily="18" charset="0"/>
-                <a:cs typeface="Times New Roman" panose="02020603050405020304" pitchFamily="18" charset="0"/>
-              </a:rPr>
-              <a:t>in China </a:t>
+              <a:t>How the Party Commands the Gun: The Foreign–Domestic Threat Dilemma in China </a:t>
+            </a:r>
+            <a:br>
+              <a:rPr lang="en-US" altLang="zh-CN" sz="5000" dirty="0">
+                <a:latin typeface="Times New Roman" panose="02020603050405020304" pitchFamily="18" charset="0"/>
+                <a:cs typeface="Times New Roman" panose="02020603050405020304" pitchFamily="18" charset="0"/>
+              </a:rPr>
+            </a:br>
+            <a:r>
+              <a:rPr lang="en-US" altLang="zh-CN" sz="2400" dirty="0">
+                <a:latin typeface="Times New Roman" panose="02020603050405020304" pitchFamily="18" charset="0"/>
+                <a:cs typeface="Times New Roman" panose="02020603050405020304" pitchFamily="18" charset="0"/>
+              </a:rPr>
+              <a:t>Mattingly, Daniel (2022)</a:t>
             </a:r>
             <a:endParaRPr lang="en-GB" sz="5000" dirty="0">
               <a:latin typeface="Times New Roman" panose="02020603050405020304" pitchFamily="18" charset="0"/>
@@ -5375,8 +5384,8 @@
         </p:blipFill>
         <p:spPr>
           <a:xfrm>
-            <a:off x="838200" y="1538356"/>
-            <a:ext cx="7734357" cy="2614632"/>
+            <a:off x="838201" y="1538356"/>
+            <a:ext cx="7138958" cy="2413355"/>
           </a:xfrm>
         </p:spPr>
       </p:pic>
@@ -5408,8 +5417,8 @@
         </p:blipFill>
         <p:spPr>
           <a:xfrm>
-            <a:off x="838200" y="4295108"/>
-            <a:ext cx="9248843" cy="2452705"/>
+            <a:off x="838200" y="4295109"/>
+            <a:ext cx="7475547" cy="1982444"/>
           </a:xfrm>
           <a:prstGeom prst="rect">
             <a:avLst/>
@@ -5445,6 +5454,78 @@
           </a:p>
         </p:txBody>
       </p:sp>
+      <p:pic>
+        <p:nvPicPr>
+          <p:cNvPr id="5" name="图片 4">
+            <a:extLst>
+              <a:ext uri="{FF2B5EF4-FFF2-40B4-BE49-F238E27FC236}">
+                <a16:creationId xmlns:a16="http://schemas.microsoft.com/office/drawing/2014/main" id="{63F59C69-9E44-2CD8-AE94-28FD3B34CEFA}"/>
+              </a:ext>
+            </a:extLst>
+          </p:cNvPr>
+          <p:cNvPicPr>
+            <a:picLocks noChangeAspect="1"/>
+          </p:cNvPicPr>
+          <p:nvPr/>
+        </p:nvPicPr>
+        <p:blipFill>
+          <a:blip r:embed="rId4">
+            <a:extLst>
+              <a:ext uri="{28A0092B-C50C-407E-A947-70E740481C1C}">
+                <a14:useLocalDpi xmlns:a14="http://schemas.microsoft.com/office/drawing/2010/main" val="0"/>
+              </a:ext>
+            </a:extLst>
+          </a:blip>
+          <a:stretch>
+            <a:fillRect/>
+          </a:stretch>
+        </p:blipFill>
+        <p:spPr>
+          <a:xfrm>
+            <a:off x="6006243" y="4991054"/>
+            <a:ext cx="6029369" cy="590554"/>
+          </a:xfrm>
+          <a:prstGeom prst="rect">
+            <a:avLst/>
+          </a:prstGeom>
+        </p:spPr>
+      </p:pic>
+      <p:pic>
+        <p:nvPicPr>
+          <p:cNvPr id="9" name="图片 8">
+            <a:extLst>
+              <a:ext uri="{FF2B5EF4-FFF2-40B4-BE49-F238E27FC236}">
+                <a16:creationId xmlns:a16="http://schemas.microsoft.com/office/drawing/2014/main" id="{70432024-2898-8E40-D0DB-C4AEEA91631D}"/>
+              </a:ext>
+            </a:extLst>
+          </p:cNvPr>
+          <p:cNvPicPr>
+            <a:picLocks noChangeAspect="1"/>
+          </p:cNvPicPr>
+          <p:nvPr/>
+        </p:nvPicPr>
+        <p:blipFill>
+          <a:blip r:embed="rId5">
+            <a:extLst>
+              <a:ext uri="{28A0092B-C50C-407E-A947-70E740481C1C}">
+                <a14:useLocalDpi xmlns:a14="http://schemas.microsoft.com/office/drawing/2010/main" val="0"/>
+              </a:ext>
+            </a:extLst>
+          </a:blip>
+          <a:stretch>
+            <a:fillRect/>
+          </a:stretch>
+        </p:blipFill>
+        <p:spPr>
+          <a:xfrm>
+            <a:off x="5839997" y="2340137"/>
+            <a:ext cx="6148175" cy="590554"/>
+          </a:xfrm>
+          <a:prstGeom prst="rect">
+            <a:avLst/>
+          </a:prstGeom>
+        </p:spPr>
+      </p:pic>
     </p:spTree>
     <p:extLst>
       <p:ext uri="{BB962C8B-B14F-4D97-AF65-F5344CB8AC3E}">
@@ -6349,7 +6430,7 @@
           <p:cNvPr id="2" name="标题 1">
             <a:extLst>
               <a:ext uri="{FF2B5EF4-FFF2-40B4-BE49-F238E27FC236}">
-                <a16:creationId xmlns:a16="http://schemas.microsoft.com/office/drawing/2014/main" id="{2F9E8BD0-A40F-9BA1-A2C9-39B9DC176957}"/>
+                <a16:creationId xmlns:a16="http://schemas.microsoft.com/office/drawing/2014/main" id="{5A5AEDB5-8DDE-F55D-73CB-5AD66194DE9D}"/>
               </a:ext>
             </a:extLst>
           </p:cNvPr>
@@ -6366,54 +6447,133 @@
           <a:lstStyle/>
           <a:p>
             <a:r>
-              <a:rPr lang="en-GB" dirty="0">
-                <a:latin typeface="Times New Roman" panose="02020603050405020304" pitchFamily="18" charset="0"/>
-                <a:cs typeface="Times New Roman" panose="02020603050405020304" pitchFamily="18" charset="0"/>
-              </a:rPr>
-              <a:t>Interaction 2   </a:t>
-            </a:r>
-            <a:br>
-              <a:rPr lang="en-GB" dirty="0">
-                <a:latin typeface="Times New Roman" panose="02020603050405020304" pitchFamily="18" charset="0"/>
-                <a:cs typeface="Times New Roman" panose="02020603050405020304" pitchFamily="18" charset="0"/>
-              </a:rPr>
-            </a:br>
-            <a:r>
-              <a:rPr lang="en-GB" dirty="0">
-                <a:latin typeface="Times New Roman" panose="02020603050405020304" pitchFamily="18" charset="0"/>
-                <a:cs typeface="Times New Roman" panose="02020603050405020304" pitchFamily="18" charset="0"/>
-              </a:rPr>
-              <a:t>combat</a:t>
-            </a:r>
-            <a:r>
-              <a:rPr lang="en-US" dirty="0">
-                <a:latin typeface="Times New Roman" panose="02020603050405020304" pitchFamily="18" charset="0"/>
-                <a:cs typeface="Times New Roman" panose="02020603050405020304" pitchFamily="18" charset="0"/>
-              </a:rPr>
-              <a:t>_post_1949 : commissar </a:t>
-            </a:r>
-            <a:endParaRPr lang="en-GB" dirty="0">
+              <a:rPr lang="en-GB" altLang="zh-CN" dirty="0">
+                <a:latin typeface="Times New Roman" panose="02020603050405020304" pitchFamily="18" charset="0"/>
+                <a:cs typeface="Times New Roman" panose="02020603050405020304" pitchFamily="18" charset="0"/>
+              </a:rPr>
+              <a:t>Model Comparison with “LRT”</a:t>
+            </a:r>
+            <a:endParaRPr lang="en-GB" dirty="0"/>
+          </a:p>
+        </p:txBody>
+      </p:sp>
+      <p:sp>
+        <p:nvSpPr>
+          <p:cNvPr id="4" name="灯片编号占位符 3">
+            <a:extLst>
+              <a:ext uri="{FF2B5EF4-FFF2-40B4-BE49-F238E27FC236}">
+                <a16:creationId xmlns:a16="http://schemas.microsoft.com/office/drawing/2014/main" id="{53EACA69-B0F2-BADA-49ED-C650F0E4C1C1}"/>
+              </a:ext>
+            </a:extLst>
+          </p:cNvPr>
+          <p:cNvSpPr>
+            <a:spLocks noGrp="1"/>
+          </p:cNvSpPr>
+          <p:nvPr>
+            <p:ph type="sldNum" sz="quarter" idx="12"/>
+          </p:nvPr>
+        </p:nvSpPr>
+        <p:spPr/>
+        <p:txBody>
+          <a:bodyPr/>
+          <a:lstStyle/>
+          <a:p>
+            <a:fld id="{41F902B4-3FB8-458D-8E6E-B6B3111C7BD4}" type="slidenum">
+              <a:rPr lang="en-GB" smtClean="0"/>
+              <a:t>22</a:t>
+            </a:fld>
+            <a:endParaRPr lang="en-GB" dirty="0"/>
+          </a:p>
+        </p:txBody>
+      </p:sp>
+      <p:sp>
+        <p:nvSpPr>
+          <p:cNvPr id="12" name="内容占位符 11">
+            <a:extLst>
+              <a:ext uri="{FF2B5EF4-FFF2-40B4-BE49-F238E27FC236}">
+                <a16:creationId xmlns:a16="http://schemas.microsoft.com/office/drawing/2014/main" id="{50920D4C-58D7-9F63-B550-A4AC07ECC004}"/>
+              </a:ext>
+            </a:extLst>
+          </p:cNvPr>
+          <p:cNvSpPr>
+            <a:spLocks noGrp="1"/>
+          </p:cNvSpPr>
+          <p:nvPr>
+            <p:ph idx="1"/>
+          </p:nvPr>
+        </p:nvSpPr>
+        <p:spPr/>
+        <p:txBody>
+          <a:bodyPr/>
+          <a:lstStyle/>
+          <a:p>
+            <a:r>
+              <a:rPr lang="en-GB" altLang="zh-CN" dirty="0">
+                <a:latin typeface="Times New Roman" panose="02020603050405020304" pitchFamily="18" charset="0"/>
+                <a:cs typeface="Times New Roman" panose="02020603050405020304" pitchFamily="18" charset="0"/>
+              </a:rPr>
+              <a:t>P-value &gt; 0.05 # General Promotion </a:t>
+            </a:r>
+          </a:p>
+          <a:p>
+            <a:r>
+              <a:rPr lang="en-GB" altLang="zh-CN" dirty="0">
+                <a:latin typeface="Times New Roman" panose="02020603050405020304" pitchFamily="18" charset="0"/>
+                <a:cs typeface="Times New Roman" panose="02020603050405020304" pitchFamily="18" charset="0"/>
+              </a:rPr>
+              <a:t>P</a:t>
+            </a:r>
+            <a:r>
+              <a:rPr lang="en-US" altLang="zh-CN" dirty="0">
+                <a:latin typeface="Times New Roman" panose="02020603050405020304" pitchFamily="18" charset="0"/>
+                <a:cs typeface="Times New Roman" panose="02020603050405020304" pitchFamily="18" charset="0"/>
+              </a:rPr>
+              <a:t>-value &gt; 0.05   # CMC Promotion </a:t>
+            </a:r>
+          </a:p>
+          <a:p>
+            <a:endParaRPr lang="en-US" altLang="zh-CN" dirty="0">
               <a:latin typeface="Times New Roman" panose="02020603050405020304" pitchFamily="18" charset="0"/>
               <a:cs typeface="Times New Roman" panose="02020603050405020304" pitchFamily="18" charset="0"/>
             </a:endParaRPr>
           </a:p>
+          <a:p>
+            <a:r>
+              <a:rPr lang="en-US" altLang="zh-CN" dirty="0">
+                <a:latin typeface="Times New Roman" panose="02020603050405020304" pitchFamily="18" charset="0"/>
+                <a:cs typeface="Times New Roman" panose="02020603050405020304" pitchFamily="18" charset="0"/>
+              </a:rPr>
+              <a:t>We cannot deny the null hypothesis that the interaction model is not better than additive model in explaining the general and CMC Promotion. </a:t>
+            </a:r>
+            <a:endParaRPr lang="en-GB" altLang="zh-CN" dirty="0">
+              <a:latin typeface="Times New Roman" panose="02020603050405020304" pitchFamily="18" charset="0"/>
+              <a:cs typeface="Times New Roman" panose="02020603050405020304" pitchFamily="18" charset="0"/>
+            </a:endParaRPr>
+          </a:p>
+          <a:p>
+            <a:endParaRPr lang="en-US" dirty="0"/>
+          </a:p>
+          <a:p>
+            <a:endParaRPr lang="en-US" dirty="0"/>
+          </a:p>
+          <a:p>
+            <a:endParaRPr lang="en-GB" dirty="0"/>
+          </a:p>
         </p:txBody>
       </p:sp>
       <p:pic>
         <p:nvPicPr>
-          <p:cNvPr id="5" name="内容占位符 4">
-            <a:extLst>
-              <a:ext uri="{FF2B5EF4-FFF2-40B4-BE49-F238E27FC236}">
-                <a16:creationId xmlns:a16="http://schemas.microsoft.com/office/drawing/2014/main" id="{9A844D89-291E-665C-4341-9D8839938797}"/>
+          <p:cNvPr id="13" name="内容占位符 9">
+            <a:extLst>
+              <a:ext uri="{FF2B5EF4-FFF2-40B4-BE49-F238E27FC236}">
+                <a16:creationId xmlns:a16="http://schemas.microsoft.com/office/drawing/2014/main" id="{838A29F8-8A68-3522-2E61-9A316B87D992}"/>
               </a:ext>
             </a:extLst>
           </p:cNvPr>
           <p:cNvPicPr>
-            <a:picLocks noGrp="1" noChangeAspect="1"/>
+            <a:picLocks noChangeAspect="1"/>
           </p:cNvPicPr>
-          <p:nvPr>
-            <p:ph idx="1"/>
-          </p:nvPr>
+          <p:nvPr/>
         </p:nvPicPr>
         <p:blipFill>
           <a:blip r:embed="rId2">
@@ -6429,17 +6589,20 @@
         </p:blipFill>
         <p:spPr>
           <a:xfrm>
-            <a:off x="838200" y="4049045"/>
-            <a:ext cx="10060632" cy="1684187"/>
+            <a:off x="44878" y="4571328"/>
+            <a:ext cx="5344528" cy="2073499"/>
           </a:xfrm>
+          <a:prstGeom prst="rect">
+            <a:avLst/>
+          </a:prstGeom>
         </p:spPr>
       </p:pic>
       <p:pic>
         <p:nvPicPr>
-          <p:cNvPr id="9" name="图片 8">
-            <a:extLst>
-              <a:ext uri="{FF2B5EF4-FFF2-40B4-BE49-F238E27FC236}">
-                <a16:creationId xmlns:a16="http://schemas.microsoft.com/office/drawing/2014/main" id="{1B5C575B-C4A6-5C39-836E-070CAB731EC4}"/>
+          <p:cNvPr id="15" name="图片 14">
+            <a:extLst>
+              <a:ext uri="{FF2B5EF4-FFF2-40B4-BE49-F238E27FC236}">
+                <a16:creationId xmlns:a16="http://schemas.microsoft.com/office/drawing/2014/main" id="{6FBD264B-A30F-8C41-C637-F0E85C2057F6}"/>
               </a:ext>
             </a:extLst>
           </p:cNvPr>
@@ -6462,47 +6625,18 @@
         </p:blipFill>
         <p:spPr>
           <a:xfrm>
-            <a:off x="838200" y="1690688"/>
-            <a:ext cx="10745590" cy="1893984"/>
+            <a:off x="5498330" y="4635841"/>
+            <a:ext cx="5238901" cy="2008986"/>
           </a:xfrm>
           <a:prstGeom prst="rect">
             <a:avLst/>
           </a:prstGeom>
         </p:spPr>
       </p:pic>
-      <p:sp>
-        <p:nvSpPr>
-          <p:cNvPr id="10" name="灯片编号占位符 9">
-            <a:extLst>
-              <a:ext uri="{FF2B5EF4-FFF2-40B4-BE49-F238E27FC236}">
-                <a16:creationId xmlns:a16="http://schemas.microsoft.com/office/drawing/2014/main" id="{BF5278D6-1D4B-949D-E196-E1738A4CA484}"/>
-              </a:ext>
-            </a:extLst>
-          </p:cNvPr>
-          <p:cNvSpPr>
-            <a:spLocks noGrp="1"/>
-          </p:cNvSpPr>
-          <p:nvPr>
-            <p:ph type="sldNum" sz="quarter" idx="12"/>
-          </p:nvPr>
-        </p:nvSpPr>
-        <p:spPr/>
-        <p:txBody>
-          <a:bodyPr/>
-          <a:lstStyle/>
-          <a:p>
-            <a:fld id="{41F902B4-3FB8-458D-8E6E-B6B3111C7BD4}" type="slidenum">
-              <a:rPr lang="en-GB" smtClean="0"/>
-              <a:t>22</a:t>
-            </a:fld>
-            <a:endParaRPr lang="en-GB" dirty="0"/>
-          </a:p>
-        </p:txBody>
-      </p:sp>
     </p:spTree>
     <p:extLst>
       <p:ext uri="{BB962C8B-B14F-4D97-AF65-F5344CB8AC3E}">
-        <p14:creationId xmlns:p14="http://schemas.microsoft.com/office/powerpoint/2010/main" val="3705316286"/>
+        <p14:creationId xmlns:p14="http://schemas.microsoft.com/office/powerpoint/2010/main" val="4204611462"/>
       </p:ext>
     </p:extLst>
   </p:cSld>
@@ -6529,6 +6663,257 @@
           <a:chExt cx="0" cy="0"/>
         </a:xfrm>
       </p:grpSpPr>
+      <p:sp>
+        <p:nvSpPr>
+          <p:cNvPr id="2" name="标题 1">
+            <a:extLst>
+              <a:ext uri="{FF2B5EF4-FFF2-40B4-BE49-F238E27FC236}">
+                <a16:creationId xmlns:a16="http://schemas.microsoft.com/office/drawing/2014/main" id="{2F9E8BD0-A40F-9BA1-A2C9-39B9DC176957}"/>
+              </a:ext>
+            </a:extLst>
+          </p:cNvPr>
+          <p:cNvSpPr>
+            <a:spLocks noGrp="1"/>
+          </p:cNvSpPr>
+          <p:nvPr>
+            <p:ph type="title"/>
+          </p:nvPr>
+        </p:nvSpPr>
+        <p:spPr/>
+        <p:txBody>
+          <a:bodyPr/>
+          <a:lstStyle/>
+          <a:p>
+            <a:r>
+              <a:rPr lang="en-GB" dirty="0">
+                <a:latin typeface="Times New Roman" panose="02020603050405020304" pitchFamily="18" charset="0"/>
+                <a:cs typeface="Times New Roman" panose="02020603050405020304" pitchFamily="18" charset="0"/>
+              </a:rPr>
+              <a:t>Interaction 2   </a:t>
+            </a:r>
+            <a:br>
+              <a:rPr lang="en-GB" dirty="0">
+                <a:latin typeface="Times New Roman" panose="02020603050405020304" pitchFamily="18" charset="0"/>
+                <a:cs typeface="Times New Roman" panose="02020603050405020304" pitchFamily="18" charset="0"/>
+              </a:rPr>
+            </a:br>
+            <a:r>
+              <a:rPr lang="en-GB" dirty="0">
+                <a:latin typeface="Times New Roman" panose="02020603050405020304" pitchFamily="18" charset="0"/>
+                <a:cs typeface="Times New Roman" panose="02020603050405020304" pitchFamily="18" charset="0"/>
+              </a:rPr>
+              <a:t>combat</a:t>
+            </a:r>
+            <a:r>
+              <a:rPr lang="en-US" dirty="0">
+                <a:latin typeface="Times New Roman" panose="02020603050405020304" pitchFamily="18" charset="0"/>
+                <a:cs typeface="Times New Roman" panose="02020603050405020304" pitchFamily="18" charset="0"/>
+              </a:rPr>
+              <a:t>_post_1949 : commissar </a:t>
+            </a:r>
+            <a:endParaRPr lang="en-GB" dirty="0">
+              <a:latin typeface="Times New Roman" panose="02020603050405020304" pitchFamily="18" charset="0"/>
+              <a:cs typeface="Times New Roman" panose="02020603050405020304" pitchFamily="18" charset="0"/>
+            </a:endParaRPr>
+          </a:p>
+        </p:txBody>
+      </p:sp>
+      <p:pic>
+        <p:nvPicPr>
+          <p:cNvPr id="5" name="内容占位符 4">
+            <a:extLst>
+              <a:ext uri="{FF2B5EF4-FFF2-40B4-BE49-F238E27FC236}">
+                <a16:creationId xmlns:a16="http://schemas.microsoft.com/office/drawing/2014/main" id="{9A844D89-291E-665C-4341-9D8839938797}"/>
+              </a:ext>
+            </a:extLst>
+          </p:cNvPr>
+          <p:cNvPicPr>
+            <a:picLocks noGrp="1" noChangeAspect="1"/>
+          </p:cNvPicPr>
+          <p:nvPr>
+            <p:ph idx="1"/>
+          </p:nvPr>
+        </p:nvPicPr>
+        <p:blipFill>
+          <a:blip r:embed="rId2">
+            <a:extLst>
+              <a:ext uri="{28A0092B-C50C-407E-A947-70E740481C1C}">
+                <a14:useLocalDpi xmlns:a14="http://schemas.microsoft.com/office/drawing/2010/main" val="0"/>
+              </a:ext>
+            </a:extLst>
+          </a:blip>
+          <a:stretch>
+            <a:fillRect/>
+          </a:stretch>
+        </p:blipFill>
+        <p:spPr>
+          <a:xfrm>
+            <a:off x="838199" y="3049180"/>
+            <a:ext cx="8115066" cy="1358492"/>
+          </a:xfrm>
+        </p:spPr>
+      </p:pic>
+      <p:sp>
+        <p:nvSpPr>
+          <p:cNvPr id="10" name="灯片编号占位符 9">
+            <a:extLst>
+              <a:ext uri="{FF2B5EF4-FFF2-40B4-BE49-F238E27FC236}">
+                <a16:creationId xmlns:a16="http://schemas.microsoft.com/office/drawing/2014/main" id="{BF5278D6-1D4B-949D-E196-E1738A4CA484}"/>
+              </a:ext>
+            </a:extLst>
+          </p:cNvPr>
+          <p:cNvSpPr>
+            <a:spLocks noGrp="1"/>
+          </p:cNvSpPr>
+          <p:nvPr>
+            <p:ph type="sldNum" sz="quarter" idx="12"/>
+          </p:nvPr>
+        </p:nvSpPr>
+        <p:spPr/>
+        <p:txBody>
+          <a:bodyPr/>
+          <a:lstStyle/>
+          <a:p>
+            <a:fld id="{41F902B4-3FB8-458D-8E6E-B6B3111C7BD4}" type="slidenum">
+              <a:rPr lang="en-GB" smtClean="0"/>
+              <a:t>23</a:t>
+            </a:fld>
+            <a:endParaRPr lang="en-GB" dirty="0"/>
+          </a:p>
+        </p:txBody>
+      </p:sp>
+      <p:pic>
+        <p:nvPicPr>
+          <p:cNvPr id="7" name="图片 6">
+            <a:extLst>
+              <a:ext uri="{FF2B5EF4-FFF2-40B4-BE49-F238E27FC236}">
+                <a16:creationId xmlns:a16="http://schemas.microsoft.com/office/drawing/2014/main" id="{A3D4A77A-146B-9F02-38B4-6685A8A8CB73}"/>
+              </a:ext>
+            </a:extLst>
+          </p:cNvPr>
+          <p:cNvPicPr>
+            <a:picLocks noChangeAspect="1"/>
+          </p:cNvPicPr>
+          <p:nvPr/>
+        </p:nvPicPr>
+        <p:blipFill>
+          <a:blip r:embed="rId3">
+            <a:extLst>
+              <a:ext uri="{28A0092B-C50C-407E-A947-70E740481C1C}">
+                <a14:useLocalDpi xmlns:a14="http://schemas.microsoft.com/office/drawing/2010/main" val="0"/>
+              </a:ext>
+            </a:extLst>
+          </a:blip>
+          <a:stretch>
+            <a:fillRect/>
+          </a:stretch>
+        </p:blipFill>
+        <p:spPr>
+          <a:xfrm>
+            <a:off x="838198" y="5766164"/>
+            <a:ext cx="7082857" cy="689675"/>
+          </a:xfrm>
+          <a:prstGeom prst="rect">
+            <a:avLst/>
+          </a:prstGeom>
+        </p:spPr>
+      </p:pic>
+      <p:pic>
+        <p:nvPicPr>
+          <p:cNvPr id="11" name="图片 10">
+            <a:extLst>
+              <a:ext uri="{FF2B5EF4-FFF2-40B4-BE49-F238E27FC236}">
+                <a16:creationId xmlns:a16="http://schemas.microsoft.com/office/drawing/2014/main" id="{5148EA7E-4852-35D9-25DE-6190A2C1CF83}"/>
+              </a:ext>
+            </a:extLst>
+          </p:cNvPr>
+          <p:cNvPicPr>
+            <a:picLocks noChangeAspect="1"/>
+          </p:cNvPicPr>
+          <p:nvPr/>
+        </p:nvPicPr>
+        <p:blipFill>
+          <a:blip r:embed="rId4"/>
+          <a:stretch>
+            <a:fillRect/>
+          </a:stretch>
+        </p:blipFill>
+        <p:spPr>
+          <a:xfrm>
+            <a:off x="838198" y="1690688"/>
+            <a:ext cx="8567293" cy="1441762"/>
+          </a:xfrm>
+          <a:prstGeom prst="rect">
+            <a:avLst/>
+          </a:prstGeom>
+        </p:spPr>
+      </p:pic>
+      <p:pic>
+        <p:nvPicPr>
+          <p:cNvPr id="13" name="图片 12">
+            <a:extLst>
+              <a:ext uri="{FF2B5EF4-FFF2-40B4-BE49-F238E27FC236}">
+                <a16:creationId xmlns:a16="http://schemas.microsoft.com/office/drawing/2014/main" id="{2DC01ACE-2EDD-BFB1-07A5-5A15ADF6D9E8}"/>
+              </a:ext>
+            </a:extLst>
+          </p:cNvPr>
+          <p:cNvPicPr>
+            <a:picLocks noChangeAspect="1"/>
+          </p:cNvPicPr>
+          <p:nvPr/>
+        </p:nvPicPr>
+        <p:blipFill>
+          <a:blip r:embed="rId5">
+            <a:extLst>
+              <a:ext uri="{28A0092B-C50C-407E-A947-70E740481C1C}">
+                <a14:useLocalDpi xmlns:a14="http://schemas.microsoft.com/office/drawing/2010/main" val="0"/>
+              </a:ext>
+            </a:extLst>
+          </a:blip>
+          <a:stretch>
+            <a:fillRect/>
+          </a:stretch>
+        </p:blipFill>
+        <p:spPr>
+          <a:xfrm>
+            <a:off x="838198" y="4691718"/>
+            <a:ext cx="6615161" cy="604842"/>
+          </a:xfrm>
+          <a:prstGeom prst="rect">
+            <a:avLst/>
+          </a:prstGeom>
+        </p:spPr>
+      </p:pic>
+    </p:spTree>
+    <p:extLst>
+      <p:ext uri="{BB962C8B-B14F-4D97-AF65-F5344CB8AC3E}">
+        <p14:creationId xmlns:p14="http://schemas.microsoft.com/office/powerpoint/2010/main" val="3705316286"/>
+      </p:ext>
+    </p:extLst>
+  </p:cSld>
+  <p:clrMapOvr>
+    <a:masterClrMapping/>
+  </p:clrMapOvr>
+</p:sld>
+</file>
+
+<file path=ppt/slides/slide24.xml><?xml version="1.0" encoding="utf-8"?>
+<p:sld xmlns:a="http://schemas.openxmlformats.org/drawingml/2006/main" xmlns:r="http://schemas.openxmlformats.org/officeDocument/2006/relationships" xmlns:p="http://schemas.openxmlformats.org/presentationml/2006/main">
+  <p:cSld>
+    <p:spTree>
+      <p:nvGrpSpPr>
+        <p:cNvPr id="1" name=""/>
+        <p:cNvGrpSpPr/>
+        <p:nvPr/>
+      </p:nvGrpSpPr>
+      <p:grpSpPr>
+        <a:xfrm>
+          <a:off x="0" y="0"/>
+          <a:ext cx="0" cy="0"/>
+          <a:chOff x="0" y="0"/>
+          <a:chExt cx="0" cy="0"/>
+        </a:xfrm>
+      </p:grpSpPr>
       <p:pic>
         <p:nvPicPr>
           <p:cNvPr id="8" name="内容占位符 7">
@@ -6699,7 +7084,7 @@
           <a:p>
             <a:fld id="{41F902B4-3FB8-458D-8E6E-B6B3111C7BD4}" type="slidenum">
               <a:rPr lang="en-GB" smtClean="0"/>
-              <a:t>23</a:t>
+              <a:t>24</a:t>
             </a:fld>
             <a:endParaRPr lang="en-GB" dirty="0"/>
           </a:p>
@@ -6754,7 +7139,7 @@
 </p:sld>
 </file>
 
-<file path=ppt/slides/slide24.xml><?xml version="1.0" encoding="utf-8"?>
+<file path=ppt/slides/slide25.xml><?xml version="1.0" encoding="utf-8"?>
 <p:sld xmlns:a="http://schemas.openxmlformats.org/drawingml/2006/main" xmlns:r="http://schemas.openxmlformats.org/officeDocument/2006/relationships" xmlns:p="http://schemas.openxmlformats.org/presentationml/2006/main">
   <p:cSld>
     <p:spTree>
@@ -6947,7 +7332,7 @@
           <a:p>
             <a:fld id="{41F902B4-3FB8-458D-8E6E-B6B3111C7BD4}" type="slidenum">
               <a:rPr lang="en-GB" smtClean="0"/>
-              <a:t>24</a:t>
+              <a:t>25</a:t>
             </a:fld>
             <a:endParaRPr lang="en-GB" dirty="0"/>
           </a:p>
@@ -7002,145 +7387,6 @@
 </p:sld>
 </file>
 
-<file path=ppt/slides/slide25.xml><?xml version="1.0" encoding="utf-8"?>
-<p:sld xmlns:a="http://schemas.openxmlformats.org/drawingml/2006/main" xmlns:r="http://schemas.openxmlformats.org/officeDocument/2006/relationships" xmlns:p="http://schemas.openxmlformats.org/presentationml/2006/main">
-  <p:cSld>
-    <p:spTree>
-      <p:nvGrpSpPr>
-        <p:cNvPr id="1" name=""/>
-        <p:cNvGrpSpPr/>
-        <p:nvPr/>
-      </p:nvGrpSpPr>
-      <p:grpSpPr>
-        <a:xfrm>
-          <a:off x="0" y="0"/>
-          <a:ext cx="0" cy="0"/>
-          <a:chOff x="0" y="0"/>
-          <a:chExt cx="0" cy="0"/>
-        </a:xfrm>
-      </p:grpSpPr>
-      <p:sp>
-        <p:nvSpPr>
-          <p:cNvPr id="2" name="标题 1">
-            <a:extLst>
-              <a:ext uri="{FF2B5EF4-FFF2-40B4-BE49-F238E27FC236}">
-                <a16:creationId xmlns:a16="http://schemas.microsoft.com/office/drawing/2014/main" id="{B7A47EAE-1BBA-5466-3CA8-F19C566BF56B}"/>
-              </a:ext>
-            </a:extLst>
-          </p:cNvPr>
-          <p:cNvSpPr>
-            <a:spLocks noGrp="1"/>
-          </p:cNvSpPr>
-          <p:nvPr>
-            <p:ph type="title"/>
-          </p:nvPr>
-        </p:nvSpPr>
-        <p:spPr/>
-        <p:txBody>
-          <a:bodyPr/>
-          <a:lstStyle/>
-          <a:p>
-            <a:r>
-              <a:rPr lang="en-GB" altLang="zh-CN" dirty="0">
-                <a:latin typeface="Times New Roman" panose="02020603050405020304" pitchFamily="18" charset="0"/>
-                <a:cs typeface="Times New Roman" panose="02020603050405020304" pitchFamily="18" charset="0"/>
-              </a:rPr>
-              <a:t>Interaction 3   </a:t>
-            </a:r>
-            <a:br>
-              <a:rPr lang="en-GB" altLang="zh-CN" dirty="0">
-                <a:latin typeface="Times New Roman" panose="02020603050405020304" pitchFamily="18" charset="0"/>
-                <a:cs typeface="Times New Roman" panose="02020603050405020304" pitchFamily="18" charset="0"/>
-              </a:rPr>
-            </a:br>
-            <a:r>
-              <a:rPr lang="en-US" altLang="zh-CN" dirty="0">
-                <a:latin typeface="Times New Roman" panose="02020603050405020304" pitchFamily="18" charset="0"/>
-                <a:cs typeface="Times New Roman" panose="02020603050405020304" pitchFamily="18" charset="0"/>
-              </a:rPr>
-              <a:t>commissar : minority</a:t>
-            </a:r>
-            <a:endParaRPr lang="en-GB" dirty="0"/>
-          </a:p>
-        </p:txBody>
-      </p:sp>
-      <p:pic>
-        <p:nvPicPr>
-          <p:cNvPr id="6" name="内容占位符 5">
-            <a:extLst>
-              <a:ext uri="{FF2B5EF4-FFF2-40B4-BE49-F238E27FC236}">
-                <a16:creationId xmlns:a16="http://schemas.microsoft.com/office/drawing/2014/main" id="{1AE82B75-B257-37EB-9521-C82AC48115A1}"/>
-              </a:ext>
-            </a:extLst>
-          </p:cNvPr>
-          <p:cNvPicPr>
-            <a:picLocks noGrp="1" noChangeAspect="1"/>
-          </p:cNvPicPr>
-          <p:nvPr>
-            <p:ph idx="1"/>
-          </p:nvPr>
-        </p:nvPicPr>
-        <p:blipFill>
-          <a:blip r:embed="rId2">
-            <a:extLst>
-              <a:ext uri="{28A0092B-C50C-407E-A947-70E740481C1C}">
-                <a14:useLocalDpi xmlns:a14="http://schemas.microsoft.com/office/drawing/2010/main" val="0"/>
-              </a:ext>
-            </a:extLst>
-          </a:blip>
-          <a:stretch>
-            <a:fillRect/>
-          </a:stretch>
-        </p:blipFill>
-        <p:spPr>
-          <a:xfrm>
-            <a:off x="838200" y="2349397"/>
-            <a:ext cx="10418052" cy="3782131"/>
-          </a:xfrm>
-        </p:spPr>
-      </p:pic>
-      <p:sp>
-        <p:nvSpPr>
-          <p:cNvPr id="7" name="灯片编号占位符 6">
-            <a:extLst>
-              <a:ext uri="{FF2B5EF4-FFF2-40B4-BE49-F238E27FC236}">
-                <a16:creationId xmlns:a16="http://schemas.microsoft.com/office/drawing/2014/main" id="{7805DC4A-59EF-DF42-004C-2B648154F455}"/>
-              </a:ext>
-            </a:extLst>
-          </p:cNvPr>
-          <p:cNvSpPr>
-            <a:spLocks noGrp="1"/>
-          </p:cNvSpPr>
-          <p:nvPr>
-            <p:ph type="sldNum" sz="quarter" idx="12"/>
-          </p:nvPr>
-        </p:nvSpPr>
-        <p:spPr/>
-        <p:txBody>
-          <a:bodyPr/>
-          <a:lstStyle/>
-          <a:p>
-            <a:fld id="{41F902B4-3FB8-458D-8E6E-B6B3111C7BD4}" type="slidenum">
-              <a:rPr lang="en-GB" smtClean="0"/>
-              <a:t>25</a:t>
-            </a:fld>
-            <a:endParaRPr lang="en-GB" dirty="0"/>
-          </a:p>
-        </p:txBody>
-      </p:sp>
-    </p:spTree>
-    <p:extLst>
-      <p:ext uri="{BB962C8B-B14F-4D97-AF65-F5344CB8AC3E}">
-        <p14:creationId xmlns:p14="http://schemas.microsoft.com/office/powerpoint/2010/main" val="2769021748"/>
-      </p:ext>
-    </p:extLst>
-  </p:cSld>
-  <p:clrMapOvr>
-    <a:masterClrMapping/>
-  </p:clrMapOvr>
-</p:sld>
-</file>
-
 <file path=ppt/slides/slide26.xml><?xml version="1.0" encoding="utf-8"?>
 <p:sld xmlns:a="http://schemas.openxmlformats.org/drawingml/2006/main" xmlns:r="http://schemas.openxmlformats.org/officeDocument/2006/relationships" xmlns:p="http://schemas.openxmlformats.org/presentationml/2006/main">
   <p:cSld>
@@ -7158,12 +7404,138 @@
           <a:chExt cx="0" cy="0"/>
         </a:xfrm>
       </p:grpSpPr>
+      <p:sp>
+        <p:nvSpPr>
+          <p:cNvPr id="2" name="标题 1">
+            <a:extLst>
+              <a:ext uri="{FF2B5EF4-FFF2-40B4-BE49-F238E27FC236}">
+                <a16:creationId xmlns:a16="http://schemas.microsoft.com/office/drawing/2014/main" id="{CDB90EB2-2358-370B-F61E-5AD47F6C3141}"/>
+              </a:ext>
+            </a:extLst>
+          </p:cNvPr>
+          <p:cNvSpPr>
+            <a:spLocks noGrp="1"/>
+          </p:cNvSpPr>
+          <p:nvPr>
+            <p:ph type="title"/>
+          </p:nvPr>
+        </p:nvSpPr>
+        <p:spPr/>
+        <p:txBody>
+          <a:bodyPr/>
+          <a:lstStyle/>
+          <a:p>
+            <a:r>
+              <a:rPr lang="en-GB" dirty="0">
+                <a:latin typeface="Times New Roman" panose="02020603050405020304" pitchFamily="18" charset="0"/>
+                <a:cs typeface="Times New Roman" panose="02020603050405020304" pitchFamily="18" charset="0"/>
+              </a:rPr>
+              <a:t>Model Comparison with “LRT”</a:t>
+            </a:r>
+          </a:p>
+        </p:txBody>
+      </p:sp>
+      <p:sp>
+        <p:nvSpPr>
+          <p:cNvPr id="3" name="内容占位符 2">
+            <a:extLst>
+              <a:ext uri="{FF2B5EF4-FFF2-40B4-BE49-F238E27FC236}">
+                <a16:creationId xmlns:a16="http://schemas.microsoft.com/office/drawing/2014/main" id="{7396C621-53B7-2DF2-BC45-2339C0A42BCC}"/>
+              </a:ext>
+            </a:extLst>
+          </p:cNvPr>
+          <p:cNvSpPr>
+            <a:spLocks noGrp="1"/>
+          </p:cNvSpPr>
+          <p:nvPr>
+            <p:ph idx="1"/>
+          </p:nvPr>
+        </p:nvSpPr>
+        <p:spPr/>
+        <p:txBody>
+          <a:bodyPr/>
+          <a:lstStyle/>
+          <a:p>
+            <a:r>
+              <a:rPr lang="en-GB" dirty="0">
+                <a:latin typeface="Times New Roman" panose="02020603050405020304" pitchFamily="18" charset="0"/>
+                <a:cs typeface="Times New Roman" panose="02020603050405020304" pitchFamily="18" charset="0"/>
+              </a:rPr>
+              <a:t>P-value &gt; 0.05 # General Promotion </a:t>
+            </a:r>
+          </a:p>
+          <a:p>
+            <a:r>
+              <a:rPr lang="en-GB" dirty="0">
+                <a:latin typeface="Times New Roman" panose="02020603050405020304" pitchFamily="18" charset="0"/>
+                <a:cs typeface="Times New Roman" panose="02020603050405020304" pitchFamily="18" charset="0"/>
+              </a:rPr>
+              <a:t>P</a:t>
+            </a:r>
+            <a:r>
+              <a:rPr lang="en-US" dirty="0">
+                <a:latin typeface="Times New Roman" panose="02020603050405020304" pitchFamily="18" charset="0"/>
+                <a:cs typeface="Times New Roman" panose="02020603050405020304" pitchFamily="18" charset="0"/>
+              </a:rPr>
+              <a:t>-value &gt; 0.05   # CMC Promotion </a:t>
+            </a:r>
+          </a:p>
+          <a:p>
+            <a:endParaRPr lang="en-US" dirty="0">
+              <a:latin typeface="Times New Roman" panose="02020603050405020304" pitchFamily="18" charset="0"/>
+              <a:cs typeface="Times New Roman" panose="02020603050405020304" pitchFamily="18" charset="0"/>
+            </a:endParaRPr>
+          </a:p>
+          <a:p>
+            <a:r>
+              <a:rPr lang="en-US" dirty="0">
+                <a:latin typeface="Times New Roman" panose="02020603050405020304" pitchFamily="18" charset="0"/>
+                <a:cs typeface="Times New Roman" panose="02020603050405020304" pitchFamily="18" charset="0"/>
+              </a:rPr>
+              <a:t>We cannot deny the null hypothesis that the interaction model is not better than additive model in explaining the general and CMC Promotion. </a:t>
+            </a:r>
+            <a:endParaRPr lang="en-GB" dirty="0">
+              <a:latin typeface="Times New Roman" panose="02020603050405020304" pitchFamily="18" charset="0"/>
+              <a:cs typeface="Times New Roman" panose="02020603050405020304" pitchFamily="18" charset="0"/>
+            </a:endParaRPr>
+          </a:p>
+        </p:txBody>
+      </p:sp>
+      <p:sp>
+        <p:nvSpPr>
+          <p:cNvPr id="4" name="灯片编号占位符 3">
+            <a:extLst>
+              <a:ext uri="{FF2B5EF4-FFF2-40B4-BE49-F238E27FC236}">
+                <a16:creationId xmlns:a16="http://schemas.microsoft.com/office/drawing/2014/main" id="{3E73B3C9-68D1-6916-6BDE-7D82F384FF9E}"/>
+              </a:ext>
+            </a:extLst>
+          </p:cNvPr>
+          <p:cNvSpPr>
+            <a:spLocks noGrp="1"/>
+          </p:cNvSpPr>
+          <p:nvPr>
+            <p:ph type="sldNum" sz="quarter" idx="12"/>
+          </p:nvPr>
+        </p:nvSpPr>
+        <p:spPr/>
+        <p:txBody>
+          <a:bodyPr/>
+          <a:lstStyle/>
+          <a:p>
+            <a:fld id="{41F902B4-3FB8-458D-8E6E-B6B3111C7BD4}" type="slidenum">
+              <a:rPr lang="en-GB" smtClean="0"/>
+              <a:t>26</a:t>
+            </a:fld>
+            <a:endParaRPr lang="en-GB" dirty="0"/>
+          </a:p>
+        </p:txBody>
+      </p:sp>
       <p:pic>
         <p:nvPicPr>
-          <p:cNvPr id="11" name="图片 10">
-            <a:extLst>
-              <a:ext uri="{FF2B5EF4-FFF2-40B4-BE49-F238E27FC236}">
-                <a16:creationId xmlns:a16="http://schemas.microsoft.com/office/drawing/2014/main" id="{4E2CF0A7-61D5-B058-5CFB-6D312C7A247C}"/>
+          <p:cNvPr id="10" name="图片 9">
+            <a:extLst>
+              <a:ext uri="{FF2B5EF4-FFF2-40B4-BE49-F238E27FC236}">
+                <a16:creationId xmlns:a16="http://schemas.microsoft.com/office/drawing/2014/main" id="{A498F08F-F828-2F94-18E8-1C55CA107F18}"/>
               </a:ext>
             </a:extLst>
           </p:cNvPr>
@@ -7173,7 +7545,37 @@
           <p:nvPr/>
         </p:nvPicPr>
         <p:blipFill>
-          <a:blip r:embed="rId2">
+          <a:blip r:embed="rId2"/>
+          <a:stretch>
+            <a:fillRect/>
+          </a:stretch>
+        </p:blipFill>
+        <p:spPr>
+          <a:xfrm>
+            <a:off x="6254762" y="4593178"/>
+            <a:ext cx="5430828" cy="2128297"/>
+          </a:xfrm>
+          <a:prstGeom prst="rect">
+            <a:avLst/>
+          </a:prstGeom>
+        </p:spPr>
+      </p:pic>
+      <p:pic>
+        <p:nvPicPr>
+          <p:cNvPr id="14" name="图片 13">
+            <a:extLst>
+              <a:ext uri="{FF2B5EF4-FFF2-40B4-BE49-F238E27FC236}">
+                <a16:creationId xmlns:a16="http://schemas.microsoft.com/office/drawing/2014/main" id="{CCD17017-85AC-42E2-946C-4B0A49CFC2C0}"/>
+              </a:ext>
+            </a:extLst>
+          </p:cNvPr>
+          <p:cNvPicPr>
+            <a:picLocks noChangeAspect="1"/>
+          </p:cNvPicPr>
+          <p:nvPr/>
+        </p:nvPicPr>
+        <p:blipFill>
+          <a:blip r:embed="rId3">
             <a:extLst>
               <a:ext uri="{28A0092B-C50C-407E-A947-70E740481C1C}">
                 <a14:useLocalDpi xmlns:a14="http://schemas.microsoft.com/office/drawing/2010/main" val="0"/>
@@ -7186,191 +7588,8 @@
         </p:blipFill>
         <p:spPr>
           <a:xfrm>
-            <a:off x="8672308" y="1552697"/>
-            <a:ext cx="3402610" cy="4986215"/>
-          </a:xfrm>
-          <a:prstGeom prst="rect">
-            <a:avLst/>
-          </a:prstGeom>
-        </p:spPr>
-      </p:pic>
-      <p:sp>
-        <p:nvSpPr>
-          <p:cNvPr id="2" name="标题 1">
-            <a:extLst>
-              <a:ext uri="{FF2B5EF4-FFF2-40B4-BE49-F238E27FC236}">
-                <a16:creationId xmlns:a16="http://schemas.microsoft.com/office/drawing/2014/main" id="{A6272F24-D211-F657-7A1B-663197A7268B}"/>
-              </a:ext>
-            </a:extLst>
-          </p:cNvPr>
-          <p:cNvSpPr>
-            <a:spLocks noGrp="1"/>
-          </p:cNvSpPr>
-          <p:nvPr>
-            <p:ph type="title"/>
-          </p:nvPr>
-        </p:nvSpPr>
-        <p:spPr/>
-        <p:txBody>
-          <a:bodyPr/>
-          <a:lstStyle/>
-          <a:p>
-            <a:r>
-              <a:rPr lang="en-US" altLang="zh-CN" dirty="0">
-                <a:latin typeface="Times New Roman" panose="02020603050405020304" pitchFamily="18" charset="0"/>
-                <a:cs typeface="Times New Roman" panose="02020603050405020304" pitchFamily="18" charset="0"/>
-              </a:rPr>
-              <a:t>Additive vs. Interaction: General Promotion  </a:t>
-            </a:r>
-            <a:endParaRPr lang="en-GB" dirty="0"/>
-          </a:p>
-        </p:txBody>
-      </p:sp>
-      <p:sp>
-        <p:nvSpPr>
-          <p:cNvPr id="13" name="文本框 12">
-            <a:extLst>
-              <a:ext uri="{FF2B5EF4-FFF2-40B4-BE49-F238E27FC236}">
-                <a16:creationId xmlns:a16="http://schemas.microsoft.com/office/drawing/2014/main" id="{06CF8285-9C88-9D94-85E3-83642364EE0B}"/>
-              </a:ext>
-            </a:extLst>
-          </p:cNvPr>
-          <p:cNvSpPr txBox="1"/>
-          <p:nvPr/>
-        </p:nvSpPr>
-        <p:spPr>
-          <a:xfrm>
-            <a:off x="838200" y="1800234"/>
-            <a:ext cx="5144854" cy="5078313"/>
-          </a:xfrm>
-          <a:prstGeom prst="rect">
-            <a:avLst/>
-          </a:prstGeom>
-          <a:noFill/>
-        </p:spPr>
-        <p:txBody>
-          <a:bodyPr wrap="square">
-            <a:spAutoFit/>
-          </a:bodyPr>
-          <a:lstStyle/>
-          <a:p>
-            <a:r>
-              <a:rPr lang="en-GB" altLang="zh-CN" dirty="0">
-                <a:latin typeface="Times New Roman" panose="02020603050405020304" pitchFamily="18" charset="0"/>
-                <a:cs typeface="Times New Roman" panose="02020603050405020304" pitchFamily="18" charset="0"/>
-              </a:rPr>
-              <a:t>Holding other covariates constant, if an officer from ethnic minority background has commissar experience, the log odds of that officer being promoted to general are by 0.458 larger than other ethnic minority officers without commissar experience. </a:t>
-            </a:r>
-          </a:p>
-          <a:p>
-            <a:endParaRPr lang="en-GB" altLang="zh-CN" dirty="0">
-              <a:latin typeface="Times New Roman" panose="02020603050405020304" pitchFamily="18" charset="0"/>
-              <a:cs typeface="Times New Roman" panose="02020603050405020304" pitchFamily="18" charset="0"/>
-            </a:endParaRPr>
-          </a:p>
-          <a:p>
-            <a:endParaRPr lang="en-GB" altLang="zh-CN" dirty="0">
-              <a:latin typeface="Times New Roman" panose="02020603050405020304" pitchFamily="18" charset="0"/>
-              <a:cs typeface="Times New Roman" panose="02020603050405020304" pitchFamily="18" charset="0"/>
-            </a:endParaRPr>
-          </a:p>
-          <a:p>
-            <a:r>
-              <a:rPr lang="en-GB" altLang="zh-CN" dirty="0">
-                <a:latin typeface="Times New Roman" panose="02020603050405020304" pitchFamily="18" charset="0"/>
-                <a:cs typeface="Times New Roman" panose="02020603050405020304" pitchFamily="18" charset="0"/>
-              </a:rPr>
-              <a:t>But the interaction effect is not significantly different from 0.</a:t>
-            </a:r>
-          </a:p>
-          <a:p>
-            <a:endParaRPr lang="en-GB" altLang="zh-CN" dirty="0">
-              <a:latin typeface="Times New Roman" panose="02020603050405020304" pitchFamily="18" charset="0"/>
-              <a:cs typeface="Times New Roman" panose="02020603050405020304" pitchFamily="18" charset="0"/>
-            </a:endParaRPr>
-          </a:p>
-          <a:p>
-            <a:endParaRPr lang="en-GB" altLang="zh-CN" dirty="0">
-              <a:latin typeface="Times New Roman" panose="02020603050405020304" pitchFamily="18" charset="0"/>
-              <a:cs typeface="Times New Roman" panose="02020603050405020304" pitchFamily="18" charset="0"/>
-            </a:endParaRPr>
-          </a:p>
-          <a:p>
-            <a:endParaRPr lang="en-GB" altLang="zh-CN" dirty="0">
-              <a:latin typeface="Times New Roman" panose="02020603050405020304" pitchFamily="18" charset="0"/>
-              <a:cs typeface="Times New Roman" panose="02020603050405020304" pitchFamily="18" charset="0"/>
-            </a:endParaRPr>
-          </a:p>
-          <a:p>
-            <a:r>
-              <a:rPr lang="en-GB" altLang="zh-CN" dirty="0">
-                <a:latin typeface="Times New Roman" panose="02020603050405020304" pitchFamily="18" charset="0"/>
-                <a:cs typeface="Times New Roman" panose="02020603050405020304" pitchFamily="18" charset="0"/>
-              </a:rPr>
-              <a:t>Therefore, the effect of having commissar experience does not have a different effect (that statistically significantly different from 0) between officers from Han ethnicity and ethnic minority on being promoted to general or not.</a:t>
-            </a:r>
-          </a:p>
-        </p:txBody>
-      </p:sp>
-      <p:sp>
-        <p:nvSpPr>
-          <p:cNvPr id="9" name="灯片编号占位符 8">
-            <a:extLst>
-              <a:ext uri="{FF2B5EF4-FFF2-40B4-BE49-F238E27FC236}">
-                <a16:creationId xmlns:a16="http://schemas.microsoft.com/office/drawing/2014/main" id="{FF200044-3B81-38F4-0D23-086726DAD265}"/>
-              </a:ext>
-            </a:extLst>
-          </p:cNvPr>
-          <p:cNvSpPr>
-            <a:spLocks noGrp="1"/>
-          </p:cNvSpPr>
-          <p:nvPr>
-            <p:ph type="sldNum" sz="quarter" idx="12"/>
-          </p:nvPr>
-        </p:nvSpPr>
-        <p:spPr/>
-        <p:txBody>
-          <a:bodyPr/>
-          <a:lstStyle/>
-          <a:p>
-            <a:fld id="{41F902B4-3FB8-458D-8E6E-B6B3111C7BD4}" type="slidenum">
-              <a:rPr lang="en-GB" smtClean="0"/>
-              <a:t>26</a:t>
-            </a:fld>
-            <a:endParaRPr lang="en-GB" dirty="0"/>
-          </a:p>
-        </p:txBody>
-      </p:sp>
-      <p:pic>
-        <p:nvPicPr>
-          <p:cNvPr id="3" name="内容占位符 4">
-            <a:extLst>
-              <a:ext uri="{FF2B5EF4-FFF2-40B4-BE49-F238E27FC236}">
-                <a16:creationId xmlns:a16="http://schemas.microsoft.com/office/drawing/2014/main" id="{8C5B4323-80C3-6410-244B-D1C6BB2AD251}"/>
-              </a:ext>
-            </a:extLst>
-          </p:cNvPr>
-          <p:cNvPicPr>
-            <a:picLocks noChangeAspect="1"/>
-          </p:cNvPicPr>
-          <p:nvPr/>
-        </p:nvPicPr>
-        <p:blipFill>
-          <a:blip r:embed="rId3">
-            <a:extLst>
-              <a:ext uri="{28A0092B-C50C-407E-A947-70E740481C1C}">
-                <a14:useLocalDpi xmlns:a14="http://schemas.microsoft.com/office/drawing/2010/main" val="0"/>
-              </a:ext>
-            </a:extLst>
-          </a:blip>
-          <a:stretch>
-            <a:fillRect/>
-          </a:stretch>
-        </p:blipFill>
-        <p:spPr>
-          <a:xfrm>
-            <a:off x="6052180" y="1458552"/>
-            <a:ext cx="2838258" cy="5354846"/>
+            <a:off x="352083" y="4724417"/>
+            <a:ext cx="5293446" cy="1877038"/>
           </a:xfrm>
           <a:prstGeom prst="rect">
             <a:avLst/>
@@ -7380,7 +7599,7 @@
     </p:spTree>
     <p:extLst>
       <p:ext uri="{BB962C8B-B14F-4D97-AF65-F5344CB8AC3E}">
-        <p14:creationId xmlns:p14="http://schemas.microsoft.com/office/powerpoint/2010/main" val="2235020205"/>
+        <p14:creationId xmlns:p14="http://schemas.microsoft.com/office/powerpoint/2010/main" val="1123112342"/>
       </p:ext>
     </p:extLst>
   </p:cSld>
@@ -7412,7 +7631,7 @@
           <p:cNvPr id="2" name="标题 1">
             <a:extLst>
               <a:ext uri="{FF2B5EF4-FFF2-40B4-BE49-F238E27FC236}">
-                <a16:creationId xmlns:a16="http://schemas.microsoft.com/office/drawing/2014/main" id="{84D6EF97-F171-A947-6A5C-835A93822A70}"/>
+                <a16:creationId xmlns:a16="http://schemas.microsoft.com/office/drawing/2014/main" id="{5273115C-178F-B6DC-9095-9E6286CDBAB1}"/>
               </a:ext>
             </a:extLst>
           </p:cNvPr>
@@ -7429,147 +7648,109 @@
           <a:lstStyle/>
           <a:p>
             <a:r>
-              <a:rPr lang="en-US" dirty="0">
-                <a:latin typeface="Times New Roman" panose="02020603050405020304" pitchFamily="18" charset="0"/>
-                <a:cs typeface="Times New Roman" panose="02020603050405020304" pitchFamily="18" charset="0"/>
-              </a:rPr>
-              <a:t>Additive vs. Interaction: CMC Promotion  </a:t>
-            </a:r>
+              <a:rPr lang="en-GB" dirty="0">
+                <a:latin typeface="Times New Roman" panose="02020603050405020304" pitchFamily="18" charset="0"/>
+                <a:cs typeface="Times New Roman" panose="02020603050405020304" pitchFamily="18" charset="0"/>
+              </a:rPr>
+              <a:t>My Further Thoughts</a:t>
+            </a:r>
+          </a:p>
+        </p:txBody>
+      </p:sp>
+      <p:sp>
+        <p:nvSpPr>
+          <p:cNvPr id="3" name="内容占位符 2">
+            <a:extLst>
+              <a:ext uri="{FF2B5EF4-FFF2-40B4-BE49-F238E27FC236}">
+                <a16:creationId xmlns:a16="http://schemas.microsoft.com/office/drawing/2014/main" id="{F87F9FAE-BB51-22F1-E680-F9FFDAADEA70}"/>
+              </a:ext>
+            </a:extLst>
+          </p:cNvPr>
+          <p:cNvSpPr>
+            <a:spLocks noGrp="1"/>
+          </p:cNvSpPr>
+          <p:nvPr>
+            <p:ph idx="1"/>
+          </p:nvPr>
+        </p:nvSpPr>
+        <p:spPr/>
+        <p:txBody>
+          <a:bodyPr>
+            <a:normAutofit lnSpcReduction="10000"/>
+          </a:bodyPr>
+          <a:lstStyle/>
+          <a:p>
+            <a:r>
+              <a:rPr lang="en-GB" dirty="0">
+                <a:latin typeface="Times New Roman" panose="02020603050405020304" pitchFamily="18" charset="0"/>
+                <a:cs typeface="Times New Roman" panose="02020603050405020304" pitchFamily="18" charset="0"/>
+              </a:rPr>
+              <a:t>Overall, officers with combat experiences are more likely to be promoted to CMC if they have experience in commissar, but they are less likely to be promoted to general if they are former commissars.</a:t>
+            </a:r>
+          </a:p>
+          <a:p>
             <a:endParaRPr lang="en-GB" dirty="0">
               <a:latin typeface="Times New Roman" panose="02020603050405020304" pitchFamily="18" charset="0"/>
               <a:cs typeface="Times New Roman" panose="02020603050405020304" pitchFamily="18" charset="0"/>
             </a:endParaRPr>
           </a:p>
-        </p:txBody>
-      </p:sp>
-      <p:sp>
-        <p:nvSpPr>
-          <p:cNvPr id="18" name="文本框 17">
-            <a:extLst>
-              <a:ext uri="{FF2B5EF4-FFF2-40B4-BE49-F238E27FC236}">
-                <a16:creationId xmlns:a16="http://schemas.microsoft.com/office/drawing/2014/main" id="{E4CF5672-520D-F410-5112-DE716A180B5F}"/>
-              </a:ext>
-            </a:extLst>
-          </p:cNvPr>
-          <p:cNvSpPr txBox="1"/>
-          <p:nvPr/>
-        </p:nvSpPr>
-        <p:spPr>
-          <a:xfrm>
-            <a:off x="675515" y="1968560"/>
-            <a:ext cx="5144854" cy="4801314"/>
-          </a:xfrm>
-          <a:prstGeom prst="rect">
-            <a:avLst/>
-          </a:prstGeom>
-          <a:noFill/>
-        </p:spPr>
-        <p:txBody>
-          <a:bodyPr wrap="square">
-            <a:spAutoFit/>
-          </a:bodyPr>
-          <a:lstStyle/>
-          <a:p>
-            <a:r>
-              <a:rPr lang="en-GB" altLang="zh-CN" dirty="0">
-                <a:latin typeface="Times New Roman" panose="02020603050405020304" pitchFamily="18" charset="0"/>
-                <a:cs typeface="Times New Roman" panose="02020603050405020304" pitchFamily="18" charset="0"/>
-              </a:rPr>
-              <a:t>Holding other covariates constant, if an officer from ethnic minority background is born in rural China, the log odds of that officer being promoted to CMC are by 0.285 larger than those officers from ethnic minority born in urban on average. </a:t>
-            </a:r>
-          </a:p>
-          <a:p>
-            <a:endParaRPr lang="en-GB" altLang="zh-CN" dirty="0">
+          <a:p>
+            <a:r>
+              <a:rPr lang="en-GB" dirty="0">
+                <a:latin typeface="Times New Roman" panose="02020603050405020304" pitchFamily="18" charset="0"/>
+                <a:cs typeface="Times New Roman" panose="02020603050405020304" pitchFamily="18" charset="0"/>
+              </a:rPr>
+              <a:t>Theoretically coherent and relevant: CMC is the military decision-making organ, so the promotion is more politicalised. </a:t>
+            </a:r>
+          </a:p>
+          <a:p>
+            <a:pPr marL="0" indent="0">
+              <a:buNone/>
+            </a:pPr>
+            <a:r>
+              <a:rPr lang="en-GB" dirty="0">
+                <a:latin typeface="Times New Roman" panose="02020603050405020304" pitchFamily="18" charset="0"/>
+                <a:cs typeface="Times New Roman" panose="02020603050405020304" pitchFamily="18" charset="0"/>
+              </a:rPr>
+              <a:t>  (Loyalty to the regime is essential, and experienced commissars will be preferred because their careers are binding with the regime.)</a:t>
+            </a:r>
+          </a:p>
+          <a:p>
+            <a:endParaRPr lang="en-GB" dirty="0">
               <a:latin typeface="Times New Roman" panose="02020603050405020304" pitchFamily="18" charset="0"/>
               <a:cs typeface="Times New Roman" panose="02020603050405020304" pitchFamily="18" charset="0"/>
             </a:endParaRPr>
           </a:p>
           <a:p>
-            <a:endParaRPr lang="en-GB" altLang="zh-CN" dirty="0">
-              <a:latin typeface="Times New Roman" panose="02020603050405020304" pitchFamily="18" charset="0"/>
-              <a:cs typeface="Times New Roman" panose="02020603050405020304" pitchFamily="18" charset="0"/>
-            </a:endParaRPr>
-          </a:p>
-          <a:p>
-            <a:r>
-              <a:rPr lang="en-GB" altLang="zh-CN" dirty="0">
-                <a:latin typeface="Times New Roman" panose="02020603050405020304" pitchFamily="18" charset="0"/>
-                <a:cs typeface="Times New Roman" panose="02020603050405020304" pitchFamily="18" charset="0"/>
-              </a:rPr>
-              <a:t>But the interaction effect is not significantly different from 0.</a:t>
-            </a:r>
-          </a:p>
-          <a:p>
-            <a:endParaRPr lang="en-GB" altLang="zh-CN" dirty="0">
-              <a:latin typeface="Times New Roman" panose="02020603050405020304" pitchFamily="18" charset="0"/>
-              <a:cs typeface="Times New Roman" panose="02020603050405020304" pitchFamily="18" charset="0"/>
-            </a:endParaRPr>
-          </a:p>
-          <a:p>
-            <a:endParaRPr lang="en-GB" altLang="zh-CN" dirty="0">
-              <a:latin typeface="Times New Roman" panose="02020603050405020304" pitchFamily="18" charset="0"/>
-              <a:cs typeface="Times New Roman" panose="02020603050405020304" pitchFamily="18" charset="0"/>
-            </a:endParaRPr>
-          </a:p>
-          <a:p>
-            <a:endParaRPr lang="en-GB" altLang="zh-CN" dirty="0">
-              <a:latin typeface="Times New Roman" panose="02020603050405020304" pitchFamily="18" charset="0"/>
-              <a:cs typeface="Times New Roman" panose="02020603050405020304" pitchFamily="18" charset="0"/>
-            </a:endParaRPr>
-          </a:p>
-          <a:p>
-            <a:r>
-              <a:rPr lang="en-GB" altLang="zh-CN" dirty="0">
-                <a:latin typeface="Times New Roman" panose="02020603050405020304" pitchFamily="18" charset="0"/>
-                <a:cs typeface="Times New Roman" panose="02020603050405020304" pitchFamily="18" charset="0"/>
-              </a:rPr>
-              <a:t>Therefore, the effect of being born in rural China does not have a different effect (that statistically significantly different from 0) between officers from Han ethnicity and ethnic minority on being promoted to CMC or not.</a:t>
-            </a:r>
-          </a:p>
-        </p:txBody>
-      </p:sp>
-      <p:pic>
-        <p:nvPicPr>
-          <p:cNvPr id="6" name="图片 5">
-            <a:extLst>
-              <a:ext uri="{FF2B5EF4-FFF2-40B4-BE49-F238E27FC236}">
-                <a16:creationId xmlns:a16="http://schemas.microsoft.com/office/drawing/2014/main" id="{36D04B9D-AE8D-0C93-0D8F-FFE207171BEB}"/>
-              </a:ext>
-            </a:extLst>
-          </p:cNvPr>
-          <p:cNvPicPr>
-            <a:picLocks noChangeAspect="1"/>
-          </p:cNvPicPr>
-          <p:nvPr/>
-        </p:nvPicPr>
-        <p:blipFill>
-          <a:blip r:embed="rId2">
-            <a:extLst>
-              <a:ext uri="{28A0092B-C50C-407E-A947-70E740481C1C}">
-                <a14:useLocalDpi xmlns:a14="http://schemas.microsoft.com/office/drawing/2010/main" val="0"/>
-              </a:ext>
-            </a:extLst>
-          </a:blip>
-          <a:stretch>
-            <a:fillRect/>
-          </a:stretch>
-        </p:blipFill>
-        <p:spPr>
-          <a:xfrm>
-            <a:off x="8387306" y="1629430"/>
-            <a:ext cx="3129179" cy="5158676"/>
-          </a:xfrm>
-          <a:prstGeom prst="rect">
-            <a:avLst/>
-          </a:prstGeom>
-        </p:spPr>
-      </p:pic>
-      <p:sp>
-        <p:nvSpPr>
-          <p:cNvPr id="7" name="灯片编号占位符 6">
-            <a:extLst>
-              <a:ext uri="{FF2B5EF4-FFF2-40B4-BE49-F238E27FC236}">
-                <a16:creationId xmlns:a16="http://schemas.microsoft.com/office/drawing/2014/main" id="{25590D57-506F-F665-8C8A-5440C5C04613}"/>
+            <a:r>
+              <a:rPr lang="en-GB" dirty="0">
+                <a:latin typeface="Times New Roman" panose="02020603050405020304" pitchFamily="18" charset="0"/>
+                <a:cs typeface="Times New Roman" panose="02020603050405020304" pitchFamily="18" charset="0"/>
+              </a:rPr>
+              <a:t>But this interaction model is not better than additive</a:t>
+            </a:r>
+            <a:r>
+              <a:rPr lang="en-US" dirty="0">
+                <a:latin typeface="Times New Roman" panose="02020603050405020304" pitchFamily="18" charset="0"/>
+                <a:cs typeface="Times New Roman" panose="02020603050405020304" pitchFamily="18" charset="0"/>
+              </a:rPr>
+              <a:t>.</a:t>
+            </a:r>
+          </a:p>
+          <a:p>
+            <a:endParaRPr lang="en-US" dirty="0"/>
+          </a:p>
+          <a:p>
+            <a:endParaRPr lang="en-GB" dirty="0"/>
+          </a:p>
+        </p:txBody>
+      </p:sp>
+      <p:sp>
+        <p:nvSpPr>
+          <p:cNvPr id="4" name="灯片编号占位符 3">
+            <a:extLst>
+              <a:ext uri="{FF2B5EF4-FFF2-40B4-BE49-F238E27FC236}">
+                <a16:creationId xmlns:a16="http://schemas.microsoft.com/office/drawing/2014/main" id="{9201AD67-2B06-681E-D022-FF97DE02B589}"/>
               </a:ext>
             </a:extLst>
           </p:cNvPr>
@@ -7593,46 +7774,10 @@
           </a:p>
         </p:txBody>
       </p:sp>
-      <p:pic>
-        <p:nvPicPr>
-          <p:cNvPr id="3" name="内容占位符 10">
-            <a:extLst>
-              <a:ext uri="{FF2B5EF4-FFF2-40B4-BE49-F238E27FC236}">
-                <a16:creationId xmlns:a16="http://schemas.microsoft.com/office/drawing/2014/main" id="{7BC3FE98-A531-A668-86FA-39702D9EBA81}"/>
-              </a:ext>
-            </a:extLst>
-          </p:cNvPr>
-          <p:cNvPicPr>
-            <a:picLocks noChangeAspect="1"/>
-          </p:cNvPicPr>
-          <p:nvPr/>
-        </p:nvPicPr>
-        <p:blipFill>
-          <a:blip r:embed="rId3">
-            <a:extLst>
-              <a:ext uri="{28A0092B-C50C-407E-A947-70E740481C1C}">
-                <a14:useLocalDpi xmlns:a14="http://schemas.microsoft.com/office/drawing/2010/main" val="0"/>
-              </a:ext>
-            </a:extLst>
-          </a:blip>
-          <a:stretch>
-            <a:fillRect/>
-          </a:stretch>
-        </p:blipFill>
-        <p:spPr>
-          <a:xfrm>
-            <a:off x="5709640" y="1664513"/>
-            <a:ext cx="2738275" cy="5105361"/>
-          </a:xfrm>
-          <a:prstGeom prst="rect">
-            <a:avLst/>
-          </a:prstGeom>
-        </p:spPr>
-      </p:pic>
     </p:spTree>
     <p:extLst>
       <p:ext uri="{BB962C8B-B14F-4D97-AF65-F5344CB8AC3E}">
-        <p14:creationId xmlns:p14="http://schemas.microsoft.com/office/powerpoint/2010/main" val="1083521963"/>
+        <p14:creationId xmlns:p14="http://schemas.microsoft.com/office/powerpoint/2010/main" val="875230532"/>
       </p:ext>
     </p:extLst>
   </p:cSld>
@@ -7664,7 +7809,7 @@
           <p:cNvPr id="2" name="标题 1">
             <a:extLst>
               <a:ext uri="{FF2B5EF4-FFF2-40B4-BE49-F238E27FC236}">
-                <a16:creationId xmlns:a16="http://schemas.microsoft.com/office/drawing/2014/main" id="{5273115C-178F-B6DC-9095-9E6286CDBAB1}"/>
+                <a16:creationId xmlns:a16="http://schemas.microsoft.com/office/drawing/2014/main" id="{B7A47EAE-1BBA-5466-3CA8-F19C566BF56B}"/>
               </a:ext>
             </a:extLst>
           </p:cNvPr>
@@ -7681,109 +7826,70 @@
           <a:lstStyle/>
           <a:p>
             <a:r>
-              <a:rPr lang="en-GB" dirty="0">
-                <a:latin typeface="Times New Roman" panose="02020603050405020304" pitchFamily="18" charset="0"/>
-                <a:cs typeface="Times New Roman" panose="02020603050405020304" pitchFamily="18" charset="0"/>
-              </a:rPr>
-              <a:t>My Further Thoughts</a:t>
-            </a:r>
-          </a:p>
-        </p:txBody>
-      </p:sp>
-      <p:sp>
-        <p:nvSpPr>
-          <p:cNvPr id="3" name="内容占位符 2">
-            <a:extLst>
-              <a:ext uri="{FF2B5EF4-FFF2-40B4-BE49-F238E27FC236}">
-                <a16:creationId xmlns:a16="http://schemas.microsoft.com/office/drawing/2014/main" id="{F87F9FAE-BB51-22F1-E680-F9FFDAADEA70}"/>
-              </a:ext>
-            </a:extLst>
-          </p:cNvPr>
-          <p:cNvSpPr>
-            <a:spLocks noGrp="1"/>
-          </p:cNvSpPr>
+              <a:rPr lang="en-GB" altLang="zh-CN" dirty="0">
+                <a:latin typeface="Times New Roman" panose="02020603050405020304" pitchFamily="18" charset="0"/>
+                <a:cs typeface="Times New Roman" panose="02020603050405020304" pitchFamily="18" charset="0"/>
+              </a:rPr>
+              <a:t>Interaction 3   </a:t>
+            </a:r>
+            <a:br>
+              <a:rPr lang="en-GB" altLang="zh-CN" dirty="0">
+                <a:latin typeface="Times New Roman" panose="02020603050405020304" pitchFamily="18" charset="0"/>
+                <a:cs typeface="Times New Roman" panose="02020603050405020304" pitchFamily="18" charset="0"/>
+              </a:rPr>
+            </a:br>
+            <a:r>
+              <a:rPr lang="en-US" altLang="zh-CN" dirty="0">
+                <a:latin typeface="Times New Roman" panose="02020603050405020304" pitchFamily="18" charset="0"/>
+                <a:cs typeface="Times New Roman" panose="02020603050405020304" pitchFamily="18" charset="0"/>
+              </a:rPr>
+              <a:t>commissar : minority</a:t>
+            </a:r>
+            <a:endParaRPr lang="en-GB" dirty="0"/>
+          </a:p>
+        </p:txBody>
+      </p:sp>
+      <p:pic>
+        <p:nvPicPr>
+          <p:cNvPr id="6" name="内容占位符 5">
+            <a:extLst>
+              <a:ext uri="{FF2B5EF4-FFF2-40B4-BE49-F238E27FC236}">
+                <a16:creationId xmlns:a16="http://schemas.microsoft.com/office/drawing/2014/main" id="{1AE82B75-B257-37EB-9521-C82AC48115A1}"/>
+              </a:ext>
+            </a:extLst>
+          </p:cNvPr>
+          <p:cNvPicPr>
+            <a:picLocks noGrp="1" noChangeAspect="1"/>
+          </p:cNvPicPr>
           <p:nvPr>
             <p:ph idx="1"/>
           </p:nvPr>
-        </p:nvSpPr>
-        <p:spPr/>
-        <p:txBody>
-          <a:bodyPr>
-            <a:normAutofit fontScale="92500"/>
-          </a:bodyPr>
-          <a:lstStyle/>
-          <a:p>
-            <a:r>
-              <a:rPr lang="en-GB" dirty="0">
-                <a:latin typeface="Times New Roman" panose="02020603050405020304" pitchFamily="18" charset="0"/>
-                <a:cs typeface="Times New Roman" panose="02020603050405020304" pitchFamily="18" charset="0"/>
-              </a:rPr>
-              <a:t>Overall, officers with combat experiences are more likely to be promoted to CMC if they have experience in commissar, but they are less likely to be promoted to general if they are former commissars.</a:t>
-            </a:r>
-          </a:p>
-          <a:p>
-            <a:endParaRPr lang="en-GB" dirty="0">
-              <a:latin typeface="Times New Roman" panose="02020603050405020304" pitchFamily="18" charset="0"/>
-              <a:cs typeface="Times New Roman" panose="02020603050405020304" pitchFamily="18" charset="0"/>
-            </a:endParaRPr>
-          </a:p>
-          <a:p>
-            <a:r>
-              <a:rPr lang="en-GB" dirty="0">
-                <a:latin typeface="Times New Roman" panose="02020603050405020304" pitchFamily="18" charset="0"/>
-                <a:cs typeface="Times New Roman" panose="02020603050405020304" pitchFamily="18" charset="0"/>
-              </a:rPr>
-              <a:t>Theoretically coherent and relevant: CMC is the military decision-making organ, so the promotion is more politicalised. </a:t>
-            </a:r>
-          </a:p>
-          <a:p>
-            <a:pPr marL="0" indent="0">
-              <a:buNone/>
-            </a:pPr>
-            <a:r>
-              <a:rPr lang="en-GB" dirty="0">
-                <a:latin typeface="Times New Roman" panose="02020603050405020304" pitchFamily="18" charset="0"/>
-                <a:cs typeface="Times New Roman" panose="02020603050405020304" pitchFamily="18" charset="0"/>
-              </a:rPr>
-              <a:t>  (Loyalty to the regime is essential, and experienced commissars will be preferred because their careers are binding with the regime.)</a:t>
-            </a:r>
-          </a:p>
-          <a:p>
-            <a:endParaRPr lang="en-GB" dirty="0">
-              <a:latin typeface="Times New Roman" panose="02020603050405020304" pitchFamily="18" charset="0"/>
-              <a:cs typeface="Times New Roman" panose="02020603050405020304" pitchFamily="18" charset="0"/>
-            </a:endParaRPr>
-          </a:p>
-          <a:p>
-            <a:r>
-              <a:rPr lang="en-GB" dirty="0">
-                <a:latin typeface="Times New Roman" panose="02020603050405020304" pitchFamily="18" charset="0"/>
-                <a:cs typeface="Times New Roman" panose="02020603050405020304" pitchFamily="18" charset="0"/>
-              </a:rPr>
-              <a:t>But this interaction effect is not statistically significantly different from 0</a:t>
-            </a:r>
-            <a:r>
-              <a:rPr lang="en-US" dirty="0">
-                <a:latin typeface="Times New Roman" panose="02020603050405020304" pitchFamily="18" charset="0"/>
-                <a:cs typeface="Times New Roman" panose="02020603050405020304" pitchFamily="18" charset="0"/>
-              </a:rPr>
-              <a:t>.</a:t>
-            </a:r>
-          </a:p>
-          <a:p>
-            <a:endParaRPr lang="en-US" dirty="0"/>
-          </a:p>
-          <a:p>
-            <a:endParaRPr lang="en-GB" dirty="0"/>
-          </a:p>
-        </p:txBody>
-      </p:sp>
-      <p:sp>
-        <p:nvSpPr>
-          <p:cNvPr id="4" name="灯片编号占位符 3">
-            <a:extLst>
-              <a:ext uri="{FF2B5EF4-FFF2-40B4-BE49-F238E27FC236}">
-                <a16:creationId xmlns:a16="http://schemas.microsoft.com/office/drawing/2014/main" id="{9201AD67-2B06-681E-D022-FF97DE02B589}"/>
+        </p:nvPicPr>
+        <p:blipFill>
+          <a:blip r:embed="rId2">
+            <a:extLst>
+              <a:ext uri="{28A0092B-C50C-407E-A947-70E740481C1C}">
+                <a14:useLocalDpi xmlns:a14="http://schemas.microsoft.com/office/drawing/2010/main" val="0"/>
+              </a:ext>
+            </a:extLst>
+          </a:blip>
+          <a:stretch>
+            <a:fillRect/>
+          </a:stretch>
+        </p:blipFill>
+        <p:spPr>
+          <a:xfrm>
+            <a:off x="838200" y="1732318"/>
+            <a:ext cx="9079955" cy="3296353"/>
+          </a:xfrm>
+        </p:spPr>
+      </p:pic>
+      <p:sp>
+        <p:nvSpPr>
+          <p:cNvPr id="7" name="灯片编号占位符 6">
+            <a:extLst>
+              <a:ext uri="{FF2B5EF4-FFF2-40B4-BE49-F238E27FC236}">
+                <a16:creationId xmlns:a16="http://schemas.microsoft.com/office/drawing/2014/main" id="{7805DC4A-59EF-DF42-004C-2B648154F455}"/>
               </a:ext>
             </a:extLst>
           </p:cNvPr>
@@ -7807,10 +7913,82 @@
           </a:p>
         </p:txBody>
       </p:sp>
+      <p:pic>
+        <p:nvPicPr>
+          <p:cNvPr id="5" name="图片 4">
+            <a:extLst>
+              <a:ext uri="{FF2B5EF4-FFF2-40B4-BE49-F238E27FC236}">
+                <a16:creationId xmlns:a16="http://schemas.microsoft.com/office/drawing/2014/main" id="{52A9F277-4B2A-E525-CAC3-F6D4453230CA}"/>
+              </a:ext>
+            </a:extLst>
+          </p:cNvPr>
+          <p:cNvPicPr>
+            <a:picLocks noChangeAspect="1"/>
+          </p:cNvPicPr>
+          <p:nvPr/>
+        </p:nvPicPr>
+        <p:blipFill>
+          <a:blip r:embed="rId3">
+            <a:extLst>
+              <a:ext uri="{28A0092B-C50C-407E-A947-70E740481C1C}">
+                <a14:useLocalDpi xmlns:a14="http://schemas.microsoft.com/office/drawing/2010/main" val="0"/>
+              </a:ext>
+            </a:extLst>
+          </a:blip>
+          <a:stretch>
+            <a:fillRect/>
+          </a:stretch>
+        </p:blipFill>
+        <p:spPr>
+          <a:xfrm>
+            <a:off x="838199" y="5028671"/>
+            <a:ext cx="9047320" cy="784750"/>
+          </a:xfrm>
+          <a:prstGeom prst="rect">
+            <a:avLst/>
+          </a:prstGeom>
+        </p:spPr>
+      </p:pic>
+      <p:pic>
+        <p:nvPicPr>
+          <p:cNvPr id="9" name="图片 8">
+            <a:extLst>
+              <a:ext uri="{FF2B5EF4-FFF2-40B4-BE49-F238E27FC236}">
+                <a16:creationId xmlns:a16="http://schemas.microsoft.com/office/drawing/2014/main" id="{5BEACF37-5D65-5A08-BB21-3720D74361E0}"/>
+              </a:ext>
+            </a:extLst>
+          </p:cNvPr>
+          <p:cNvPicPr>
+            <a:picLocks noChangeAspect="1"/>
+          </p:cNvPicPr>
+          <p:nvPr/>
+        </p:nvPicPr>
+        <p:blipFill>
+          <a:blip r:embed="rId4">
+            <a:extLst>
+              <a:ext uri="{28A0092B-C50C-407E-A947-70E740481C1C}">
+                <a14:useLocalDpi xmlns:a14="http://schemas.microsoft.com/office/drawing/2010/main" val="0"/>
+              </a:ext>
+            </a:extLst>
+          </a:blip>
+          <a:stretch>
+            <a:fillRect/>
+          </a:stretch>
+        </p:blipFill>
+        <p:spPr>
+          <a:xfrm>
+            <a:off x="838199" y="5813421"/>
+            <a:ext cx="8481666" cy="727000"/>
+          </a:xfrm>
+          <a:prstGeom prst="rect">
+            <a:avLst/>
+          </a:prstGeom>
+        </p:spPr>
+      </p:pic>
     </p:spTree>
     <p:extLst>
       <p:ext uri="{BB962C8B-B14F-4D97-AF65-F5344CB8AC3E}">
-        <p14:creationId xmlns:p14="http://schemas.microsoft.com/office/powerpoint/2010/main" val="875230532"/>
+        <p14:creationId xmlns:p14="http://schemas.microsoft.com/office/powerpoint/2010/main" val="2769021748"/>
       </p:ext>
     </p:extLst>
   </p:cSld>
@@ -7837,12 +8015,48 @@
           <a:chExt cx="0" cy="0"/>
         </a:xfrm>
       </p:grpSpPr>
+      <p:pic>
+        <p:nvPicPr>
+          <p:cNvPr id="11" name="图片 10">
+            <a:extLst>
+              <a:ext uri="{FF2B5EF4-FFF2-40B4-BE49-F238E27FC236}">
+                <a16:creationId xmlns:a16="http://schemas.microsoft.com/office/drawing/2014/main" id="{4E2CF0A7-61D5-B058-5CFB-6D312C7A247C}"/>
+              </a:ext>
+            </a:extLst>
+          </p:cNvPr>
+          <p:cNvPicPr>
+            <a:picLocks noChangeAspect="1"/>
+          </p:cNvPicPr>
+          <p:nvPr/>
+        </p:nvPicPr>
+        <p:blipFill>
+          <a:blip r:embed="rId2">
+            <a:extLst>
+              <a:ext uri="{28A0092B-C50C-407E-A947-70E740481C1C}">
+                <a14:useLocalDpi xmlns:a14="http://schemas.microsoft.com/office/drawing/2010/main" val="0"/>
+              </a:ext>
+            </a:extLst>
+          </a:blip>
+          <a:stretch>
+            <a:fillRect/>
+          </a:stretch>
+        </p:blipFill>
+        <p:spPr>
+          <a:xfrm>
+            <a:off x="8672308" y="1552697"/>
+            <a:ext cx="3402610" cy="4986215"/>
+          </a:xfrm>
+          <a:prstGeom prst="rect">
+            <a:avLst/>
+          </a:prstGeom>
+        </p:spPr>
+      </p:pic>
       <p:sp>
         <p:nvSpPr>
           <p:cNvPr id="2" name="标题 1">
             <a:extLst>
               <a:ext uri="{FF2B5EF4-FFF2-40B4-BE49-F238E27FC236}">
-                <a16:creationId xmlns:a16="http://schemas.microsoft.com/office/drawing/2014/main" id="{8DE9C87C-83A9-5B59-FD88-2346E849FDC6}"/>
+                <a16:creationId xmlns:a16="http://schemas.microsoft.com/office/drawing/2014/main" id="{A6272F24-D211-F657-7A1B-663197A7268B}"/>
               </a:ext>
             </a:extLst>
           </p:cNvPr>
@@ -7859,62 +8073,60 @@
           <a:lstStyle/>
           <a:p>
             <a:r>
+              <a:rPr lang="en-US" altLang="zh-CN" dirty="0">
+                <a:latin typeface="Times New Roman" panose="02020603050405020304" pitchFamily="18" charset="0"/>
+                <a:cs typeface="Times New Roman" panose="02020603050405020304" pitchFamily="18" charset="0"/>
+              </a:rPr>
+              <a:t>Additive vs. Interaction: General Promotion  </a:t>
+            </a:r>
+            <a:endParaRPr lang="en-GB" dirty="0"/>
+          </a:p>
+        </p:txBody>
+      </p:sp>
+      <p:sp>
+        <p:nvSpPr>
+          <p:cNvPr id="13" name="文本框 12">
+            <a:extLst>
+              <a:ext uri="{FF2B5EF4-FFF2-40B4-BE49-F238E27FC236}">
+                <a16:creationId xmlns:a16="http://schemas.microsoft.com/office/drawing/2014/main" id="{06CF8285-9C88-9D94-85E3-83642364EE0B}"/>
+              </a:ext>
+            </a:extLst>
+          </p:cNvPr>
+          <p:cNvSpPr txBox="1"/>
+          <p:nvPr/>
+        </p:nvSpPr>
+        <p:spPr>
+          <a:xfrm>
+            <a:off x="838200" y="1800234"/>
+            <a:ext cx="5144854" cy="5078313"/>
+          </a:xfrm>
+          <a:prstGeom prst="rect">
+            <a:avLst/>
+          </a:prstGeom>
+          <a:noFill/>
+        </p:spPr>
+        <p:txBody>
+          <a:bodyPr wrap="square">
+            <a:spAutoFit/>
+          </a:bodyPr>
+          <a:lstStyle/>
+          <a:p>
+            <a:r>
               <a:rPr lang="en-GB" altLang="zh-CN" dirty="0">
                 <a:latin typeface="Times New Roman" panose="02020603050405020304" pitchFamily="18" charset="0"/>
                 <a:cs typeface="Times New Roman" panose="02020603050405020304" pitchFamily="18" charset="0"/>
               </a:rPr>
-              <a:t>My Further Thoughts</a:t>
-            </a:r>
-            <a:endParaRPr lang="en-GB" dirty="0"/>
-          </a:p>
-        </p:txBody>
-      </p:sp>
-      <p:sp>
-        <p:nvSpPr>
-          <p:cNvPr id="3" name="内容占位符 2">
-            <a:extLst>
-              <a:ext uri="{FF2B5EF4-FFF2-40B4-BE49-F238E27FC236}">
-                <a16:creationId xmlns:a16="http://schemas.microsoft.com/office/drawing/2014/main" id="{EA7B867E-FB9D-8BC2-977B-8EA063ADD121}"/>
-              </a:ext>
-            </a:extLst>
-          </p:cNvPr>
-          <p:cNvSpPr>
-            <a:spLocks noGrp="1"/>
-          </p:cNvSpPr>
-          <p:nvPr>
-            <p:ph idx="1"/>
-          </p:nvPr>
-        </p:nvSpPr>
-        <p:spPr/>
-        <p:txBody>
-          <a:bodyPr/>
-          <a:lstStyle/>
-          <a:p>
-            <a:r>
-              <a:rPr lang="en-GB" altLang="zh-CN" dirty="0">
-                <a:latin typeface="Times New Roman" panose="02020603050405020304" pitchFamily="18" charset="0"/>
-                <a:cs typeface="Times New Roman" panose="02020603050405020304" pitchFamily="18" charset="0"/>
-              </a:rPr>
-              <a:t>Overall, officers from ethnic minority are more likely to be promoted to genera and CMC if they have experience in commissar. </a:t>
-            </a:r>
-          </a:p>
-          <a:p>
-            <a:endParaRPr lang="en-GB" dirty="0">
+              <a:t>Holding other covariates constant, if an officer from ethnic minority background has commissar experience, the log odds of that officer being promoted to general are by 0.458 larger than other ethnic minority officers without commissar experience. </a:t>
+            </a:r>
+          </a:p>
+          <a:p>
+            <a:endParaRPr lang="en-GB" altLang="zh-CN" dirty="0">
               <a:latin typeface="Times New Roman" panose="02020603050405020304" pitchFamily="18" charset="0"/>
               <a:cs typeface="Times New Roman" panose="02020603050405020304" pitchFamily="18" charset="0"/>
             </a:endParaRPr>
           </a:p>
           <a:p>
-            <a:r>
-              <a:rPr lang="en-GB" dirty="0">
-                <a:latin typeface="Times New Roman" panose="02020603050405020304" pitchFamily="18" charset="0"/>
-                <a:cs typeface="Times New Roman" panose="02020603050405020304" pitchFamily="18" charset="0"/>
-              </a:rPr>
-              <a:t>Theoretically coherent and relevant: loyalty to the regime may be the prior concern for promotion regarding the officers from ethnic minority.</a:t>
-            </a:r>
-          </a:p>
-          <a:p>
-            <a:endParaRPr lang="en-GB" dirty="0">
+            <a:endParaRPr lang="en-GB" altLang="zh-CN" dirty="0">
               <a:latin typeface="Times New Roman" panose="02020603050405020304" pitchFamily="18" charset="0"/>
               <a:cs typeface="Times New Roman" panose="02020603050405020304" pitchFamily="18" charset="0"/>
             </a:endParaRPr>
@@ -7925,27 +8137,44 @@
                 <a:latin typeface="Times New Roman" panose="02020603050405020304" pitchFamily="18" charset="0"/>
                 <a:cs typeface="Times New Roman" panose="02020603050405020304" pitchFamily="18" charset="0"/>
               </a:rPr>
-              <a:t>But this interaction effect is not statistically significantly different from 0</a:t>
-            </a:r>
-            <a:r>
-              <a:rPr lang="en-US" altLang="zh-CN" dirty="0">
-                <a:latin typeface="Times New Roman" panose="02020603050405020304" pitchFamily="18" charset="0"/>
-                <a:cs typeface="Times New Roman" panose="02020603050405020304" pitchFamily="18" charset="0"/>
-              </a:rPr>
-              <a:t>.</a:t>
-            </a:r>
-          </a:p>
-          <a:p>
-            <a:endParaRPr lang="en-GB" dirty="0"/>
-          </a:p>
-        </p:txBody>
-      </p:sp>
-      <p:sp>
-        <p:nvSpPr>
-          <p:cNvPr id="4" name="灯片编号占位符 3">
-            <a:extLst>
-              <a:ext uri="{FF2B5EF4-FFF2-40B4-BE49-F238E27FC236}">
-                <a16:creationId xmlns:a16="http://schemas.microsoft.com/office/drawing/2014/main" id="{EB268E8B-2253-AE9E-3F3F-A01D087F8C25}"/>
+              <a:t>But the interaction effect is not significantly different from 0.</a:t>
+            </a:r>
+          </a:p>
+          <a:p>
+            <a:endParaRPr lang="en-GB" altLang="zh-CN" dirty="0">
+              <a:latin typeface="Times New Roman" panose="02020603050405020304" pitchFamily="18" charset="0"/>
+              <a:cs typeface="Times New Roman" panose="02020603050405020304" pitchFamily="18" charset="0"/>
+            </a:endParaRPr>
+          </a:p>
+          <a:p>
+            <a:endParaRPr lang="en-GB" altLang="zh-CN" dirty="0">
+              <a:latin typeface="Times New Roman" panose="02020603050405020304" pitchFamily="18" charset="0"/>
+              <a:cs typeface="Times New Roman" panose="02020603050405020304" pitchFamily="18" charset="0"/>
+            </a:endParaRPr>
+          </a:p>
+          <a:p>
+            <a:endParaRPr lang="en-GB" altLang="zh-CN" dirty="0">
+              <a:latin typeface="Times New Roman" panose="02020603050405020304" pitchFamily="18" charset="0"/>
+              <a:cs typeface="Times New Roman" panose="02020603050405020304" pitchFamily="18" charset="0"/>
+            </a:endParaRPr>
+          </a:p>
+          <a:p>
+            <a:r>
+              <a:rPr lang="en-GB" altLang="zh-CN" dirty="0">
+                <a:latin typeface="Times New Roman" panose="02020603050405020304" pitchFamily="18" charset="0"/>
+                <a:cs typeface="Times New Roman" panose="02020603050405020304" pitchFamily="18" charset="0"/>
+              </a:rPr>
+              <a:t>Therefore, the effect of having commissar experience does not have a different effect (that statistically significantly different from 0) between officers from Han ethnicity and ethnic minority on being promoted to general or not.</a:t>
+            </a:r>
+          </a:p>
+        </p:txBody>
+      </p:sp>
+      <p:sp>
+        <p:nvSpPr>
+          <p:cNvPr id="9" name="灯片编号占位符 8">
+            <a:extLst>
+              <a:ext uri="{FF2B5EF4-FFF2-40B4-BE49-F238E27FC236}">
+                <a16:creationId xmlns:a16="http://schemas.microsoft.com/office/drawing/2014/main" id="{FF200044-3B81-38F4-0D23-086726DAD265}"/>
               </a:ext>
             </a:extLst>
           </p:cNvPr>
@@ -7969,10 +8198,46 @@
           </a:p>
         </p:txBody>
       </p:sp>
+      <p:pic>
+        <p:nvPicPr>
+          <p:cNvPr id="3" name="内容占位符 4">
+            <a:extLst>
+              <a:ext uri="{FF2B5EF4-FFF2-40B4-BE49-F238E27FC236}">
+                <a16:creationId xmlns:a16="http://schemas.microsoft.com/office/drawing/2014/main" id="{8C5B4323-80C3-6410-244B-D1C6BB2AD251}"/>
+              </a:ext>
+            </a:extLst>
+          </p:cNvPr>
+          <p:cNvPicPr>
+            <a:picLocks noChangeAspect="1"/>
+          </p:cNvPicPr>
+          <p:nvPr/>
+        </p:nvPicPr>
+        <p:blipFill>
+          <a:blip r:embed="rId3">
+            <a:extLst>
+              <a:ext uri="{28A0092B-C50C-407E-A947-70E740481C1C}">
+                <a14:useLocalDpi xmlns:a14="http://schemas.microsoft.com/office/drawing/2010/main" val="0"/>
+              </a:ext>
+            </a:extLst>
+          </a:blip>
+          <a:stretch>
+            <a:fillRect/>
+          </a:stretch>
+        </p:blipFill>
+        <p:spPr>
+          <a:xfrm>
+            <a:off x="6052180" y="1458552"/>
+            <a:ext cx="2838258" cy="5354846"/>
+          </a:xfrm>
+          <a:prstGeom prst="rect">
+            <a:avLst/>
+          </a:prstGeom>
+        </p:spPr>
+      </p:pic>
     </p:spTree>
     <p:extLst>
       <p:ext uri="{BB962C8B-B14F-4D97-AF65-F5344CB8AC3E}">
-        <p14:creationId xmlns:p14="http://schemas.microsoft.com/office/powerpoint/2010/main" val="2756765489"/>
+        <p14:creationId xmlns:p14="http://schemas.microsoft.com/office/powerpoint/2010/main" val="2235020205"/>
       </p:ext>
     </p:extLst>
   </p:cSld>
@@ -8167,7 +8432,7 @@
           <p:cNvPr id="2" name="标题 1">
             <a:extLst>
               <a:ext uri="{FF2B5EF4-FFF2-40B4-BE49-F238E27FC236}">
-                <a16:creationId xmlns:a16="http://schemas.microsoft.com/office/drawing/2014/main" id="{BB1B9F2D-2170-D807-397F-FD0D87A13F27}"/>
+                <a16:creationId xmlns:a16="http://schemas.microsoft.com/office/drawing/2014/main" id="{84D6EF97-F171-A947-6A5C-835A93822A70}"/>
               </a:ext>
             </a:extLst>
           </p:cNvPr>
@@ -8188,7 +8453,7 @@
                 <a:latin typeface="Times New Roman" panose="02020603050405020304" pitchFamily="18" charset="0"/>
                 <a:cs typeface="Times New Roman" panose="02020603050405020304" pitchFamily="18" charset="0"/>
               </a:rPr>
-              <a:t>Bibliography</a:t>
+              <a:t>Additive vs. Interaction: CMC Promotion  </a:t>
             </a:r>
             <a:endParaRPr lang="en-GB" dirty="0">
               <a:latin typeface="Times New Roman" panose="02020603050405020304" pitchFamily="18" charset="0"/>
@@ -8199,45 +8464,132 @@
       </p:sp>
       <p:sp>
         <p:nvSpPr>
-          <p:cNvPr id="3" name="内容占位符 2">
-            <a:extLst>
-              <a:ext uri="{FF2B5EF4-FFF2-40B4-BE49-F238E27FC236}">
-                <a16:creationId xmlns:a16="http://schemas.microsoft.com/office/drawing/2014/main" id="{368DF6E0-3217-36FE-9EDB-C40CEA58DB79}"/>
-              </a:ext>
-            </a:extLst>
-          </p:cNvPr>
-          <p:cNvSpPr>
-            <a:spLocks noGrp="1"/>
-          </p:cNvSpPr>
-          <p:nvPr>
-            <p:ph idx="1"/>
-          </p:nvPr>
-        </p:nvSpPr>
-        <p:spPr/>
-        <p:txBody>
-          <a:bodyPr/>
-          <a:lstStyle/>
-          <a:p>
-            <a:r>
-              <a:rPr lang="en-US" altLang="zh-CN" dirty="0">
-                <a:latin typeface="Times New Roman" panose="02020603050405020304" pitchFamily="18" charset="0"/>
-                <a:cs typeface="Times New Roman" panose="02020603050405020304" pitchFamily="18" charset="0"/>
-              </a:rPr>
-              <a:t>Mattingly, Daniel. “How the Party Commands the Gun: The Foreign-Domestic Threat Dilemma in China.” American Journal of Political Science. Forthcoming. </a:t>
-            </a:r>
-            <a:endParaRPr lang="en-GB" dirty="0">
+          <p:cNvPr id="18" name="文本框 17">
+            <a:extLst>
+              <a:ext uri="{FF2B5EF4-FFF2-40B4-BE49-F238E27FC236}">
+                <a16:creationId xmlns:a16="http://schemas.microsoft.com/office/drawing/2014/main" id="{E4CF5672-520D-F410-5112-DE716A180B5F}"/>
+              </a:ext>
+            </a:extLst>
+          </p:cNvPr>
+          <p:cNvSpPr txBox="1"/>
+          <p:nvPr/>
+        </p:nvSpPr>
+        <p:spPr>
+          <a:xfrm>
+            <a:off x="675515" y="1968560"/>
+            <a:ext cx="5144854" cy="4801314"/>
+          </a:xfrm>
+          <a:prstGeom prst="rect">
+            <a:avLst/>
+          </a:prstGeom>
+          <a:noFill/>
+        </p:spPr>
+        <p:txBody>
+          <a:bodyPr wrap="square">
+            <a:spAutoFit/>
+          </a:bodyPr>
+          <a:lstStyle/>
+          <a:p>
+            <a:r>
+              <a:rPr lang="en-GB" altLang="zh-CN" dirty="0">
+                <a:latin typeface="Times New Roman" panose="02020603050405020304" pitchFamily="18" charset="0"/>
+                <a:cs typeface="Times New Roman" panose="02020603050405020304" pitchFamily="18" charset="0"/>
+              </a:rPr>
+              <a:t>Holding other covariates constant, if an officer from ethnic minority background is born in rural China, the log odds of that officer being promoted to CMC are by 0.285 larger than those officers from ethnic minority born in urban on average. </a:t>
+            </a:r>
+          </a:p>
+          <a:p>
+            <a:endParaRPr lang="en-GB" altLang="zh-CN" dirty="0">
               <a:latin typeface="Times New Roman" panose="02020603050405020304" pitchFamily="18" charset="0"/>
               <a:cs typeface="Times New Roman" panose="02020603050405020304" pitchFamily="18" charset="0"/>
             </a:endParaRPr>
           </a:p>
-        </p:txBody>
-      </p:sp>
-      <p:sp>
-        <p:nvSpPr>
-          <p:cNvPr id="4" name="灯片编号占位符 3">
-            <a:extLst>
-              <a:ext uri="{FF2B5EF4-FFF2-40B4-BE49-F238E27FC236}">
-                <a16:creationId xmlns:a16="http://schemas.microsoft.com/office/drawing/2014/main" id="{08C0D814-13F5-622F-ADB5-C56FDA7B566D}"/>
+          <a:p>
+            <a:endParaRPr lang="en-GB" altLang="zh-CN" dirty="0">
+              <a:latin typeface="Times New Roman" panose="02020603050405020304" pitchFamily="18" charset="0"/>
+              <a:cs typeface="Times New Roman" panose="02020603050405020304" pitchFamily="18" charset="0"/>
+            </a:endParaRPr>
+          </a:p>
+          <a:p>
+            <a:r>
+              <a:rPr lang="en-GB" altLang="zh-CN" dirty="0">
+                <a:latin typeface="Times New Roman" panose="02020603050405020304" pitchFamily="18" charset="0"/>
+                <a:cs typeface="Times New Roman" panose="02020603050405020304" pitchFamily="18" charset="0"/>
+              </a:rPr>
+              <a:t>But the interaction effect is not significantly different from 0.</a:t>
+            </a:r>
+          </a:p>
+          <a:p>
+            <a:endParaRPr lang="en-GB" altLang="zh-CN" dirty="0">
+              <a:latin typeface="Times New Roman" panose="02020603050405020304" pitchFamily="18" charset="0"/>
+              <a:cs typeface="Times New Roman" panose="02020603050405020304" pitchFamily="18" charset="0"/>
+            </a:endParaRPr>
+          </a:p>
+          <a:p>
+            <a:endParaRPr lang="en-GB" altLang="zh-CN" dirty="0">
+              <a:latin typeface="Times New Roman" panose="02020603050405020304" pitchFamily="18" charset="0"/>
+              <a:cs typeface="Times New Roman" panose="02020603050405020304" pitchFamily="18" charset="0"/>
+            </a:endParaRPr>
+          </a:p>
+          <a:p>
+            <a:endParaRPr lang="en-GB" altLang="zh-CN" dirty="0">
+              <a:latin typeface="Times New Roman" panose="02020603050405020304" pitchFamily="18" charset="0"/>
+              <a:cs typeface="Times New Roman" panose="02020603050405020304" pitchFamily="18" charset="0"/>
+            </a:endParaRPr>
+          </a:p>
+          <a:p>
+            <a:r>
+              <a:rPr lang="en-GB" altLang="zh-CN" dirty="0">
+                <a:latin typeface="Times New Roman" panose="02020603050405020304" pitchFamily="18" charset="0"/>
+                <a:cs typeface="Times New Roman" panose="02020603050405020304" pitchFamily="18" charset="0"/>
+              </a:rPr>
+              <a:t>Therefore, the effect of being born in rural China does not have a different effect (that statistically significantly different from 0) between officers from Han ethnicity and ethnic minority on being promoted to CMC or not.</a:t>
+            </a:r>
+          </a:p>
+        </p:txBody>
+      </p:sp>
+      <p:pic>
+        <p:nvPicPr>
+          <p:cNvPr id="6" name="图片 5">
+            <a:extLst>
+              <a:ext uri="{FF2B5EF4-FFF2-40B4-BE49-F238E27FC236}">
+                <a16:creationId xmlns:a16="http://schemas.microsoft.com/office/drawing/2014/main" id="{36D04B9D-AE8D-0C93-0D8F-FFE207171BEB}"/>
+              </a:ext>
+            </a:extLst>
+          </p:cNvPr>
+          <p:cNvPicPr>
+            <a:picLocks noChangeAspect="1"/>
+          </p:cNvPicPr>
+          <p:nvPr/>
+        </p:nvPicPr>
+        <p:blipFill>
+          <a:blip r:embed="rId2">
+            <a:extLst>
+              <a:ext uri="{28A0092B-C50C-407E-A947-70E740481C1C}">
+                <a14:useLocalDpi xmlns:a14="http://schemas.microsoft.com/office/drawing/2010/main" val="0"/>
+              </a:ext>
+            </a:extLst>
+          </a:blip>
+          <a:stretch>
+            <a:fillRect/>
+          </a:stretch>
+        </p:blipFill>
+        <p:spPr>
+          <a:xfrm>
+            <a:off x="8387306" y="1629430"/>
+            <a:ext cx="3129179" cy="5158676"/>
+          </a:xfrm>
+          <a:prstGeom prst="rect">
+            <a:avLst/>
+          </a:prstGeom>
+        </p:spPr>
+      </p:pic>
+      <p:sp>
+        <p:nvSpPr>
+          <p:cNvPr id="7" name="灯片编号占位符 6">
+            <a:extLst>
+              <a:ext uri="{FF2B5EF4-FFF2-40B4-BE49-F238E27FC236}">
+                <a16:creationId xmlns:a16="http://schemas.microsoft.com/office/drawing/2014/main" id="{25590D57-506F-F665-8C8A-5440C5C04613}"/>
               </a:ext>
             </a:extLst>
           </p:cNvPr>
@@ -8261,10 +8613,46 @@
           </a:p>
         </p:txBody>
       </p:sp>
+      <p:pic>
+        <p:nvPicPr>
+          <p:cNvPr id="3" name="内容占位符 10">
+            <a:extLst>
+              <a:ext uri="{FF2B5EF4-FFF2-40B4-BE49-F238E27FC236}">
+                <a16:creationId xmlns:a16="http://schemas.microsoft.com/office/drawing/2014/main" id="{7BC3FE98-A531-A668-86FA-39702D9EBA81}"/>
+              </a:ext>
+            </a:extLst>
+          </p:cNvPr>
+          <p:cNvPicPr>
+            <a:picLocks noChangeAspect="1"/>
+          </p:cNvPicPr>
+          <p:nvPr/>
+        </p:nvPicPr>
+        <p:blipFill>
+          <a:blip r:embed="rId3">
+            <a:extLst>
+              <a:ext uri="{28A0092B-C50C-407E-A947-70E740481C1C}">
+                <a14:useLocalDpi xmlns:a14="http://schemas.microsoft.com/office/drawing/2010/main" val="0"/>
+              </a:ext>
+            </a:extLst>
+          </a:blip>
+          <a:stretch>
+            <a:fillRect/>
+          </a:stretch>
+        </p:blipFill>
+        <p:spPr>
+          <a:xfrm>
+            <a:off x="5709640" y="1664513"/>
+            <a:ext cx="2738275" cy="5105361"/>
+          </a:xfrm>
+          <a:prstGeom prst="rect">
+            <a:avLst/>
+          </a:prstGeom>
+        </p:spPr>
+      </p:pic>
     </p:spTree>
     <p:extLst>
       <p:ext uri="{BB962C8B-B14F-4D97-AF65-F5344CB8AC3E}">
-        <p14:creationId xmlns:p14="http://schemas.microsoft.com/office/powerpoint/2010/main" val="2961750088"/>
+        <p14:creationId xmlns:p14="http://schemas.microsoft.com/office/powerpoint/2010/main" val="1083521963"/>
       </p:ext>
     </p:extLst>
   </p:cSld>
@@ -8296,7 +8684,7 @@
           <p:cNvPr id="2" name="标题 1">
             <a:extLst>
               <a:ext uri="{FF2B5EF4-FFF2-40B4-BE49-F238E27FC236}">
-                <a16:creationId xmlns:a16="http://schemas.microsoft.com/office/drawing/2014/main" id="{4AABB370-EDEF-426D-3CDE-2038CC9FE89A}"/>
+                <a16:creationId xmlns:a16="http://schemas.microsoft.com/office/drawing/2014/main" id="{5A5AEDB5-8DDE-F55D-73CB-5AD66194DE9D}"/>
               </a:ext>
             </a:extLst>
           </p:cNvPr>
@@ -8313,11 +8701,85 @@
           <a:lstStyle/>
           <a:p>
             <a:r>
-              <a:rPr lang="en-US">
-                <a:latin typeface="Times New Roman" panose="02020603050405020304" pitchFamily="18" charset="0"/>
-                <a:cs typeface="Times New Roman" panose="02020603050405020304" pitchFamily="18" charset="0"/>
-              </a:rPr>
-              <a:t>Q&amp;A </a:t>
+              <a:rPr lang="en-GB" altLang="zh-CN" dirty="0">
+                <a:latin typeface="Times New Roman" panose="02020603050405020304" pitchFamily="18" charset="0"/>
+                <a:cs typeface="Times New Roman" panose="02020603050405020304" pitchFamily="18" charset="0"/>
+              </a:rPr>
+              <a:t>Model Comparison with “LRT”</a:t>
+            </a:r>
+            <a:endParaRPr lang="en-GB" dirty="0"/>
+          </a:p>
+        </p:txBody>
+      </p:sp>
+      <p:sp>
+        <p:nvSpPr>
+          <p:cNvPr id="4" name="灯片编号占位符 3">
+            <a:extLst>
+              <a:ext uri="{FF2B5EF4-FFF2-40B4-BE49-F238E27FC236}">
+                <a16:creationId xmlns:a16="http://schemas.microsoft.com/office/drawing/2014/main" id="{53EACA69-B0F2-BADA-49ED-C650F0E4C1C1}"/>
+              </a:ext>
+            </a:extLst>
+          </p:cNvPr>
+          <p:cNvSpPr>
+            <a:spLocks noGrp="1"/>
+          </p:cNvSpPr>
+          <p:nvPr>
+            <p:ph type="sldNum" sz="quarter" idx="12"/>
+          </p:nvPr>
+        </p:nvSpPr>
+        <p:spPr/>
+        <p:txBody>
+          <a:bodyPr/>
+          <a:lstStyle/>
+          <a:p>
+            <a:fld id="{41F902B4-3FB8-458D-8E6E-B6B3111C7BD4}" type="slidenum">
+              <a:rPr lang="en-GB" smtClean="0"/>
+              <a:t>31</a:t>
+            </a:fld>
+            <a:endParaRPr lang="en-GB" dirty="0"/>
+          </a:p>
+        </p:txBody>
+      </p:sp>
+      <p:sp>
+        <p:nvSpPr>
+          <p:cNvPr id="8" name="内容占位符 7">
+            <a:extLst>
+              <a:ext uri="{FF2B5EF4-FFF2-40B4-BE49-F238E27FC236}">
+                <a16:creationId xmlns:a16="http://schemas.microsoft.com/office/drawing/2014/main" id="{254E204E-5BB4-3EDC-F290-B40843A0EC2D}"/>
+              </a:ext>
+            </a:extLst>
+          </p:cNvPr>
+          <p:cNvSpPr>
+            <a:spLocks noGrp="1"/>
+          </p:cNvSpPr>
+          <p:nvPr>
+            <p:ph idx="1"/>
+          </p:nvPr>
+        </p:nvSpPr>
+        <p:spPr/>
+        <p:txBody>
+          <a:bodyPr/>
+          <a:lstStyle/>
+          <a:p>
+            <a:r>
+              <a:rPr lang="en-US" altLang="zh-CN" dirty="0">
+                <a:latin typeface="Times New Roman" panose="02020603050405020304" pitchFamily="18" charset="0"/>
+                <a:cs typeface="Times New Roman" panose="02020603050405020304" pitchFamily="18" charset="0"/>
+              </a:rPr>
+              <a:t>P-value &gt; 0.05 # General Promotion  </a:t>
+            </a:r>
+            <a:endParaRPr lang="en-US" dirty="0">
+              <a:latin typeface="Times New Roman" panose="02020603050405020304" pitchFamily="18" charset="0"/>
+              <a:cs typeface="Times New Roman" panose="02020603050405020304" pitchFamily="18" charset="0"/>
+            </a:endParaRPr>
+          </a:p>
+          <a:p>
+            <a:r>
+              <a:rPr lang="en-US" dirty="0">
+                <a:latin typeface="Times New Roman" panose="02020603050405020304" pitchFamily="18" charset="0"/>
+                <a:cs typeface="Times New Roman" panose="02020603050405020304" pitchFamily="18" charset="0"/>
+              </a:rPr>
+              <a:t>P-value &gt; 0.05 # CMC Promotion  </a:t>
             </a:r>
             <a:endParaRPr lang="en-GB" dirty="0">
               <a:latin typeface="Times New Roman" panose="02020603050405020304" pitchFamily="18" charset="0"/>
@@ -8326,12 +8788,146 @@
           </a:p>
         </p:txBody>
       </p:sp>
+      <p:pic>
+        <p:nvPicPr>
+          <p:cNvPr id="9" name="内容占位符 5">
+            <a:extLst>
+              <a:ext uri="{FF2B5EF4-FFF2-40B4-BE49-F238E27FC236}">
+                <a16:creationId xmlns:a16="http://schemas.microsoft.com/office/drawing/2014/main" id="{9A0E36E3-B8D4-32A1-60A8-3BC4B8A9A1D6}"/>
+              </a:ext>
+            </a:extLst>
+          </p:cNvPr>
+          <p:cNvPicPr>
+            <a:picLocks noChangeAspect="1"/>
+          </p:cNvPicPr>
+          <p:nvPr/>
+        </p:nvPicPr>
+        <p:blipFill>
+          <a:blip r:embed="rId2">
+            <a:extLst>
+              <a:ext uri="{28A0092B-C50C-407E-A947-70E740481C1C}">
+                <a14:useLocalDpi xmlns:a14="http://schemas.microsoft.com/office/drawing/2010/main" val="0"/>
+              </a:ext>
+            </a:extLst>
+          </a:blip>
+          <a:stretch>
+            <a:fillRect/>
+          </a:stretch>
+        </p:blipFill>
+        <p:spPr>
+          <a:xfrm>
+            <a:off x="6021786" y="3636027"/>
+            <a:ext cx="6019011" cy="2419180"/>
+          </a:xfrm>
+          <a:prstGeom prst="rect">
+            <a:avLst/>
+          </a:prstGeom>
+        </p:spPr>
+      </p:pic>
+      <p:pic>
+        <p:nvPicPr>
+          <p:cNvPr id="13" name="图片 12">
+            <a:extLst>
+              <a:ext uri="{FF2B5EF4-FFF2-40B4-BE49-F238E27FC236}">
+                <a16:creationId xmlns:a16="http://schemas.microsoft.com/office/drawing/2014/main" id="{70F31AB6-04F2-4126-F07B-FE352C7D36C7}"/>
+              </a:ext>
+            </a:extLst>
+          </p:cNvPr>
+          <p:cNvPicPr>
+            <a:picLocks noChangeAspect="1"/>
+          </p:cNvPicPr>
+          <p:nvPr/>
+        </p:nvPicPr>
+        <p:blipFill>
+          <a:blip r:embed="rId3">
+            <a:extLst>
+              <a:ext uri="{28A0092B-C50C-407E-A947-70E740481C1C}">
+                <a14:useLocalDpi xmlns:a14="http://schemas.microsoft.com/office/drawing/2010/main" val="0"/>
+              </a:ext>
+            </a:extLst>
+          </a:blip>
+          <a:stretch>
+            <a:fillRect/>
+          </a:stretch>
+        </p:blipFill>
+        <p:spPr>
+          <a:xfrm>
+            <a:off x="151203" y="3783468"/>
+            <a:ext cx="5833563" cy="2124298"/>
+          </a:xfrm>
+          <a:prstGeom prst="rect">
+            <a:avLst/>
+          </a:prstGeom>
+        </p:spPr>
+      </p:pic>
+    </p:spTree>
+    <p:extLst>
+      <p:ext uri="{BB962C8B-B14F-4D97-AF65-F5344CB8AC3E}">
+        <p14:creationId xmlns:p14="http://schemas.microsoft.com/office/powerpoint/2010/main" val="3344301139"/>
+      </p:ext>
+    </p:extLst>
+  </p:cSld>
+  <p:clrMapOvr>
+    <a:masterClrMapping/>
+  </p:clrMapOvr>
+</p:sld>
+</file>
+
+<file path=ppt/slides/slide32.xml><?xml version="1.0" encoding="utf-8"?>
+<p:sld xmlns:a="http://schemas.openxmlformats.org/drawingml/2006/main" xmlns:r="http://schemas.openxmlformats.org/officeDocument/2006/relationships" xmlns:p="http://schemas.openxmlformats.org/presentationml/2006/main">
+  <p:cSld>
+    <p:spTree>
+      <p:nvGrpSpPr>
+        <p:cNvPr id="1" name=""/>
+        <p:cNvGrpSpPr/>
+        <p:nvPr/>
+      </p:nvGrpSpPr>
+      <p:grpSpPr>
+        <a:xfrm>
+          <a:off x="0" y="0"/>
+          <a:ext cx="0" cy="0"/>
+          <a:chOff x="0" y="0"/>
+          <a:chExt cx="0" cy="0"/>
+        </a:xfrm>
+      </p:grpSpPr>
+      <p:sp>
+        <p:nvSpPr>
+          <p:cNvPr id="2" name="标题 1">
+            <a:extLst>
+              <a:ext uri="{FF2B5EF4-FFF2-40B4-BE49-F238E27FC236}">
+                <a16:creationId xmlns:a16="http://schemas.microsoft.com/office/drawing/2014/main" id="{8DE9C87C-83A9-5B59-FD88-2346E849FDC6}"/>
+              </a:ext>
+            </a:extLst>
+          </p:cNvPr>
+          <p:cNvSpPr>
+            <a:spLocks noGrp="1"/>
+          </p:cNvSpPr>
+          <p:nvPr>
+            <p:ph type="title"/>
+          </p:nvPr>
+        </p:nvSpPr>
+        <p:spPr/>
+        <p:txBody>
+          <a:bodyPr/>
+          <a:lstStyle/>
+          <a:p>
+            <a:r>
+              <a:rPr lang="en-GB" altLang="zh-CN" dirty="0">
+                <a:latin typeface="Times New Roman" panose="02020603050405020304" pitchFamily="18" charset="0"/>
+                <a:cs typeface="Times New Roman" panose="02020603050405020304" pitchFamily="18" charset="0"/>
+              </a:rPr>
+              <a:t>My Further Thoughts</a:t>
+            </a:r>
+            <a:endParaRPr lang="en-GB" dirty="0"/>
+          </a:p>
+        </p:txBody>
+      </p:sp>
       <p:sp>
         <p:nvSpPr>
           <p:cNvPr id="3" name="内容占位符 2">
             <a:extLst>
               <a:ext uri="{FF2B5EF4-FFF2-40B4-BE49-F238E27FC236}">
-                <a16:creationId xmlns:a16="http://schemas.microsoft.com/office/drawing/2014/main" id="{EA38561C-5CDE-BD38-A6CB-832BB81F26EE}"/>
+                <a16:creationId xmlns:a16="http://schemas.microsoft.com/office/drawing/2014/main" id="{EA7B867E-FB9D-8BC2-977B-8EA063ADD121}"/>
               </a:ext>
             </a:extLst>
           </p:cNvPr>
@@ -8347,6 +8943,52 @@
           <a:bodyPr/>
           <a:lstStyle/>
           <a:p>
+            <a:r>
+              <a:rPr lang="en-GB" altLang="zh-CN" dirty="0">
+                <a:latin typeface="Times New Roman" panose="02020603050405020304" pitchFamily="18" charset="0"/>
+                <a:cs typeface="Times New Roman" panose="02020603050405020304" pitchFamily="18" charset="0"/>
+              </a:rPr>
+              <a:t>Overall, officers from ethnic minority are more likely to be promoted to genera and CMC if they have experience in commissar. </a:t>
+            </a:r>
+          </a:p>
+          <a:p>
+            <a:endParaRPr lang="en-GB" dirty="0">
+              <a:latin typeface="Times New Roman" panose="02020603050405020304" pitchFamily="18" charset="0"/>
+              <a:cs typeface="Times New Roman" panose="02020603050405020304" pitchFamily="18" charset="0"/>
+            </a:endParaRPr>
+          </a:p>
+          <a:p>
+            <a:r>
+              <a:rPr lang="en-GB" dirty="0">
+                <a:latin typeface="Times New Roman" panose="02020603050405020304" pitchFamily="18" charset="0"/>
+                <a:cs typeface="Times New Roman" panose="02020603050405020304" pitchFamily="18" charset="0"/>
+              </a:rPr>
+              <a:t>Theoretically coherent and relevant: loyalty to the regime may be the prior concern for promotion regarding the officers from ethnic minority.</a:t>
+            </a:r>
+          </a:p>
+          <a:p>
+            <a:endParaRPr lang="en-GB" dirty="0">
+              <a:latin typeface="Times New Roman" panose="02020603050405020304" pitchFamily="18" charset="0"/>
+              <a:cs typeface="Times New Roman" panose="02020603050405020304" pitchFamily="18" charset="0"/>
+            </a:endParaRPr>
+          </a:p>
+          <a:p>
+            <a:r>
+              <a:rPr lang="en-GB" altLang="zh-CN" dirty="0">
+                <a:latin typeface="Times New Roman" panose="02020603050405020304" pitchFamily="18" charset="0"/>
+                <a:cs typeface="Times New Roman" panose="02020603050405020304" pitchFamily="18" charset="0"/>
+              </a:rPr>
+              <a:t>But this interaction model is not better than additive</a:t>
+            </a:r>
+            <a:r>
+              <a:rPr lang="en-US" altLang="zh-CN" dirty="0">
+                <a:latin typeface="Times New Roman" panose="02020603050405020304" pitchFamily="18" charset="0"/>
+                <a:cs typeface="Times New Roman" panose="02020603050405020304" pitchFamily="18" charset="0"/>
+              </a:rPr>
+              <a:t>.</a:t>
+            </a:r>
+          </a:p>
+          <a:p>
             <a:endParaRPr lang="en-GB" dirty="0"/>
           </a:p>
         </p:txBody>
@@ -8356,7 +8998,7 @@
           <p:cNvPr id="4" name="灯片编号占位符 3">
             <a:extLst>
               <a:ext uri="{FF2B5EF4-FFF2-40B4-BE49-F238E27FC236}">
-                <a16:creationId xmlns:a16="http://schemas.microsoft.com/office/drawing/2014/main" id="{16B9BA2B-23A0-C7FF-C589-01688E7BA250}"/>
+                <a16:creationId xmlns:a16="http://schemas.microsoft.com/office/drawing/2014/main" id="{EB268E8B-2253-AE9E-3F3F-A01D087F8C25}"/>
               </a:ext>
             </a:extLst>
           </p:cNvPr>
@@ -8374,7 +9016,255 @@
           <a:p>
             <a:fld id="{41F902B4-3FB8-458D-8E6E-B6B3111C7BD4}" type="slidenum">
               <a:rPr lang="en-GB" smtClean="0"/>
-              <a:t>31</a:t>
+              <a:t>32</a:t>
+            </a:fld>
+            <a:endParaRPr lang="en-GB" dirty="0"/>
+          </a:p>
+        </p:txBody>
+      </p:sp>
+    </p:spTree>
+    <p:extLst>
+      <p:ext uri="{BB962C8B-B14F-4D97-AF65-F5344CB8AC3E}">
+        <p14:creationId xmlns:p14="http://schemas.microsoft.com/office/powerpoint/2010/main" val="2756765489"/>
+      </p:ext>
+    </p:extLst>
+  </p:cSld>
+  <p:clrMapOvr>
+    <a:masterClrMapping/>
+  </p:clrMapOvr>
+</p:sld>
+</file>
+
+<file path=ppt/slides/slide33.xml><?xml version="1.0" encoding="utf-8"?>
+<p:sld xmlns:a="http://schemas.openxmlformats.org/drawingml/2006/main" xmlns:r="http://schemas.openxmlformats.org/officeDocument/2006/relationships" xmlns:p="http://schemas.openxmlformats.org/presentationml/2006/main">
+  <p:cSld>
+    <p:spTree>
+      <p:nvGrpSpPr>
+        <p:cNvPr id="1" name=""/>
+        <p:cNvGrpSpPr/>
+        <p:nvPr/>
+      </p:nvGrpSpPr>
+      <p:grpSpPr>
+        <a:xfrm>
+          <a:off x="0" y="0"/>
+          <a:ext cx="0" cy="0"/>
+          <a:chOff x="0" y="0"/>
+          <a:chExt cx="0" cy="0"/>
+        </a:xfrm>
+      </p:grpSpPr>
+      <p:sp>
+        <p:nvSpPr>
+          <p:cNvPr id="2" name="标题 1">
+            <a:extLst>
+              <a:ext uri="{FF2B5EF4-FFF2-40B4-BE49-F238E27FC236}">
+                <a16:creationId xmlns:a16="http://schemas.microsoft.com/office/drawing/2014/main" id="{BB1B9F2D-2170-D807-397F-FD0D87A13F27}"/>
+              </a:ext>
+            </a:extLst>
+          </p:cNvPr>
+          <p:cNvSpPr>
+            <a:spLocks noGrp="1"/>
+          </p:cNvSpPr>
+          <p:nvPr>
+            <p:ph type="title"/>
+          </p:nvPr>
+        </p:nvSpPr>
+        <p:spPr/>
+        <p:txBody>
+          <a:bodyPr/>
+          <a:lstStyle/>
+          <a:p>
+            <a:r>
+              <a:rPr lang="en-US" dirty="0">
+                <a:latin typeface="Times New Roman" panose="02020603050405020304" pitchFamily="18" charset="0"/>
+                <a:cs typeface="Times New Roman" panose="02020603050405020304" pitchFamily="18" charset="0"/>
+              </a:rPr>
+              <a:t>Bibliography</a:t>
+            </a:r>
+            <a:endParaRPr lang="en-GB" dirty="0">
+              <a:latin typeface="Times New Roman" panose="02020603050405020304" pitchFamily="18" charset="0"/>
+              <a:cs typeface="Times New Roman" panose="02020603050405020304" pitchFamily="18" charset="0"/>
+            </a:endParaRPr>
+          </a:p>
+        </p:txBody>
+      </p:sp>
+      <p:sp>
+        <p:nvSpPr>
+          <p:cNvPr id="3" name="内容占位符 2">
+            <a:extLst>
+              <a:ext uri="{FF2B5EF4-FFF2-40B4-BE49-F238E27FC236}">
+                <a16:creationId xmlns:a16="http://schemas.microsoft.com/office/drawing/2014/main" id="{368DF6E0-3217-36FE-9EDB-C40CEA58DB79}"/>
+              </a:ext>
+            </a:extLst>
+          </p:cNvPr>
+          <p:cNvSpPr>
+            <a:spLocks noGrp="1"/>
+          </p:cNvSpPr>
+          <p:nvPr>
+            <p:ph idx="1"/>
+          </p:nvPr>
+        </p:nvSpPr>
+        <p:spPr/>
+        <p:txBody>
+          <a:bodyPr/>
+          <a:lstStyle/>
+          <a:p>
+            <a:r>
+              <a:rPr lang="en-US" altLang="zh-CN" dirty="0">
+                <a:latin typeface="Times New Roman" panose="02020603050405020304" pitchFamily="18" charset="0"/>
+                <a:cs typeface="Times New Roman" panose="02020603050405020304" pitchFamily="18" charset="0"/>
+              </a:rPr>
+              <a:t>Mattingly, Daniel. “How the Party Commands the Gun: The Foreign-Domestic Threat Dilemma in China.” American Journal of Political Science. Forthcoming. </a:t>
+            </a:r>
+            <a:endParaRPr lang="en-GB" dirty="0">
+              <a:latin typeface="Times New Roman" panose="02020603050405020304" pitchFamily="18" charset="0"/>
+              <a:cs typeface="Times New Roman" panose="02020603050405020304" pitchFamily="18" charset="0"/>
+            </a:endParaRPr>
+          </a:p>
+        </p:txBody>
+      </p:sp>
+      <p:sp>
+        <p:nvSpPr>
+          <p:cNvPr id="4" name="灯片编号占位符 3">
+            <a:extLst>
+              <a:ext uri="{FF2B5EF4-FFF2-40B4-BE49-F238E27FC236}">
+                <a16:creationId xmlns:a16="http://schemas.microsoft.com/office/drawing/2014/main" id="{08C0D814-13F5-622F-ADB5-C56FDA7B566D}"/>
+              </a:ext>
+            </a:extLst>
+          </p:cNvPr>
+          <p:cNvSpPr>
+            <a:spLocks noGrp="1"/>
+          </p:cNvSpPr>
+          <p:nvPr>
+            <p:ph type="sldNum" sz="quarter" idx="12"/>
+          </p:nvPr>
+        </p:nvSpPr>
+        <p:spPr/>
+        <p:txBody>
+          <a:bodyPr/>
+          <a:lstStyle/>
+          <a:p>
+            <a:fld id="{41F902B4-3FB8-458D-8E6E-B6B3111C7BD4}" type="slidenum">
+              <a:rPr lang="en-GB" smtClean="0"/>
+              <a:t>33</a:t>
+            </a:fld>
+            <a:endParaRPr lang="en-GB" dirty="0"/>
+          </a:p>
+        </p:txBody>
+      </p:sp>
+    </p:spTree>
+    <p:extLst>
+      <p:ext uri="{BB962C8B-B14F-4D97-AF65-F5344CB8AC3E}">
+        <p14:creationId xmlns:p14="http://schemas.microsoft.com/office/powerpoint/2010/main" val="2961750088"/>
+      </p:ext>
+    </p:extLst>
+  </p:cSld>
+  <p:clrMapOvr>
+    <a:masterClrMapping/>
+  </p:clrMapOvr>
+</p:sld>
+</file>
+
+<file path=ppt/slides/slide34.xml><?xml version="1.0" encoding="utf-8"?>
+<p:sld xmlns:a="http://schemas.openxmlformats.org/drawingml/2006/main" xmlns:r="http://schemas.openxmlformats.org/officeDocument/2006/relationships" xmlns:p="http://schemas.openxmlformats.org/presentationml/2006/main">
+  <p:cSld>
+    <p:spTree>
+      <p:nvGrpSpPr>
+        <p:cNvPr id="1" name=""/>
+        <p:cNvGrpSpPr/>
+        <p:nvPr/>
+      </p:nvGrpSpPr>
+      <p:grpSpPr>
+        <a:xfrm>
+          <a:off x="0" y="0"/>
+          <a:ext cx="0" cy="0"/>
+          <a:chOff x="0" y="0"/>
+          <a:chExt cx="0" cy="0"/>
+        </a:xfrm>
+      </p:grpSpPr>
+      <p:sp>
+        <p:nvSpPr>
+          <p:cNvPr id="2" name="标题 1">
+            <a:extLst>
+              <a:ext uri="{FF2B5EF4-FFF2-40B4-BE49-F238E27FC236}">
+                <a16:creationId xmlns:a16="http://schemas.microsoft.com/office/drawing/2014/main" id="{4AABB370-EDEF-426D-3CDE-2038CC9FE89A}"/>
+              </a:ext>
+            </a:extLst>
+          </p:cNvPr>
+          <p:cNvSpPr>
+            <a:spLocks noGrp="1"/>
+          </p:cNvSpPr>
+          <p:nvPr>
+            <p:ph type="title"/>
+          </p:nvPr>
+        </p:nvSpPr>
+        <p:spPr/>
+        <p:txBody>
+          <a:bodyPr/>
+          <a:lstStyle/>
+          <a:p>
+            <a:r>
+              <a:rPr lang="en-US">
+                <a:latin typeface="Times New Roman" panose="02020603050405020304" pitchFamily="18" charset="0"/>
+                <a:cs typeface="Times New Roman" panose="02020603050405020304" pitchFamily="18" charset="0"/>
+              </a:rPr>
+              <a:t>Q&amp;A </a:t>
+            </a:r>
+            <a:endParaRPr lang="en-GB" dirty="0">
+              <a:latin typeface="Times New Roman" panose="02020603050405020304" pitchFamily="18" charset="0"/>
+              <a:cs typeface="Times New Roman" panose="02020603050405020304" pitchFamily="18" charset="0"/>
+            </a:endParaRPr>
+          </a:p>
+        </p:txBody>
+      </p:sp>
+      <p:sp>
+        <p:nvSpPr>
+          <p:cNvPr id="3" name="内容占位符 2">
+            <a:extLst>
+              <a:ext uri="{FF2B5EF4-FFF2-40B4-BE49-F238E27FC236}">
+                <a16:creationId xmlns:a16="http://schemas.microsoft.com/office/drawing/2014/main" id="{EA38561C-5CDE-BD38-A6CB-832BB81F26EE}"/>
+              </a:ext>
+            </a:extLst>
+          </p:cNvPr>
+          <p:cNvSpPr>
+            <a:spLocks noGrp="1"/>
+          </p:cNvSpPr>
+          <p:nvPr>
+            <p:ph idx="1"/>
+          </p:nvPr>
+        </p:nvSpPr>
+        <p:spPr/>
+        <p:txBody>
+          <a:bodyPr/>
+          <a:lstStyle/>
+          <a:p>
+            <a:endParaRPr lang="en-GB" dirty="0"/>
+          </a:p>
+        </p:txBody>
+      </p:sp>
+      <p:sp>
+        <p:nvSpPr>
+          <p:cNvPr id="4" name="灯片编号占位符 3">
+            <a:extLst>
+              <a:ext uri="{FF2B5EF4-FFF2-40B4-BE49-F238E27FC236}">
+                <a16:creationId xmlns:a16="http://schemas.microsoft.com/office/drawing/2014/main" id="{16B9BA2B-23A0-C7FF-C589-01688E7BA250}"/>
+              </a:ext>
+            </a:extLst>
+          </p:cNvPr>
+          <p:cNvSpPr>
+            <a:spLocks noGrp="1"/>
+          </p:cNvSpPr>
+          <p:nvPr>
+            <p:ph type="sldNum" sz="quarter" idx="12"/>
+          </p:nvPr>
+        </p:nvSpPr>
+        <p:spPr/>
+        <p:txBody>
+          <a:bodyPr/>
+          <a:lstStyle/>
+          <a:p>
+            <a:fld id="{41F902B4-3FB8-458D-8E6E-B6B3111C7BD4}" type="slidenum">
+              <a:rPr lang="en-GB" smtClean="0"/>
+              <a:t>34</a:t>
             </a:fld>
             <a:endParaRPr lang="en-GB" dirty="0"/>
           </a:p>

--- a/Replication Project/Replication_Tianxin_Zhang_21352232.pptx
+++ b/Replication Project/Replication_Tianxin_Zhang_21352232.pptx
@@ -6543,7 +6543,21 @@
                 <a:latin typeface="Times New Roman" panose="02020603050405020304" pitchFamily="18" charset="0"/>
                 <a:cs typeface="Times New Roman" panose="02020603050405020304" pitchFamily="18" charset="0"/>
               </a:rPr>
-              <a:t>We cannot deny the null hypothesis that the interaction model is not better than additive model in explaining the general and CMC Promotion. </a:t>
+              <a:t>We cannot deny the null hypothesis that the interaction model is not better </a:t>
+            </a:r>
+            <a:r>
+              <a:rPr lang="en-US" altLang="zh-CN">
+                <a:latin typeface="Times New Roman" panose="02020603050405020304" pitchFamily="18" charset="0"/>
+                <a:cs typeface="Times New Roman" panose="02020603050405020304" pitchFamily="18" charset="0"/>
+              </a:rPr>
+              <a:t>than the additive </a:t>
+            </a:r>
+            <a:r>
+              <a:rPr lang="en-US" altLang="zh-CN" dirty="0">
+                <a:latin typeface="Times New Roman" panose="02020603050405020304" pitchFamily="18" charset="0"/>
+                <a:cs typeface="Times New Roman" panose="02020603050405020304" pitchFamily="18" charset="0"/>
+              </a:rPr>
+              <a:t>model in explaining the general and CMC promotion. </a:t>
             </a:r>
             <a:endParaRPr lang="en-GB" altLang="zh-CN" dirty="0">
               <a:latin typeface="Times New Roman" panose="02020603050405020304" pitchFamily="18" charset="0"/>
@@ -7492,7 +7506,7 @@
                 <a:latin typeface="Times New Roman" panose="02020603050405020304" pitchFamily="18" charset="0"/>
                 <a:cs typeface="Times New Roman" panose="02020603050405020304" pitchFamily="18" charset="0"/>
               </a:rPr>
-              <a:t>We cannot deny the null hypothesis that the interaction model is not better than additive model in explaining the general and CMC Promotion. </a:t>
+              <a:t>We cannot deny the null hypothesis that the interaction model is not better than the additive model in explaining the general and CMC promotion. </a:t>
             </a:r>
             <a:endParaRPr lang="en-GB" dirty="0">
               <a:latin typeface="Times New Roman" panose="02020603050405020304" pitchFamily="18" charset="0"/>
@@ -8679,115 +8693,6 @@
           <a:chExt cx="0" cy="0"/>
         </a:xfrm>
       </p:grpSpPr>
-      <p:sp>
-        <p:nvSpPr>
-          <p:cNvPr id="2" name="标题 1">
-            <a:extLst>
-              <a:ext uri="{FF2B5EF4-FFF2-40B4-BE49-F238E27FC236}">
-                <a16:creationId xmlns:a16="http://schemas.microsoft.com/office/drawing/2014/main" id="{5A5AEDB5-8DDE-F55D-73CB-5AD66194DE9D}"/>
-              </a:ext>
-            </a:extLst>
-          </p:cNvPr>
-          <p:cNvSpPr>
-            <a:spLocks noGrp="1"/>
-          </p:cNvSpPr>
-          <p:nvPr>
-            <p:ph type="title"/>
-          </p:nvPr>
-        </p:nvSpPr>
-        <p:spPr/>
-        <p:txBody>
-          <a:bodyPr/>
-          <a:lstStyle/>
-          <a:p>
-            <a:r>
-              <a:rPr lang="en-GB" altLang="zh-CN" dirty="0">
-                <a:latin typeface="Times New Roman" panose="02020603050405020304" pitchFamily="18" charset="0"/>
-                <a:cs typeface="Times New Roman" panose="02020603050405020304" pitchFamily="18" charset="0"/>
-              </a:rPr>
-              <a:t>Model Comparison with “LRT”</a:t>
-            </a:r>
-            <a:endParaRPr lang="en-GB" dirty="0"/>
-          </a:p>
-        </p:txBody>
-      </p:sp>
-      <p:sp>
-        <p:nvSpPr>
-          <p:cNvPr id="4" name="灯片编号占位符 3">
-            <a:extLst>
-              <a:ext uri="{FF2B5EF4-FFF2-40B4-BE49-F238E27FC236}">
-                <a16:creationId xmlns:a16="http://schemas.microsoft.com/office/drawing/2014/main" id="{53EACA69-B0F2-BADA-49ED-C650F0E4C1C1}"/>
-              </a:ext>
-            </a:extLst>
-          </p:cNvPr>
-          <p:cNvSpPr>
-            <a:spLocks noGrp="1"/>
-          </p:cNvSpPr>
-          <p:nvPr>
-            <p:ph type="sldNum" sz="quarter" idx="12"/>
-          </p:nvPr>
-        </p:nvSpPr>
-        <p:spPr/>
-        <p:txBody>
-          <a:bodyPr/>
-          <a:lstStyle/>
-          <a:p>
-            <a:fld id="{41F902B4-3FB8-458D-8E6E-B6B3111C7BD4}" type="slidenum">
-              <a:rPr lang="en-GB" smtClean="0"/>
-              <a:t>31</a:t>
-            </a:fld>
-            <a:endParaRPr lang="en-GB" dirty="0"/>
-          </a:p>
-        </p:txBody>
-      </p:sp>
-      <p:sp>
-        <p:nvSpPr>
-          <p:cNvPr id="8" name="内容占位符 7">
-            <a:extLst>
-              <a:ext uri="{FF2B5EF4-FFF2-40B4-BE49-F238E27FC236}">
-                <a16:creationId xmlns:a16="http://schemas.microsoft.com/office/drawing/2014/main" id="{254E204E-5BB4-3EDC-F290-B40843A0EC2D}"/>
-              </a:ext>
-            </a:extLst>
-          </p:cNvPr>
-          <p:cNvSpPr>
-            <a:spLocks noGrp="1"/>
-          </p:cNvSpPr>
-          <p:nvPr>
-            <p:ph idx="1"/>
-          </p:nvPr>
-        </p:nvSpPr>
-        <p:spPr/>
-        <p:txBody>
-          <a:bodyPr/>
-          <a:lstStyle/>
-          <a:p>
-            <a:r>
-              <a:rPr lang="en-US" altLang="zh-CN" dirty="0">
-                <a:latin typeface="Times New Roman" panose="02020603050405020304" pitchFamily="18" charset="0"/>
-                <a:cs typeface="Times New Roman" panose="02020603050405020304" pitchFamily="18" charset="0"/>
-              </a:rPr>
-              <a:t>P-value &gt; 0.05 # General Promotion  </a:t>
-            </a:r>
-            <a:endParaRPr lang="en-US" dirty="0">
-              <a:latin typeface="Times New Roman" panose="02020603050405020304" pitchFamily="18" charset="0"/>
-              <a:cs typeface="Times New Roman" panose="02020603050405020304" pitchFamily="18" charset="0"/>
-            </a:endParaRPr>
-          </a:p>
-          <a:p>
-            <a:r>
-              <a:rPr lang="en-US" dirty="0">
-                <a:latin typeface="Times New Roman" panose="02020603050405020304" pitchFamily="18" charset="0"/>
-                <a:cs typeface="Times New Roman" panose="02020603050405020304" pitchFamily="18" charset="0"/>
-              </a:rPr>
-              <a:t>P-value &gt; 0.05 # CMC Promotion  </a:t>
-            </a:r>
-            <a:endParaRPr lang="en-GB" dirty="0">
-              <a:latin typeface="Times New Roman" panose="02020603050405020304" pitchFamily="18" charset="0"/>
-              <a:cs typeface="Times New Roman" panose="02020603050405020304" pitchFamily="18" charset="0"/>
-            </a:endParaRPr>
-          </a:p>
-        </p:txBody>
-      </p:sp>
       <p:pic>
         <p:nvPicPr>
           <p:cNvPr id="9" name="内容占位符 5">
@@ -8816,14 +8721,144 @@
         </p:blipFill>
         <p:spPr>
           <a:xfrm>
-            <a:off x="6021786" y="3636027"/>
-            <a:ext cx="6019011" cy="2419180"/>
+            <a:off x="5909590" y="4522378"/>
+            <a:ext cx="5281993" cy="2122955"/>
           </a:xfrm>
           <a:prstGeom prst="rect">
             <a:avLst/>
           </a:prstGeom>
         </p:spPr>
       </p:pic>
+      <p:sp>
+        <p:nvSpPr>
+          <p:cNvPr id="2" name="标题 1">
+            <a:extLst>
+              <a:ext uri="{FF2B5EF4-FFF2-40B4-BE49-F238E27FC236}">
+                <a16:creationId xmlns:a16="http://schemas.microsoft.com/office/drawing/2014/main" id="{5A5AEDB5-8DDE-F55D-73CB-5AD66194DE9D}"/>
+              </a:ext>
+            </a:extLst>
+          </p:cNvPr>
+          <p:cNvSpPr>
+            <a:spLocks noGrp="1"/>
+          </p:cNvSpPr>
+          <p:nvPr>
+            <p:ph type="title"/>
+          </p:nvPr>
+        </p:nvSpPr>
+        <p:spPr/>
+        <p:txBody>
+          <a:bodyPr/>
+          <a:lstStyle/>
+          <a:p>
+            <a:r>
+              <a:rPr lang="en-GB" altLang="zh-CN" dirty="0">
+                <a:latin typeface="Times New Roman" panose="02020603050405020304" pitchFamily="18" charset="0"/>
+                <a:cs typeface="Times New Roman" panose="02020603050405020304" pitchFamily="18" charset="0"/>
+              </a:rPr>
+              <a:t>Model Comparison with “LRT”</a:t>
+            </a:r>
+            <a:endParaRPr lang="en-GB" dirty="0"/>
+          </a:p>
+        </p:txBody>
+      </p:sp>
+      <p:sp>
+        <p:nvSpPr>
+          <p:cNvPr id="4" name="灯片编号占位符 3">
+            <a:extLst>
+              <a:ext uri="{FF2B5EF4-FFF2-40B4-BE49-F238E27FC236}">
+                <a16:creationId xmlns:a16="http://schemas.microsoft.com/office/drawing/2014/main" id="{53EACA69-B0F2-BADA-49ED-C650F0E4C1C1}"/>
+              </a:ext>
+            </a:extLst>
+          </p:cNvPr>
+          <p:cNvSpPr>
+            <a:spLocks noGrp="1"/>
+          </p:cNvSpPr>
+          <p:nvPr>
+            <p:ph type="sldNum" sz="quarter" idx="12"/>
+          </p:nvPr>
+        </p:nvSpPr>
+        <p:spPr/>
+        <p:txBody>
+          <a:bodyPr/>
+          <a:lstStyle/>
+          <a:p>
+            <a:fld id="{41F902B4-3FB8-458D-8E6E-B6B3111C7BD4}" type="slidenum">
+              <a:rPr lang="en-GB" smtClean="0"/>
+              <a:t>31</a:t>
+            </a:fld>
+            <a:endParaRPr lang="en-GB" dirty="0"/>
+          </a:p>
+        </p:txBody>
+      </p:sp>
+      <p:sp>
+        <p:nvSpPr>
+          <p:cNvPr id="8" name="内容占位符 7">
+            <a:extLst>
+              <a:ext uri="{FF2B5EF4-FFF2-40B4-BE49-F238E27FC236}">
+                <a16:creationId xmlns:a16="http://schemas.microsoft.com/office/drawing/2014/main" id="{254E204E-5BB4-3EDC-F290-B40843A0EC2D}"/>
+              </a:ext>
+            </a:extLst>
+          </p:cNvPr>
+          <p:cNvSpPr>
+            <a:spLocks noGrp="1"/>
+          </p:cNvSpPr>
+          <p:nvPr>
+            <p:ph idx="1"/>
+          </p:nvPr>
+        </p:nvSpPr>
+        <p:spPr/>
+        <p:txBody>
+          <a:bodyPr/>
+          <a:lstStyle/>
+          <a:p>
+            <a:r>
+              <a:rPr lang="en-US" altLang="zh-CN" dirty="0">
+                <a:latin typeface="Times New Roman" panose="02020603050405020304" pitchFamily="18" charset="0"/>
+                <a:cs typeface="Times New Roman" panose="02020603050405020304" pitchFamily="18" charset="0"/>
+              </a:rPr>
+              <a:t>P-value &gt; 0.05 # General Promotion  </a:t>
+            </a:r>
+            <a:endParaRPr lang="en-US" dirty="0">
+              <a:latin typeface="Times New Roman" panose="02020603050405020304" pitchFamily="18" charset="0"/>
+              <a:cs typeface="Times New Roman" panose="02020603050405020304" pitchFamily="18" charset="0"/>
+            </a:endParaRPr>
+          </a:p>
+          <a:p>
+            <a:r>
+              <a:rPr lang="en-US" dirty="0">
+                <a:latin typeface="Times New Roman" panose="02020603050405020304" pitchFamily="18" charset="0"/>
+                <a:cs typeface="Times New Roman" panose="02020603050405020304" pitchFamily="18" charset="0"/>
+              </a:rPr>
+              <a:t>P-value &gt; 0.05 # CMC Promotion  </a:t>
+            </a:r>
+          </a:p>
+          <a:p>
+            <a:endParaRPr lang="en-US" dirty="0">
+              <a:latin typeface="Times New Roman" panose="02020603050405020304" pitchFamily="18" charset="0"/>
+              <a:cs typeface="Times New Roman" panose="02020603050405020304" pitchFamily="18" charset="0"/>
+            </a:endParaRPr>
+          </a:p>
+          <a:p>
+            <a:r>
+              <a:rPr lang="en-US" altLang="zh-CN" dirty="0">
+                <a:latin typeface="Times New Roman" panose="02020603050405020304" pitchFamily="18" charset="0"/>
+                <a:cs typeface="Times New Roman" panose="02020603050405020304" pitchFamily="18" charset="0"/>
+              </a:rPr>
+              <a:t>We cannot deny the null hypothesis that the interaction model is not better than the additive model in explaining the general and CMC promotion. </a:t>
+            </a:r>
+            <a:endParaRPr lang="en-GB" altLang="zh-CN" dirty="0">
+              <a:latin typeface="Times New Roman" panose="02020603050405020304" pitchFamily="18" charset="0"/>
+              <a:cs typeface="Times New Roman" panose="02020603050405020304" pitchFamily="18" charset="0"/>
+            </a:endParaRPr>
+          </a:p>
+          <a:p>
+            <a:endParaRPr lang="en-GB" dirty="0">
+              <a:latin typeface="Times New Roman" panose="02020603050405020304" pitchFamily="18" charset="0"/>
+              <a:cs typeface="Times New Roman" panose="02020603050405020304" pitchFamily="18" charset="0"/>
+            </a:endParaRPr>
+          </a:p>
+        </p:txBody>
+      </p:sp>
       <p:pic>
         <p:nvPicPr>
           <p:cNvPr id="13" name="图片 12">
@@ -8852,7 +8887,7 @@
         </p:blipFill>
         <p:spPr>
           <a:xfrm>
-            <a:off x="151203" y="3783468"/>
+            <a:off x="76027" y="4597177"/>
             <a:ext cx="5833563" cy="2124298"/>
           </a:xfrm>
           <a:prstGeom prst="rect">
